--- a/Slides/Sharda_11e_full_accessible_ppt_04.pptx
+++ b/Slides/Sharda_11e_full_accessible_ppt_04.pptx
@@ -5,63 +5,60 @@
     <p:sldMasterId id="2147483648" r:id="rId1"/>
   </p:sldMasterIdLst>
   <p:notesMasterIdLst>
-    <p:notesMasterId r:id="rId53"/>
+    <p:notesMasterId r:id="rId50"/>
   </p:notesMasterIdLst>
   <p:handoutMasterIdLst>
-    <p:handoutMasterId r:id="rId54"/>
+    <p:handoutMasterId r:id="rId51"/>
   </p:handoutMasterIdLst>
   <p:sldIdLst>
     <p:sldId id="1074" r:id="rId2"/>
     <p:sldId id="1189" r:id="rId3"/>
     <p:sldId id="1198" r:id="rId4"/>
-    <p:sldId id="1199" r:id="rId5"/>
-    <p:sldId id="1200" r:id="rId6"/>
-    <p:sldId id="1201" r:id="rId7"/>
-    <p:sldId id="1197" r:id="rId8"/>
-    <p:sldId id="1202" r:id="rId9"/>
-    <p:sldId id="1204" r:id="rId10"/>
-    <p:sldId id="1206" r:id="rId11"/>
-    <p:sldId id="1207" r:id="rId12"/>
-    <p:sldId id="1203" r:id="rId13"/>
-    <p:sldId id="1209" r:id="rId14"/>
-    <p:sldId id="1210" r:id="rId15"/>
-    <p:sldId id="1190" r:id="rId16"/>
-    <p:sldId id="1191" r:id="rId17"/>
-    <p:sldId id="1192" r:id="rId18"/>
-    <p:sldId id="1194" r:id="rId19"/>
-    <p:sldId id="1195" r:id="rId20"/>
-    <p:sldId id="1196" r:id="rId21"/>
-    <p:sldId id="1211" r:id="rId22"/>
-    <p:sldId id="1212" r:id="rId23"/>
-    <p:sldId id="1213" r:id="rId24"/>
-    <p:sldId id="1215" r:id="rId25"/>
-    <p:sldId id="1216" r:id="rId26"/>
-    <p:sldId id="1217" r:id="rId27"/>
-    <p:sldId id="1218" r:id="rId28"/>
-    <p:sldId id="1219" r:id="rId29"/>
-    <p:sldId id="1220" r:id="rId30"/>
-    <p:sldId id="1221" r:id="rId31"/>
-    <p:sldId id="1222" r:id="rId32"/>
-    <p:sldId id="1223" r:id="rId33"/>
-    <p:sldId id="1225" r:id="rId34"/>
-    <p:sldId id="1226" r:id="rId35"/>
-    <p:sldId id="1227" r:id="rId36"/>
-    <p:sldId id="1229" r:id="rId37"/>
-    <p:sldId id="1230" r:id="rId38"/>
-    <p:sldId id="1231" r:id="rId39"/>
-    <p:sldId id="1232" r:id="rId40"/>
-    <p:sldId id="1233" r:id="rId41"/>
-    <p:sldId id="1234" r:id="rId42"/>
-    <p:sldId id="1235" r:id="rId43"/>
-    <p:sldId id="1236" r:id="rId44"/>
-    <p:sldId id="1237" r:id="rId45"/>
-    <p:sldId id="1238" r:id="rId46"/>
-    <p:sldId id="1239" r:id="rId47"/>
-    <p:sldId id="1240" r:id="rId48"/>
-    <p:sldId id="1241" r:id="rId49"/>
-    <p:sldId id="1246" r:id="rId50"/>
-    <p:sldId id="1247" r:id="rId51"/>
-    <p:sldId id="1165" r:id="rId52"/>
+    <p:sldId id="1197" r:id="rId5"/>
+    <p:sldId id="1202" r:id="rId6"/>
+    <p:sldId id="1204" r:id="rId7"/>
+    <p:sldId id="1206" r:id="rId8"/>
+    <p:sldId id="1207" r:id="rId9"/>
+    <p:sldId id="1203" r:id="rId10"/>
+    <p:sldId id="1209" r:id="rId11"/>
+    <p:sldId id="1210" r:id="rId12"/>
+    <p:sldId id="1190" r:id="rId13"/>
+    <p:sldId id="1191" r:id="rId14"/>
+    <p:sldId id="1192" r:id="rId15"/>
+    <p:sldId id="1194" r:id="rId16"/>
+    <p:sldId id="1195" r:id="rId17"/>
+    <p:sldId id="1196" r:id="rId18"/>
+    <p:sldId id="1211" r:id="rId19"/>
+    <p:sldId id="1212" r:id="rId20"/>
+    <p:sldId id="1213" r:id="rId21"/>
+    <p:sldId id="1215" r:id="rId22"/>
+    <p:sldId id="1216" r:id="rId23"/>
+    <p:sldId id="1217" r:id="rId24"/>
+    <p:sldId id="1218" r:id="rId25"/>
+    <p:sldId id="1219" r:id="rId26"/>
+    <p:sldId id="1220" r:id="rId27"/>
+    <p:sldId id="1221" r:id="rId28"/>
+    <p:sldId id="1222" r:id="rId29"/>
+    <p:sldId id="1223" r:id="rId30"/>
+    <p:sldId id="1225" r:id="rId31"/>
+    <p:sldId id="1226" r:id="rId32"/>
+    <p:sldId id="1227" r:id="rId33"/>
+    <p:sldId id="1229" r:id="rId34"/>
+    <p:sldId id="1230" r:id="rId35"/>
+    <p:sldId id="1231" r:id="rId36"/>
+    <p:sldId id="1232" r:id="rId37"/>
+    <p:sldId id="1233" r:id="rId38"/>
+    <p:sldId id="1234" r:id="rId39"/>
+    <p:sldId id="1235" r:id="rId40"/>
+    <p:sldId id="1236" r:id="rId41"/>
+    <p:sldId id="1237" r:id="rId42"/>
+    <p:sldId id="1238" r:id="rId43"/>
+    <p:sldId id="1239" r:id="rId44"/>
+    <p:sldId id="1240" r:id="rId45"/>
+    <p:sldId id="1241" r:id="rId46"/>
+    <p:sldId id="1246" r:id="rId47"/>
+    <p:sldId id="1247" r:id="rId48"/>
+    <p:sldId id="1165" r:id="rId49"/>
   </p:sldIdLst>
   <p:sldSz cx="9144000" cy="6858000" type="screen4x3"/>
   <p:notesSz cx="6858000" cy="9144000"/>
@@ -4535,180 +4532,6 @@
 </p:notes>
 </file>
 
-<file path=ppt/notesSlides/notesSlide48.xml><?xml version="1.0" encoding="utf-8"?>
-<p:notes xmlns:a="http://schemas.openxmlformats.org/drawingml/2006/main" xmlns:r="http://schemas.openxmlformats.org/officeDocument/2006/relationships" xmlns:p="http://schemas.openxmlformats.org/presentationml/2006/main">
-  <p:cSld>
-    <p:spTree>
-      <p:nvGrpSpPr>
-        <p:cNvPr id="1" name=""/>
-        <p:cNvGrpSpPr/>
-        <p:nvPr/>
-      </p:nvGrpSpPr>
-      <p:grpSpPr>
-        <a:xfrm>
-          <a:off x="0" y="0"/>
-          <a:ext cx="0" cy="0"/>
-          <a:chOff x="0" y="0"/>
-          <a:chExt cx="0" cy="0"/>
-        </a:xfrm>
-      </p:grpSpPr>
-      <p:sp>
-        <p:nvSpPr>
-          <p:cNvPr id="2" name="Slide Image Placeholder 1"/>
-          <p:cNvSpPr>
-            <a:spLocks noGrp="1" noRot="1" noChangeAspect="1"/>
-          </p:cNvSpPr>
-          <p:nvPr>
-            <p:ph type="sldImg"/>
-          </p:nvPr>
-        </p:nvSpPr>
-        <p:spPr/>
-      </p:sp>
-      <p:sp>
-        <p:nvSpPr>
-          <p:cNvPr id="3" name="Notes Placeholder 2"/>
-          <p:cNvSpPr>
-            <a:spLocks noGrp="1"/>
-          </p:cNvSpPr>
-          <p:nvPr>
-            <p:ph type="body" idx="1"/>
-          </p:nvPr>
-        </p:nvSpPr>
-        <p:spPr/>
-        <p:txBody>
-          <a:bodyPr/>
-          <a:lstStyle/>
-          <a:p>
-            <a:pPr defTabSz="931774">
-              <a:defRPr/>
-            </a:pPr>
-            <a:endParaRPr lang="en-US" dirty="0"/>
-          </a:p>
-        </p:txBody>
-      </p:sp>
-      <p:sp>
-        <p:nvSpPr>
-          <p:cNvPr id="4" name="Slide Number Placeholder 3"/>
-          <p:cNvSpPr>
-            <a:spLocks noGrp="1"/>
-          </p:cNvSpPr>
-          <p:nvPr>
-            <p:ph type="sldNum" sz="quarter" idx="10"/>
-          </p:nvPr>
-        </p:nvSpPr>
-        <p:spPr/>
-        <p:txBody>
-          <a:bodyPr/>
-          <a:lstStyle/>
-          <a:p>
-            <a:fld id="{A73D6722-9B4D-4E29-B226-C325925A8118}" type="slidenum">
-              <a:rPr lang="en-US" smtClean="0"/>
-              <a:t>48</a:t>
-            </a:fld>
-            <a:endParaRPr lang="en-US" dirty="0"/>
-          </a:p>
-        </p:txBody>
-      </p:sp>
-    </p:spTree>
-    <p:extLst>
-      <p:ext uri="{BB962C8B-B14F-4D97-AF65-F5344CB8AC3E}">
-        <p14:creationId xmlns:p14="http://schemas.microsoft.com/office/powerpoint/2010/main" val="2124979669"/>
-      </p:ext>
-    </p:extLst>
-  </p:cSld>
-  <p:clrMapOvr>
-    <a:masterClrMapping/>
-  </p:clrMapOvr>
-</p:notes>
-</file>
-
-<file path=ppt/notesSlides/notesSlide49.xml><?xml version="1.0" encoding="utf-8"?>
-<p:notes xmlns:a="http://schemas.openxmlformats.org/drawingml/2006/main" xmlns:r="http://schemas.openxmlformats.org/officeDocument/2006/relationships" xmlns:p="http://schemas.openxmlformats.org/presentationml/2006/main">
-  <p:cSld>
-    <p:spTree>
-      <p:nvGrpSpPr>
-        <p:cNvPr id="1" name=""/>
-        <p:cNvGrpSpPr/>
-        <p:nvPr/>
-      </p:nvGrpSpPr>
-      <p:grpSpPr>
-        <a:xfrm>
-          <a:off x="0" y="0"/>
-          <a:ext cx="0" cy="0"/>
-          <a:chOff x="0" y="0"/>
-          <a:chExt cx="0" cy="0"/>
-        </a:xfrm>
-      </p:grpSpPr>
-      <p:sp>
-        <p:nvSpPr>
-          <p:cNvPr id="2" name="Slide Image Placeholder 1"/>
-          <p:cNvSpPr>
-            <a:spLocks noGrp="1" noRot="1" noChangeAspect="1"/>
-          </p:cNvSpPr>
-          <p:nvPr>
-            <p:ph type="sldImg"/>
-          </p:nvPr>
-        </p:nvSpPr>
-        <p:spPr/>
-      </p:sp>
-      <p:sp>
-        <p:nvSpPr>
-          <p:cNvPr id="3" name="Notes Placeholder 2"/>
-          <p:cNvSpPr>
-            <a:spLocks noGrp="1"/>
-          </p:cNvSpPr>
-          <p:nvPr>
-            <p:ph type="body" idx="1"/>
-          </p:nvPr>
-        </p:nvSpPr>
-        <p:spPr/>
-        <p:txBody>
-          <a:bodyPr/>
-          <a:lstStyle/>
-          <a:p>
-            <a:pPr defTabSz="931774">
-              <a:defRPr/>
-            </a:pPr>
-            <a:endParaRPr lang="en-US" dirty="0"/>
-          </a:p>
-        </p:txBody>
-      </p:sp>
-      <p:sp>
-        <p:nvSpPr>
-          <p:cNvPr id="4" name="Slide Number Placeholder 3"/>
-          <p:cNvSpPr>
-            <a:spLocks noGrp="1"/>
-          </p:cNvSpPr>
-          <p:nvPr>
-            <p:ph type="sldNum" sz="quarter" idx="10"/>
-          </p:nvPr>
-        </p:nvSpPr>
-        <p:spPr/>
-        <p:txBody>
-          <a:bodyPr/>
-          <a:lstStyle/>
-          <a:p>
-            <a:fld id="{A73D6722-9B4D-4E29-B226-C325925A8118}" type="slidenum">
-              <a:rPr lang="en-US" smtClean="0"/>
-              <a:t>49</a:t>
-            </a:fld>
-            <a:endParaRPr lang="en-US" dirty="0"/>
-          </a:p>
-        </p:txBody>
-      </p:sp>
-    </p:spTree>
-    <p:extLst>
-      <p:ext uri="{BB962C8B-B14F-4D97-AF65-F5344CB8AC3E}">
-        <p14:creationId xmlns:p14="http://schemas.microsoft.com/office/powerpoint/2010/main" val="2124979669"/>
-      </p:ext>
-    </p:extLst>
-  </p:cSld>
-  <p:clrMapOvr>
-    <a:masterClrMapping/>
-  </p:clrMapOvr>
-</p:notes>
-</file>
-
 <file path=ppt/notesSlides/notesSlide5.xml><?xml version="1.0" encoding="utf-8"?>
 <p:notes xmlns:a="http://schemas.openxmlformats.org/drawingml/2006/main" xmlns:r="http://schemas.openxmlformats.org/officeDocument/2006/relationships" xmlns:p="http://schemas.openxmlformats.org/presentationml/2006/main">
   <p:cSld>
@@ -4778,93 +4601,6 @@
             <a:fld id="{A73D6722-9B4D-4E29-B226-C325925A8118}" type="slidenum">
               <a:rPr lang="en-US" smtClean="0"/>
               <a:t>5</a:t>
-            </a:fld>
-            <a:endParaRPr lang="en-US" dirty="0"/>
-          </a:p>
-        </p:txBody>
-      </p:sp>
-    </p:spTree>
-    <p:extLst>
-      <p:ext uri="{BB962C8B-B14F-4D97-AF65-F5344CB8AC3E}">
-        <p14:creationId xmlns:p14="http://schemas.microsoft.com/office/powerpoint/2010/main" val="2124979669"/>
-      </p:ext>
-    </p:extLst>
-  </p:cSld>
-  <p:clrMapOvr>
-    <a:masterClrMapping/>
-  </p:clrMapOvr>
-</p:notes>
-</file>
-
-<file path=ppt/notesSlides/notesSlide50.xml><?xml version="1.0" encoding="utf-8"?>
-<p:notes xmlns:a="http://schemas.openxmlformats.org/drawingml/2006/main" xmlns:r="http://schemas.openxmlformats.org/officeDocument/2006/relationships" xmlns:p="http://schemas.openxmlformats.org/presentationml/2006/main">
-  <p:cSld>
-    <p:spTree>
-      <p:nvGrpSpPr>
-        <p:cNvPr id="1" name=""/>
-        <p:cNvGrpSpPr/>
-        <p:nvPr/>
-      </p:nvGrpSpPr>
-      <p:grpSpPr>
-        <a:xfrm>
-          <a:off x="0" y="0"/>
-          <a:ext cx="0" cy="0"/>
-          <a:chOff x="0" y="0"/>
-          <a:chExt cx="0" cy="0"/>
-        </a:xfrm>
-      </p:grpSpPr>
-      <p:sp>
-        <p:nvSpPr>
-          <p:cNvPr id="2" name="Slide Image Placeholder 1"/>
-          <p:cNvSpPr>
-            <a:spLocks noGrp="1" noRot="1" noChangeAspect="1"/>
-          </p:cNvSpPr>
-          <p:nvPr>
-            <p:ph type="sldImg"/>
-          </p:nvPr>
-        </p:nvSpPr>
-        <p:spPr/>
-      </p:sp>
-      <p:sp>
-        <p:nvSpPr>
-          <p:cNvPr id="3" name="Notes Placeholder 2"/>
-          <p:cNvSpPr>
-            <a:spLocks noGrp="1"/>
-          </p:cNvSpPr>
-          <p:nvPr>
-            <p:ph type="body" idx="1"/>
-          </p:nvPr>
-        </p:nvSpPr>
-        <p:spPr/>
-        <p:txBody>
-          <a:bodyPr/>
-          <a:lstStyle/>
-          <a:p>
-            <a:pPr defTabSz="931774">
-              <a:defRPr/>
-            </a:pPr>
-            <a:endParaRPr lang="en-US" dirty="0"/>
-          </a:p>
-        </p:txBody>
-      </p:sp>
-      <p:sp>
-        <p:nvSpPr>
-          <p:cNvPr id="4" name="Slide Number Placeholder 3"/>
-          <p:cNvSpPr>
-            <a:spLocks noGrp="1"/>
-          </p:cNvSpPr>
-          <p:nvPr>
-            <p:ph type="sldNum" sz="quarter" idx="10"/>
-          </p:nvPr>
-        </p:nvSpPr>
-        <p:spPr/>
-        <p:txBody>
-          <a:bodyPr/>
-          <a:lstStyle/>
-          <a:p>
-            <a:fld id="{A73D6722-9B4D-4E29-B226-C325925A8118}" type="slidenum">
-              <a:rPr lang="en-US" smtClean="0"/>
-              <a:t>50</a:t>
             </a:fld>
             <a:endParaRPr lang="en-US" dirty="0"/>
           </a:p>
@@ -12577,8 +12313,8 @@
         </p:nvSpPr>
         <p:spPr>
           <a:xfrm>
-            <a:off x="456154" y="73267"/>
-            <a:ext cx="8153400" cy="1107996"/>
+            <a:off x="456154" y="86523"/>
+            <a:ext cx="8153400" cy="553998"/>
           </a:xfrm>
         </p:spPr>
         <p:txBody>
@@ -12589,7 +12325,7 @@
           <a:p>
             <a:r>
               <a:rPr lang="en-IN" dirty="0"/>
-              <a:t>Data Mining Characteristics &amp; Objectives</a:t>
+              <a:t>Other Data Mining Patterns/Tasks</a:t>
             </a:r>
             <a:endParaRPr lang="en-US" dirty="0"/>
           </a:p>
@@ -12607,8 +12343,8 @@
         </p:nvSpPr>
         <p:spPr>
           <a:xfrm>
-            <a:off x="456154" y="1368400"/>
-            <a:ext cx="8153400" cy="4655121"/>
+            <a:off x="456154" y="999181"/>
+            <a:ext cx="8153400" cy="3724096"/>
           </a:xfrm>
         </p:spPr>
         <p:txBody>
@@ -12617,65 +12353,60 @@
           </a:bodyPr>
           <a:lstStyle/>
           <a:p>
-            <a:pPr marL="266700" indent="-266700"/>
-            <a:r>
-              <a:rPr lang="en-US" sz="2400" dirty="0"/>
-              <a:t>Source of data for </a:t>
-            </a:r>
-            <a:r>
-              <a:rPr lang="en-US" sz="2400" spc="-300" dirty="0"/>
-              <a:t>D </a:t>
-            </a:r>
-            <a:r>
-              <a:rPr lang="en-US" sz="2400" dirty="0"/>
-              <a:t>M is often a consolidated data warehouse (not always!).</a:t>
-            </a:r>
-          </a:p>
-          <a:p>
-            <a:pPr marL="266700" indent="-266700"/>
-            <a:r>
-              <a:rPr lang="en-US" sz="2400" spc="-300" dirty="0"/>
-              <a:t>D </a:t>
-            </a:r>
-            <a:r>
-              <a:rPr lang="en-US" sz="2400" dirty="0"/>
-              <a:t>M environment is usually a client-server or a Web-based information systems architecture.</a:t>
-            </a:r>
-          </a:p>
-          <a:p>
-            <a:pPr marL="266700" indent="-266700"/>
-            <a:r>
-              <a:rPr lang="en-US" sz="2400" dirty="0"/>
-              <a:t>Data is the most critical ingredient for </a:t>
-            </a:r>
-            <a:r>
-              <a:rPr lang="en-US" sz="2400" spc="-300" dirty="0"/>
-              <a:t>D </a:t>
-            </a:r>
-            <a:r>
-              <a:rPr lang="en-US" sz="2400" dirty="0"/>
-              <a:t>M which may include soft/unstructured data.</a:t>
-            </a:r>
-          </a:p>
-          <a:p>
-            <a:pPr marL="266700" indent="-266700"/>
-            <a:r>
-              <a:rPr lang="en-US" sz="2400" dirty="0"/>
-              <a:t>The miner is often an end user</a:t>
-            </a:r>
-          </a:p>
-          <a:p>
-            <a:pPr marL="266700" indent="-266700"/>
-            <a:r>
-              <a:rPr lang="en-US" sz="2400" dirty="0"/>
-              <a:t>Striking it rich requires creative thinking</a:t>
-            </a:r>
-          </a:p>
-          <a:p>
-            <a:pPr marL="266700" indent="-266700"/>
-            <a:r>
-              <a:rPr lang="en-US" sz="2400" dirty="0"/>
-              <a:t>Data mining tools’ capabilities and ease of use are essential (Web, parallel processing, etc.)</a:t>
+            <a:r>
+              <a:rPr lang="en-US" sz="2400" dirty="0"/>
+              <a:t>Time-series forecasting</a:t>
+            </a:r>
+          </a:p>
+          <a:p>
+            <a:pPr lvl="1"/>
+            <a:r>
+              <a:rPr lang="en-US" sz="2400" dirty="0"/>
+              <a:t>Part of the sequence or link analysis?</a:t>
+            </a:r>
+          </a:p>
+          <a:p>
+            <a:r>
+              <a:rPr lang="en-US" sz="2400" dirty="0"/>
+              <a:t>Visualization</a:t>
+            </a:r>
+          </a:p>
+          <a:p>
+            <a:pPr lvl="1"/>
+            <a:r>
+              <a:rPr lang="en-US" sz="2400" dirty="0"/>
+              <a:t>Another data mining task?</a:t>
+            </a:r>
+          </a:p>
+          <a:p>
+            <a:pPr lvl="1"/>
+            <a:r>
+              <a:rPr lang="en-US" sz="2400" dirty="0"/>
+              <a:t>Covered in Chapter 3</a:t>
+            </a:r>
+          </a:p>
+          <a:p>
+            <a:r>
+              <a:rPr lang="en-US" sz="2400" dirty="0">
+                <a:solidFill>
+                  <a:schemeClr val="bg2"/>
+                </a:solidFill>
+              </a:rPr>
+              <a:t>Data Mining versus Statistics</a:t>
+            </a:r>
+          </a:p>
+          <a:p>
+            <a:pPr lvl="1"/>
+            <a:r>
+              <a:rPr lang="en-US" sz="2400" dirty="0"/>
+              <a:t>Are they the same?</a:t>
+            </a:r>
+          </a:p>
+          <a:p>
+            <a:pPr lvl="1"/>
+            <a:r>
+              <a:rPr lang="en-US" sz="2400" dirty="0"/>
+              <a:t>What is the relationship between the two? </a:t>
             </a:r>
           </a:p>
         </p:txBody>
@@ -12683,7 +12414,7 @@
     </p:spTree>
     <p:extLst>
       <p:ext uri="{BB962C8B-B14F-4D97-AF65-F5344CB8AC3E}">
-        <p14:creationId xmlns:p14="http://schemas.microsoft.com/office/powerpoint/2010/main" val="1258968209"/>
+        <p14:creationId xmlns:p14="http://schemas.microsoft.com/office/powerpoint/2010/main" val="2994565073"/>
       </p:ext>
     </p:extLst>
   </p:cSld>
@@ -12733,9 +12464,14 @@
           <a:lstStyle/>
           <a:p>
             <a:r>
-              <a:rPr lang="en-US" dirty="0"/>
-              <a:t>How Data Mining Works</a:t>
-            </a:r>
+              <a:rPr lang="en-IN" dirty="0"/>
+              <a:t>Data Mining Applications </a:t>
+            </a:r>
+            <a:r>
+              <a:rPr lang="en-IN" sz="2800" dirty="0"/>
+              <a:t>(1 of 4)</a:t>
+            </a:r>
+            <a:endParaRPr lang="en-US" dirty="0"/>
           </a:p>
         </p:txBody>
       </p:sp>
@@ -12751,8 +12487,8 @@
         </p:nvSpPr>
         <p:spPr>
           <a:xfrm>
-            <a:off x="456154" y="990600"/>
-            <a:ext cx="8153400" cy="3531736"/>
+            <a:off x="456154" y="989656"/>
+            <a:ext cx="8153400" cy="4501232"/>
           </a:xfrm>
         </p:spPr>
         <p:txBody>
@@ -12762,61 +12498,70 @@
           <a:lstStyle/>
           <a:p>
             <a:r>
-              <a:rPr lang="en-US" sz="2400" spc="-300" dirty="0"/>
-              <a:t>D </a:t>
-            </a:r>
-            <a:r>
-              <a:rPr lang="en-US" sz="2400" dirty="0"/>
-              <a:t>M extract </a:t>
-            </a:r>
-            <a:r>
-              <a:rPr lang="en-US" sz="2400" u="sng" dirty="0"/>
-              <a:t>patterns</a:t>
-            </a:r>
-            <a:r>
-              <a:rPr lang="en-US" sz="2400" dirty="0"/>
-              <a:t> from data</a:t>
+              <a:rPr lang="en-US" sz="2400" dirty="0"/>
+              <a:t>Customer Relationship Management</a:t>
             </a:r>
           </a:p>
           <a:p>
             <a:pPr lvl="1"/>
             <a:r>
               <a:rPr lang="en-US" sz="2400" dirty="0"/>
-              <a:t>Pattern? A mathematical (numeric and/or symbolic) relationship among data items</a:t>
-            </a:r>
-          </a:p>
-          <a:p>
-            <a:r>
-              <a:rPr lang="en-US" sz="2400" dirty="0"/>
-              <a:t>Types of patterns</a:t>
+              <a:t>Maximize return on marketing campaigns</a:t>
             </a:r>
           </a:p>
           <a:p>
             <a:pPr lvl="1"/>
             <a:r>
               <a:rPr lang="en-US" sz="2400" dirty="0"/>
-              <a:t>Association</a:t>
+              <a:t>Improve customer retention (churn analysis)</a:t>
             </a:r>
           </a:p>
           <a:p>
             <a:pPr lvl="1"/>
             <a:r>
               <a:rPr lang="en-US" sz="2400" dirty="0"/>
-              <a:t>Prediction</a:t>
+              <a:t>Maximize customer value (cross-, up-selling)</a:t>
             </a:r>
           </a:p>
           <a:p>
             <a:pPr lvl="1"/>
             <a:r>
               <a:rPr lang="en-US" sz="2400" dirty="0"/>
-              <a:t>Cluster (segmentation)</a:t>
+              <a:t>Identify and treat most valued customers</a:t>
+            </a:r>
+          </a:p>
+          <a:p>
+            <a:r>
+              <a:rPr lang="en-US" sz="2400" dirty="0"/>
+              <a:t>Banking &amp; Other Financial </a:t>
             </a:r>
           </a:p>
           <a:p>
             <a:pPr lvl="1"/>
             <a:r>
               <a:rPr lang="en-US" sz="2400" dirty="0"/>
-              <a:t>Sequential (or time series) relationships</a:t>
+              <a:t>Automate the loan application process </a:t>
+            </a:r>
+          </a:p>
+          <a:p>
+            <a:pPr lvl="1"/>
+            <a:r>
+              <a:rPr lang="en-US" sz="2400" dirty="0"/>
+              <a:t>Detecting fraudulent transactions</a:t>
+            </a:r>
+          </a:p>
+          <a:p>
+            <a:pPr lvl="1"/>
+            <a:r>
+              <a:rPr lang="en-US" sz="2400" dirty="0"/>
+              <a:t>Maximize customer value (cross-, up-selling)</a:t>
+            </a:r>
+          </a:p>
+          <a:p>
+            <a:pPr lvl="1"/>
+            <a:r>
+              <a:rPr lang="en-US" sz="2400" dirty="0"/>
+              <a:t>Optimizing cash reserves with forecasting </a:t>
             </a:r>
           </a:p>
         </p:txBody>
@@ -12824,7 +12569,7 @@
     </p:spTree>
     <p:extLst>
       <p:ext uri="{BB962C8B-B14F-4D97-AF65-F5344CB8AC3E}">
-        <p14:creationId xmlns:p14="http://schemas.microsoft.com/office/powerpoint/2010/main" val="2942163444"/>
+        <p14:creationId xmlns:p14="http://schemas.microsoft.com/office/powerpoint/2010/main" val="1977756698"/>
       </p:ext>
     </p:extLst>
   </p:cSld>
@@ -12863,8 +12608,8 @@
         </p:nvSpPr>
         <p:spPr>
           <a:xfrm>
-            <a:off x="465207" y="76363"/>
-            <a:ext cx="8145393" cy="553998"/>
+            <a:off x="456154" y="76363"/>
+            <a:ext cx="8153400" cy="553998"/>
           </a:xfrm>
         </p:spPr>
         <p:txBody>
@@ -12875,7 +12620,11 @@
           <a:p>
             <a:r>
               <a:rPr lang="en-IN" dirty="0"/>
-              <a:t>A Taxonomy for Data Mining </a:t>
+              <a:t>Data Mining Applications </a:t>
+            </a:r>
+            <a:r>
+              <a:rPr lang="en-IN" sz="2800" dirty="0"/>
+              <a:t>(2 of 4)</a:t>
             </a:r>
             <a:endParaRPr lang="en-US" dirty="0"/>
           </a:p>
@@ -12893,8 +12642,8 @@
         </p:nvSpPr>
         <p:spPr>
           <a:xfrm>
-            <a:off x="456154" y="990128"/>
-            <a:ext cx="2744246" cy="1846659"/>
+            <a:off x="456154" y="987222"/>
+            <a:ext cx="8153400" cy="4424288"/>
           </a:xfrm>
         </p:spPr>
         <p:txBody>
@@ -12903,63 +12652,72 @@
           </a:bodyPr>
           <a:lstStyle/>
           <a:p>
-            <a:pPr marL="0" indent="0">
-              <a:buNone/>
-            </a:pPr>
-            <a:r>
-              <a:rPr lang="en-IN" sz="2400" b="1" dirty="0"/>
-              <a:t>Figure 4.2</a:t>
-            </a:r>
-            <a:r>
-              <a:rPr lang="en-IN" sz="2400" dirty="0"/>
-              <a:t> A Simple Taxonomy for Data Mining Tasks, Methods, and Algorithms.</a:t>
-            </a:r>
-          </a:p>
-        </p:txBody>
-      </p:sp>
-      <p:pic>
-        <p:nvPicPr>
-          <p:cNvPr id="2050" name="Picture 2" descr="The data depicted in the table is as follows: &#10;• Data Mining Tasks and Methods&#10;• Prediction&#10;• Classification&#10;• Data Mining Algorithms: Decision Trees, Neural Networks, Support Vector Machines, kNN, Naïve Bayes, GA.&#10;• Learning Type: Supervised&#10;• Regression&#10;• Data Mining Algorithms: Linear/Nonlinear Regression, ANN, Regression Trees, SVM, kNN, GA&#10;• Learning Type: Supervised&#10;• Time Series&#10;• Data Mining Algorithms: Autoregressive Methods, Averaging Methods, Exponential Smoothing, ARIMA&#10;• Learning Type: Supervised&#10;• Association&#10;• Market-Basket&#10;• Data Mining Algorithms: Apriori, OneR, ZeroR, Eclat, GA&#10;• Learning Type: Unsupervised&#10;• Link Analysis&#10;• Data Mining Algorithms: Expectation Maximization, Apriori Algorithm, Graph-Based Matching&#10;• Learning Type: Unsupervised&#10;• Sequence Analysis&#10;• Data Mining Algorithms: Apriori Algorithm, FP-Growth, Graph-Based Matching&#10;• Learning Type: Unsupervised&#10;• Segmentation&#10;• Clustering&#10;• Data Mining Algorithms: K-means, Expectation Maximization (EM)&#10;• Learning Type: Unsupervised&#10;• Outlier Analysis&#10;• Data Mining Algorithms: K-means, Expectation Maximization (EM)&#10;• Learning Type: Unsupervised&#10;"/>
-          <p:cNvPicPr>
-            <a:picLocks noChangeAspect="1" noChangeArrowheads="1"/>
-          </p:cNvPicPr>
-          <p:nvPr/>
-        </p:nvPicPr>
-        <p:blipFill rotWithShape="1">
-          <a:blip r:embed="rId3">
-            <a:extLst>
-              <a:ext uri="{28A0092B-C50C-407E-A947-70E740481C1C}">
-                <a14:useLocalDpi xmlns:a14="http://schemas.microsoft.com/office/drawing/2010/main" val="0"/>
-              </a:ext>
-            </a:extLst>
-          </a:blip>
-          <a:srcRect b="2606"/>
-          <a:stretch/>
-        </p:blipFill>
-        <p:spPr bwMode="auto">
-          <a:xfrm>
-            <a:off x="3487636" y="762000"/>
-            <a:ext cx="5081445" cy="5500477"/>
-          </a:xfrm>
-          <a:prstGeom prst="rect">
-            <a:avLst/>
-          </a:prstGeom>
-          <a:noFill/>
-          <a:extLst>
-            <a:ext uri="{909E8E84-426E-40DD-AFC4-6F175D3DCCD1}">
-              <a14:hiddenFill xmlns:a14="http://schemas.microsoft.com/office/drawing/2010/main">
-                <a:solidFill>
-                  <a:srgbClr val="FFFFFF"/>
-                </a:solidFill>
-              </a14:hiddenFill>
-            </a:ext>
-          </a:extLst>
-        </p:spPr>
-      </p:pic>
+            <a:r>
+              <a:rPr lang="en-US" sz="2400" dirty="0"/>
+              <a:t>Retailing and Logistics</a:t>
+            </a:r>
+          </a:p>
+          <a:p>
+            <a:pPr lvl="1"/>
+            <a:r>
+              <a:rPr lang="en-US" sz="2400" dirty="0"/>
+              <a:t>Optimize inventory levels at different locations</a:t>
+            </a:r>
+          </a:p>
+          <a:p>
+            <a:pPr lvl="1"/>
+            <a:r>
+              <a:rPr lang="en-US" sz="2400" dirty="0"/>
+              <a:t>Improve the store layout and sales promotions</a:t>
+            </a:r>
+          </a:p>
+          <a:p>
+            <a:pPr lvl="1"/>
+            <a:r>
+              <a:rPr lang="en-US" sz="2400" dirty="0"/>
+              <a:t>Optimize logistics by predicting seasonal effects</a:t>
+            </a:r>
+          </a:p>
+          <a:p>
+            <a:pPr lvl="1"/>
+            <a:r>
+              <a:rPr lang="en-US" sz="2400" dirty="0"/>
+              <a:t>Minimize losses due to limited shelf life</a:t>
+            </a:r>
+          </a:p>
+          <a:p>
+            <a:r>
+              <a:rPr lang="en-US" sz="2400" dirty="0"/>
+              <a:t>Manufacturing and Maintenance</a:t>
+            </a:r>
+          </a:p>
+          <a:p>
+            <a:pPr lvl="1"/>
+            <a:r>
+              <a:rPr lang="en-US" sz="2400" dirty="0"/>
+              <a:t>Predict/prevent machinery failures </a:t>
+            </a:r>
+          </a:p>
+          <a:p>
+            <a:pPr lvl="1"/>
+            <a:r>
+              <a:rPr lang="en-US" sz="2400" dirty="0"/>
+              <a:t>Identify anomalies in production systems to optimize the use manufacturing capacity</a:t>
+            </a:r>
+          </a:p>
+          <a:p>
+            <a:pPr lvl="1"/>
+            <a:r>
+              <a:rPr lang="en-US" sz="2400" dirty="0"/>
+              <a:t>Discover novel patterns to improve product quality</a:t>
+            </a:r>
+          </a:p>
+        </p:txBody>
+      </p:sp>
     </p:spTree>
     <p:extLst>
       <p:ext uri="{BB962C8B-B14F-4D97-AF65-F5344CB8AC3E}">
-        <p14:creationId xmlns:p14="http://schemas.microsoft.com/office/powerpoint/2010/main" val="1325967732"/>
+        <p14:creationId xmlns:p14="http://schemas.microsoft.com/office/powerpoint/2010/main" val="1530910739"/>
       </p:ext>
     </p:extLst>
   </p:cSld>
@@ -12998,7 +12756,7 @@
         </p:nvSpPr>
         <p:spPr>
           <a:xfrm>
-            <a:off x="456154" y="86523"/>
+            <a:off x="456154" y="76363"/>
             <a:ext cx="8153400" cy="553998"/>
           </a:xfrm>
         </p:spPr>
@@ -13010,7 +12768,11 @@
           <a:p>
             <a:r>
               <a:rPr lang="en-IN" dirty="0"/>
-              <a:t>Other Data Mining Patterns/Tasks</a:t>
+              <a:t>Data Mining Applications </a:t>
+            </a:r>
+            <a:r>
+              <a:rPr lang="en-IN" sz="2800" dirty="0"/>
+              <a:t>(3 of 4)</a:t>
             </a:r>
             <a:endParaRPr lang="en-US" dirty="0"/>
           </a:p>
@@ -13028,8 +12790,8 @@
         </p:nvSpPr>
         <p:spPr>
           <a:xfrm>
-            <a:off x="456154" y="999181"/>
-            <a:ext cx="8153400" cy="3724096"/>
+            <a:off x="456154" y="994693"/>
+            <a:ext cx="8153400" cy="4501232"/>
           </a:xfrm>
         </p:spPr>
         <p:txBody>
@@ -13040,58 +12802,69 @@
           <a:p>
             <a:r>
               <a:rPr lang="en-US" sz="2400" dirty="0"/>
-              <a:t>Time-series forecasting</a:t>
+              <a:t>Brokerage and Securities Trading</a:t>
             </a:r>
           </a:p>
           <a:p>
             <a:pPr lvl="1"/>
             <a:r>
               <a:rPr lang="en-US" sz="2400" dirty="0"/>
-              <a:t>Part of the sequence or link analysis?</a:t>
-            </a:r>
-          </a:p>
-          <a:p>
-            <a:r>
-              <a:rPr lang="en-US" sz="2400" dirty="0"/>
-              <a:t>Visualization</a:t>
+              <a:t>Predict changes on certain bond prices </a:t>
             </a:r>
           </a:p>
           <a:p>
             <a:pPr lvl="1"/>
             <a:r>
               <a:rPr lang="en-US" sz="2400" dirty="0"/>
-              <a:t>Another data mining task?</a:t>
+              <a:t>Forecast the direction of stock fluctuations</a:t>
             </a:r>
           </a:p>
           <a:p>
             <a:pPr lvl="1"/>
             <a:r>
               <a:rPr lang="en-US" sz="2400" dirty="0"/>
-              <a:t>Covered in Chapter 3</a:t>
-            </a:r>
-          </a:p>
-          <a:p>
-            <a:r>
-              <a:rPr lang="en-US" sz="2400" dirty="0">
-                <a:solidFill>
-                  <a:schemeClr val="bg2"/>
-                </a:solidFill>
-              </a:rPr>
-              <a:t>Data Mining versus Statistics</a:t>
+              <a:t>Assess the effect of events on market movements</a:t>
             </a:r>
           </a:p>
           <a:p>
             <a:pPr lvl="1"/>
             <a:r>
               <a:rPr lang="en-US" sz="2400" dirty="0"/>
-              <a:t>Are they the same?</a:t>
+              <a:t>Identify and prevent fraudulent activities in trading</a:t>
+            </a:r>
+          </a:p>
+          <a:p>
+            <a:r>
+              <a:rPr lang="en-US" sz="2400" dirty="0"/>
+              <a:t>Insurance</a:t>
             </a:r>
           </a:p>
           <a:p>
             <a:pPr lvl="1"/>
             <a:r>
               <a:rPr lang="en-US" sz="2400" dirty="0"/>
-              <a:t>What is the relationship between the two? </a:t>
+              <a:t>Forecast claim costs for better business planning</a:t>
+            </a:r>
+          </a:p>
+          <a:p>
+            <a:pPr lvl="1"/>
+            <a:r>
+              <a:rPr lang="en-US" sz="2400" dirty="0"/>
+              <a:t>Determine optimal rate plans </a:t>
+            </a:r>
+          </a:p>
+          <a:p>
+            <a:pPr lvl="1"/>
+            <a:r>
+              <a:rPr lang="en-US" sz="2400" dirty="0"/>
+              <a:t>Optimize marketing to specific customers </a:t>
+            </a:r>
+          </a:p>
+          <a:p>
+            <a:pPr lvl="1"/>
+            <a:r>
+              <a:rPr lang="en-US" sz="2400" dirty="0"/>
+              <a:t>Identify and prevent fraudulent claim activities</a:t>
             </a:r>
           </a:p>
         </p:txBody>
@@ -13099,7 +12872,7 @@
     </p:spTree>
     <p:extLst>
       <p:ext uri="{BB962C8B-B14F-4D97-AF65-F5344CB8AC3E}">
-        <p14:creationId xmlns:p14="http://schemas.microsoft.com/office/powerpoint/2010/main" val="2994565073"/>
+        <p14:creationId xmlns:p14="http://schemas.microsoft.com/office/powerpoint/2010/main" val="552946951"/>
       </p:ext>
     </p:extLst>
   </p:cSld>
@@ -13154,7 +12927,7 @@
             </a:r>
             <a:r>
               <a:rPr lang="en-IN" sz="2800" dirty="0"/>
-              <a:t>(1 of 4)</a:t>
+              <a:t>(4 of 4)</a:t>
             </a:r>
             <a:endParaRPr lang="en-US" dirty="0"/>
           </a:p>
@@ -13172,8 +12945,8 @@
         </p:nvSpPr>
         <p:spPr>
           <a:xfrm>
-            <a:off x="456154" y="989656"/>
-            <a:ext cx="8153400" cy="4501232"/>
+            <a:off x="456154" y="990600"/>
+            <a:ext cx="8153400" cy="3739485"/>
           </a:xfrm>
         </p:spPr>
         <p:txBody>
@@ -13184,69 +12957,43 @@
           <a:p>
             <a:r>
               <a:rPr lang="en-US" sz="2400" dirty="0"/>
-              <a:t>Customer Relationship Management</a:t>
-            </a:r>
-          </a:p>
-          <a:p>
-            <a:pPr lvl="1"/>
-            <a:r>
-              <a:rPr lang="en-US" sz="2400" dirty="0"/>
-              <a:t>Maximize return on marketing campaigns</a:t>
-            </a:r>
-          </a:p>
-          <a:p>
-            <a:pPr lvl="1"/>
-            <a:r>
-              <a:rPr lang="en-US" sz="2400" dirty="0"/>
-              <a:t>Improve customer retention (churn analysis)</a:t>
-            </a:r>
-          </a:p>
-          <a:p>
-            <a:pPr lvl="1"/>
-            <a:r>
-              <a:rPr lang="en-US" sz="2400" dirty="0"/>
-              <a:t>Maximize customer value (cross-, up-selling)</a:t>
-            </a:r>
-          </a:p>
-          <a:p>
-            <a:pPr lvl="1"/>
-            <a:r>
-              <a:rPr lang="en-US" sz="2400" dirty="0"/>
-              <a:t>Identify and treat most valued customers</a:t>
-            </a:r>
-          </a:p>
-          <a:p>
-            <a:r>
-              <a:rPr lang="en-US" sz="2400" dirty="0"/>
-              <a:t>Banking &amp; Other Financial </a:t>
-            </a:r>
-          </a:p>
-          <a:p>
-            <a:pPr lvl="1"/>
-            <a:r>
-              <a:rPr lang="en-US" sz="2400" dirty="0"/>
-              <a:t>Automate the loan application process </a:t>
-            </a:r>
-          </a:p>
-          <a:p>
-            <a:pPr lvl="1"/>
-            <a:r>
-              <a:rPr lang="en-US" sz="2400" dirty="0"/>
-              <a:t>Detecting fraudulent transactions</a:t>
-            </a:r>
-          </a:p>
-          <a:p>
-            <a:pPr lvl="1"/>
-            <a:r>
-              <a:rPr lang="en-US" sz="2400" dirty="0"/>
-              <a:t>Maximize customer value (cross-, up-selling)</a:t>
-            </a:r>
-          </a:p>
-          <a:p>
-            <a:pPr lvl="1"/>
-            <a:r>
-              <a:rPr lang="en-US" sz="2400" dirty="0"/>
-              <a:t>Optimizing cash reserves with forecasting </a:t>
+              <a:t>Computer hardware and software</a:t>
+            </a:r>
+          </a:p>
+          <a:p>
+            <a:r>
+              <a:rPr lang="en-US" sz="2400" dirty="0"/>
+              <a:t>Science and engineering</a:t>
+            </a:r>
+          </a:p>
+          <a:p>
+            <a:r>
+              <a:rPr lang="en-US" sz="2400" dirty="0"/>
+              <a:t>Government and defense</a:t>
+            </a:r>
+          </a:p>
+          <a:p>
+            <a:r>
+              <a:rPr lang="en-US" sz="2400" dirty="0"/>
+              <a:t>Homeland security and law enforcement</a:t>
+            </a:r>
+          </a:p>
+          <a:p>
+            <a:r>
+              <a:rPr lang="en-US" sz="2400" dirty="0"/>
+              <a:t>Travel, entertainment, sports</a:t>
+            </a:r>
+          </a:p>
+          <a:p>
+            <a:r>
+              <a:rPr lang="en-US" sz="2400" dirty="0"/>
+              <a:t>Healthcare and medicine</a:t>
+            </a:r>
+          </a:p>
+          <a:p>
+            <a:r>
+              <a:rPr lang="en-US" sz="2400" dirty="0"/>
+              <a:t>Sports,… virtually everywhere…</a:t>
             </a:r>
           </a:p>
         </p:txBody>
@@ -13254,7 +13001,7 @@
     </p:spTree>
     <p:extLst>
       <p:ext uri="{BB962C8B-B14F-4D97-AF65-F5344CB8AC3E}">
-        <p14:creationId xmlns:p14="http://schemas.microsoft.com/office/powerpoint/2010/main" val="1977756698"/>
+        <p14:creationId xmlns:p14="http://schemas.microsoft.com/office/powerpoint/2010/main" val="1967218391"/>
       </p:ext>
     </p:extLst>
   </p:cSld>
@@ -13305,11 +13052,7 @@
           <a:p>
             <a:r>
               <a:rPr lang="en-IN" dirty="0"/>
-              <a:t>Data Mining Applications </a:t>
-            </a:r>
-            <a:r>
-              <a:rPr lang="en-IN" sz="2800" dirty="0"/>
-              <a:t>(2 of 4)</a:t>
+              <a:t>Data Mining Process</a:t>
             </a:r>
             <a:endParaRPr lang="en-US" dirty="0"/>
           </a:p>
@@ -13327,8 +13070,8 @@
         </p:nvSpPr>
         <p:spPr>
           <a:xfrm>
-            <a:off x="456154" y="987222"/>
-            <a:ext cx="8153400" cy="4424288"/>
+            <a:off x="456154" y="990689"/>
+            <a:ext cx="8153400" cy="4693593"/>
           </a:xfrm>
         </p:spPr>
         <p:txBody>
@@ -13339,62 +13082,168 @@
           <a:p>
             <a:r>
               <a:rPr lang="en-US" sz="2400" dirty="0"/>
-              <a:t>Retailing and Logistics</a:t>
+              <a:t>A manifestation of the best practices</a:t>
+            </a:r>
+          </a:p>
+          <a:p>
+            <a:r>
+              <a:rPr lang="en-US" sz="2400" dirty="0"/>
+              <a:t>A systematic way to conduct </a:t>
+            </a:r>
+            <a:r>
+              <a:rPr lang="en-US" sz="2400" spc="-300" dirty="0"/>
+              <a:t>D </a:t>
+            </a:r>
+            <a:r>
+              <a:rPr lang="en-US" sz="2400" dirty="0"/>
+              <a:t>M projects</a:t>
+            </a:r>
+          </a:p>
+          <a:p>
+            <a:r>
+              <a:rPr lang="en-US" sz="2400" dirty="0"/>
+              <a:t>Moving from </a:t>
+            </a:r>
+            <a:r>
+              <a:rPr lang="en-US" sz="2400" dirty="0">
+                <a:solidFill>
+                  <a:schemeClr val="bg2"/>
+                </a:solidFill>
+              </a:rPr>
+              <a:t>Art to Science</a:t>
+            </a:r>
+            <a:r>
+              <a:rPr lang="en-US" sz="2400" dirty="0"/>
+              <a:t> for </a:t>
+            </a:r>
+            <a:r>
+              <a:rPr lang="en-US" sz="2400" spc="-300" dirty="0"/>
+              <a:t>D </a:t>
+            </a:r>
+            <a:r>
+              <a:rPr lang="en-US" sz="2400" dirty="0"/>
+              <a:t>M project</a:t>
+            </a:r>
+          </a:p>
+          <a:p>
+            <a:r>
+              <a:rPr lang="en-US" sz="2400" dirty="0"/>
+              <a:t>Everybody has a different version</a:t>
+            </a:r>
+          </a:p>
+          <a:p>
+            <a:r>
+              <a:rPr lang="en-US" sz="2400" dirty="0"/>
+              <a:t>Most common standard processes:</a:t>
             </a:r>
           </a:p>
           <a:p>
             <a:pPr lvl="1"/>
             <a:r>
-              <a:rPr lang="en-US" sz="2400" dirty="0"/>
-              <a:t>Optimize inventory levels at different locations</a:t>
+              <a:rPr lang="en-US" sz="2400" spc="-300" dirty="0">
+                <a:solidFill>
+                  <a:schemeClr val="bg2"/>
+                </a:solidFill>
+              </a:rPr>
+              <a:t>C R I S </a:t>
+            </a:r>
+            <a:r>
+              <a:rPr lang="en-US" sz="2400" dirty="0">
+                <a:solidFill>
+                  <a:schemeClr val="bg2"/>
+                </a:solidFill>
+              </a:rPr>
+              <a:t>P-</a:t>
+            </a:r>
+            <a:r>
+              <a:rPr lang="en-US" sz="2400" spc="-300" dirty="0">
+                <a:solidFill>
+                  <a:schemeClr val="bg2"/>
+                </a:solidFill>
+              </a:rPr>
+              <a:t>D </a:t>
+            </a:r>
+            <a:r>
+              <a:rPr lang="en-US" sz="2400" dirty="0">
+                <a:solidFill>
+                  <a:schemeClr val="bg2"/>
+                </a:solidFill>
+              </a:rPr>
+              <a:t>M</a:t>
+            </a:r>
+            <a:r>
+              <a:rPr lang="en-US" sz="2400" dirty="0"/>
+              <a:t> (Cross-Industry Standard Process for Data Mining)</a:t>
             </a:r>
           </a:p>
           <a:p>
             <a:pPr lvl="1"/>
             <a:r>
-              <a:rPr lang="en-US" sz="2400" dirty="0"/>
-              <a:t>Improve the store layout and sales promotions</a:t>
+              <a:rPr lang="en-US" sz="2400" spc="-300" dirty="0">
+                <a:solidFill>
+                  <a:schemeClr val="bg2"/>
+                </a:solidFill>
+              </a:rPr>
+              <a:t>S E M </a:t>
+            </a:r>
+            <a:r>
+              <a:rPr lang="en-US" sz="2400" spc="-300" dirty="0" err="1">
+                <a:solidFill>
+                  <a:schemeClr val="bg2"/>
+                </a:solidFill>
+              </a:rPr>
+              <a:t>M</a:t>
+            </a:r>
+            <a:r>
+              <a:rPr lang="en-US" sz="2400" spc="-300" dirty="0">
+                <a:solidFill>
+                  <a:schemeClr val="bg2"/>
+                </a:solidFill>
+              </a:rPr>
+              <a:t> </a:t>
+            </a:r>
+            <a:r>
+              <a:rPr lang="en-US" sz="2400" dirty="0">
+                <a:solidFill>
+                  <a:schemeClr val="bg2"/>
+                </a:solidFill>
+              </a:rPr>
+              <a:t>A</a:t>
+            </a:r>
+            <a:r>
+              <a:rPr lang="en-US" sz="2400" dirty="0"/>
+              <a:t> (Sample, Explore, Modify, Model, and Assess)</a:t>
             </a:r>
           </a:p>
           <a:p>
             <a:pPr lvl="1"/>
             <a:r>
-              <a:rPr lang="en-US" sz="2400" dirty="0"/>
-              <a:t>Optimize logistics by predicting seasonal effects</a:t>
-            </a:r>
-          </a:p>
-          <a:p>
-            <a:pPr lvl="1"/>
-            <a:r>
-              <a:rPr lang="en-US" sz="2400" dirty="0"/>
-              <a:t>Minimize losses due to limited shelf life</a:t>
-            </a:r>
-          </a:p>
-          <a:p>
-            <a:r>
-              <a:rPr lang="en-US" sz="2400" dirty="0"/>
-              <a:t>Manufacturing and Maintenance</a:t>
-            </a:r>
-          </a:p>
-          <a:p>
-            <a:pPr lvl="1"/>
-            <a:r>
-              <a:rPr lang="en-US" sz="2400" dirty="0"/>
-              <a:t>Predict/prevent machinery failures </a:t>
-            </a:r>
-          </a:p>
-          <a:p>
-            <a:pPr lvl="1"/>
-            <a:r>
-              <a:rPr lang="en-US" sz="2400" dirty="0"/>
-              <a:t>Identify anomalies in production systems to optimize the use manufacturing capacity</a:t>
-            </a:r>
-          </a:p>
-          <a:p>
-            <a:pPr lvl="1"/>
-            <a:r>
-              <a:rPr lang="en-US" sz="2400" dirty="0"/>
-              <a:t>Discover novel patterns to improve product quality</a:t>
+              <a:rPr lang="en-US" sz="2400" spc="-300" dirty="0">
+                <a:solidFill>
+                  <a:schemeClr val="bg2"/>
+                </a:solidFill>
+              </a:rPr>
+              <a:t>K D </a:t>
+            </a:r>
+            <a:r>
+              <a:rPr lang="en-US" sz="2400" dirty="0" err="1">
+                <a:solidFill>
+                  <a:schemeClr val="bg2"/>
+                </a:solidFill>
+              </a:rPr>
+              <a:t>D</a:t>
+            </a:r>
+            <a:r>
+              <a:rPr lang="en-US" sz="2400" dirty="0">
+                <a:solidFill>
+                  <a:schemeClr val="bg2"/>
+                </a:solidFill>
+              </a:rPr>
+              <a:t> </a:t>
+            </a:r>
+            <a:r>
+              <a:rPr lang="en-US" sz="2400" dirty="0"/>
+              <a:t>(Knowledge Discovery in Databases)</a:t>
             </a:r>
           </a:p>
         </p:txBody>
@@ -13402,7 +13251,7 @@
     </p:spTree>
     <p:extLst>
       <p:ext uri="{BB962C8B-B14F-4D97-AF65-F5344CB8AC3E}">
-        <p14:creationId xmlns:p14="http://schemas.microsoft.com/office/powerpoint/2010/main" val="1530910739"/>
+        <p14:creationId xmlns:p14="http://schemas.microsoft.com/office/powerpoint/2010/main" val="1140292880"/>
       </p:ext>
     </p:extLst>
   </p:cSld>
@@ -13441,540 +13290,6 @@
         </p:nvSpPr>
         <p:spPr>
           <a:xfrm>
-            <a:off x="456154" y="76363"/>
-            <a:ext cx="8153400" cy="553998"/>
-          </a:xfrm>
-        </p:spPr>
-        <p:txBody>
-          <a:bodyPr wrap="square">
-            <a:spAutoFit/>
-          </a:bodyPr>
-          <a:lstStyle/>
-          <a:p>
-            <a:r>
-              <a:rPr lang="en-IN" dirty="0"/>
-              <a:t>Data Mining Applications </a:t>
-            </a:r>
-            <a:r>
-              <a:rPr lang="en-IN" sz="2800" dirty="0"/>
-              <a:t>(3 of 4)</a:t>
-            </a:r>
-            <a:endParaRPr lang="en-US" dirty="0"/>
-          </a:p>
-        </p:txBody>
-      </p:sp>
-      <p:sp>
-        <p:nvSpPr>
-          <p:cNvPr id="3" name="Content Placeholder 2"/>
-          <p:cNvSpPr>
-            <a:spLocks noGrp="1"/>
-          </p:cNvSpPr>
-          <p:nvPr>
-            <p:ph idx="1"/>
-          </p:nvPr>
-        </p:nvSpPr>
-        <p:spPr>
-          <a:xfrm>
-            <a:off x="456154" y="994693"/>
-            <a:ext cx="8153400" cy="4501232"/>
-          </a:xfrm>
-        </p:spPr>
-        <p:txBody>
-          <a:bodyPr wrap="square">
-            <a:spAutoFit/>
-          </a:bodyPr>
-          <a:lstStyle/>
-          <a:p>
-            <a:r>
-              <a:rPr lang="en-US" sz="2400" dirty="0"/>
-              <a:t>Brokerage and Securities Trading</a:t>
-            </a:r>
-          </a:p>
-          <a:p>
-            <a:pPr lvl="1"/>
-            <a:r>
-              <a:rPr lang="en-US" sz="2400" dirty="0"/>
-              <a:t>Predict changes on certain bond prices </a:t>
-            </a:r>
-          </a:p>
-          <a:p>
-            <a:pPr lvl="1"/>
-            <a:r>
-              <a:rPr lang="en-US" sz="2400" dirty="0"/>
-              <a:t>Forecast the direction of stock fluctuations</a:t>
-            </a:r>
-          </a:p>
-          <a:p>
-            <a:pPr lvl="1"/>
-            <a:r>
-              <a:rPr lang="en-US" sz="2400" dirty="0"/>
-              <a:t>Assess the effect of events on market movements</a:t>
-            </a:r>
-          </a:p>
-          <a:p>
-            <a:pPr lvl="1"/>
-            <a:r>
-              <a:rPr lang="en-US" sz="2400" dirty="0"/>
-              <a:t>Identify and prevent fraudulent activities in trading</a:t>
-            </a:r>
-          </a:p>
-          <a:p>
-            <a:r>
-              <a:rPr lang="en-US" sz="2400" dirty="0"/>
-              <a:t>Insurance</a:t>
-            </a:r>
-          </a:p>
-          <a:p>
-            <a:pPr lvl="1"/>
-            <a:r>
-              <a:rPr lang="en-US" sz="2400" dirty="0"/>
-              <a:t>Forecast claim costs for better business planning</a:t>
-            </a:r>
-          </a:p>
-          <a:p>
-            <a:pPr lvl="1"/>
-            <a:r>
-              <a:rPr lang="en-US" sz="2400" dirty="0"/>
-              <a:t>Determine optimal rate plans </a:t>
-            </a:r>
-          </a:p>
-          <a:p>
-            <a:pPr lvl="1"/>
-            <a:r>
-              <a:rPr lang="en-US" sz="2400" dirty="0"/>
-              <a:t>Optimize marketing to specific customers </a:t>
-            </a:r>
-          </a:p>
-          <a:p>
-            <a:pPr lvl="1"/>
-            <a:r>
-              <a:rPr lang="en-US" sz="2400" dirty="0"/>
-              <a:t>Identify and prevent fraudulent claim activities</a:t>
-            </a:r>
-          </a:p>
-        </p:txBody>
-      </p:sp>
-    </p:spTree>
-    <p:extLst>
-      <p:ext uri="{BB962C8B-B14F-4D97-AF65-F5344CB8AC3E}">
-        <p14:creationId xmlns:p14="http://schemas.microsoft.com/office/powerpoint/2010/main" val="552946951"/>
-      </p:ext>
-    </p:extLst>
-  </p:cSld>
-  <p:clrMapOvr>
-    <a:masterClrMapping/>
-  </p:clrMapOvr>
-</p:sld>
-</file>
-
-<file path=ppt/slides/slide17.xml><?xml version="1.0" encoding="utf-8"?>
-<p:sld xmlns:a="http://schemas.openxmlformats.org/drawingml/2006/main" xmlns:r="http://schemas.openxmlformats.org/officeDocument/2006/relationships" xmlns:p="http://schemas.openxmlformats.org/presentationml/2006/main">
-  <p:cSld>
-    <p:spTree>
-      <p:nvGrpSpPr>
-        <p:cNvPr id="1" name=""/>
-        <p:cNvGrpSpPr/>
-        <p:nvPr/>
-      </p:nvGrpSpPr>
-      <p:grpSpPr>
-        <a:xfrm>
-          <a:off x="0" y="0"/>
-          <a:ext cx="0" cy="0"/>
-          <a:chOff x="0" y="0"/>
-          <a:chExt cx="0" cy="0"/>
-        </a:xfrm>
-      </p:grpSpPr>
-      <p:sp>
-        <p:nvSpPr>
-          <p:cNvPr id="2" name="Title 1"/>
-          <p:cNvSpPr>
-            <a:spLocks noGrp="1"/>
-          </p:cNvSpPr>
-          <p:nvPr>
-            <p:ph type="title"/>
-          </p:nvPr>
-        </p:nvSpPr>
-        <p:spPr>
-          <a:xfrm>
-            <a:off x="456154" y="76363"/>
-            <a:ext cx="8153400" cy="553998"/>
-          </a:xfrm>
-        </p:spPr>
-        <p:txBody>
-          <a:bodyPr wrap="square">
-            <a:spAutoFit/>
-          </a:bodyPr>
-          <a:lstStyle/>
-          <a:p>
-            <a:r>
-              <a:rPr lang="en-IN" dirty="0"/>
-              <a:t>Data Mining Applications </a:t>
-            </a:r>
-            <a:r>
-              <a:rPr lang="en-IN" sz="2800" dirty="0"/>
-              <a:t>(4 of 4)</a:t>
-            </a:r>
-            <a:endParaRPr lang="en-US" dirty="0"/>
-          </a:p>
-        </p:txBody>
-      </p:sp>
-      <p:sp>
-        <p:nvSpPr>
-          <p:cNvPr id="3" name="Content Placeholder 2"/>
-          <p:cNvSpPr>
-            <a:spLocks noGrp="1"/>
-          </p:cNvSpPr>
-          <p:nvPr>
-            <p:ph idx="1"/>
-          </p:nvPr>
-        </p:nvSpPr>
-        <p:spPr>
-          <a:xfrm>
-            <a:off x="456154" y="990600"/>
-            <a:ext cx="8153400" cy="3739485"/>
-          </a:xfrm>
-        </p:spPr>
-        <p:txBody>
-          <a:bodyPr wrap="square">
-            <a:spAutoFit/>
-          </a:bodyPr>
-          <a:lstStyle/>
-          <a:p>
-            <a:r>
-              <a:rPr lang="en-US" sz="2400" dirty="0"/>
-              <a:t>Computer hardware and software</a:t>
-            </a:r>
-          </a:p>
-          <a:p>
-            <a:r>
-              <a:rPr lang="en-US" sz="2400" dirty="0"/>
-              <a:t>Science and engineering</a:t>
-            </a:r>
-          </a:p>
-          <a:p>
-            <a:r>
-              <a:rPr lang="en-US" sz="2400" dirty="0"/>
-              <a:t>Government and defense</a:t>
-            </a:r>
-          </a:p>
-          <a:p>
-            <a:r>
-              <a:rPr lang="en-US" sz="2400" dirty="0"/>
-              <a:t>Homeland security and law enforcement</a:t>
-            </a:r>
-          </a:p>
-          <a:p>
-            <a:r>
-              <a:rPr lang="en-US" sz="2400" dirty="0"/>
-              <a:t>Travel, entertainment, sports</a:t>
-            </a:r>
-          </a:p>
-          <a:p>
-            <a:r>
-              <a:rPr lang="en-US" sz="2400" dirty="0"/>
-              <a:t>Healthcare and medicine</a:t>
-            </a:r>
-          </a:p>
-          <a:p>
-            <a:r>
-              <a:rPr lang="en-US" sz="2400" dirty="0"/>
-              <a:t>Sports,… virtually everywhere…</a:t>
-            </a:r>
-          </a:p>
-        </p:txBody>
-      </p:sp>
-    </p:spTree>
-    <p:extLst>
-      <p:ext uri="{BB962C8B-B14F-4D97-AF65-F5344CB8AC3E}">
-        <p14:creationId xmlns:p14="http://schemas.microsoft.com/office/powerpoint/2010/main" val="1967218391"/>
-      </p:ext>
-    </p:extLst>
-  </p:cSld>
-  <p:clrMapOvr>
-    <a:masterClrMapping/>
-  </p:clrMapOvr>
-</p:sld>
-</file>
-
-<file path=ppt/slides/slide18.xml><?xml version="1.0" encoding="utf-8"?>
-<p:sld xmlns:a="http://schemas.openxmlformats.org/drawingml/2006/main" xmlns:r="http://schemas.openxmlformats.org/officeDocument/2006/relationships" xmlns:p="http://schemas.openxmlformats.org/presentationml/2006/main">
-  <p:cSld>
-    <p:spTree>
-      <p:nvGrpSpPr>
-        <p:cNvPr id="1" name=""/>
-        <p:cNvGrpSpPr/>
-        <p:nvPr/>
-      </p:nvGrpSpPr>
-      <p:grpSpPr>
-        <a:xfrm>
-          <a:off x="0" y="0"/>
-          <a:ext cx="0" cy="0"/>
-          <a:chOff x="0" y="0"/>
-          <a:chExt cx="0" cy="0"/>
-        </a:xfrm>
-      </p:grpSpPr>
-      <p:sp>
-        <p:nvSpPr>
-          <p:cNvPr id="2" name="Title 1"/>
-          <p:cNvSpPr>
-            <a:spLocks noGrp="1"/>
-          </p:cNvSpPr>
-          <p:nvPr>
-            <p:ph type="title"/>
-          </p:nvPr>
-        </p:nvSpPr>
-        <p:spPr>
-          <a:xfrm>
-            <a:off x="456154" y="76363"/>
-            <a:ext cx="8153400" cy="553998"/>
-          </a:xfrm>
-        </p:spPr>
-        <p:txBody>
-          <a:bodyPr wrap="square">
-            <a:spAutoFit/>
-          </a:bodyPr>
-          <a:lstStyle/>
-          <a:p>
-            <a:r>
-              <a:rPr lang="en-IN" dirty="0"/>
-              <a:t>Data Mining Process</a:t>
-            </a:r>
-            <a:endParaRPr lang="en-US" dirty="0"/>
-          </a:p>
-        </p:txBody>
-      </p:sp>
-      <p:sp>
-        <p:nvSpPr>
-          <p:cNvPr id="3" name="Content Placeholder 2"/>
-          <p:cNvSpPr>
-            <a:spLocks noGrp="1"/>
-          </p:cNvSpPr>
-          <p:nvPr>
-            <p:ph idx="1"/>
-          </p:nvPr>
-        </p:nvSpPr>
-        <p:spPr>
-          <a:xfrm>
-            <a:off x="456154" y="990689"/>
-            <a:ext cx="8153400" cy="4693593"/>
-          </a:xfrm>
-        </p:spPr>
-        <p:txBody>
-          <a:bodyPr wrap="square">
-            <a:spAutoFit/>
-          </a:bodyPr>
-          <a:lstStyle/>
-          <a:p>
-            <a:r>
-              <a:rPr lang="en-US" sz="2400" dirty="0"/>
-              <a:t>A manifestation of the best practices</a:t>
-            </a:r>
-          </a:p>
-          <a:p>
-            <a:r>
-              <a:rPr lang="en-US" sz="2400" dirty="0"/>
-              <a:t>A systematic way to conduct </a:t>
-            </a:r>
-            <a:r>
-              <a:rPr lang="en-US" sz="2400" spc="-300" dirty="0"/>
-              <a:t>D </a:t>
-            </a:r>
-            <a:r>
-              <a:rPr lang="en-US" sz="2400" dirty="0"/>
-              <a:t>M projects</a:t>
-            </a:r>
-          </a:p>
-          <a:p>
-            <a:r>
-              <a:rPr lang="en-US" sz="2400" dirty="0"/>
-              <a:t>Moving from </a:t>
-            </a:r>
-            <a:r>
-              <a:rPr lang="en-US" sz="2400" dirty="0">
-                <a:solidFill>
-                  <a:schemeClr val="bg2"/>
-                </a:solidFill>
-              </a:rPr>
-              <a:t>Art to Science</a:t>
-            </a:r>
-            <a:r>
-              <a:rPr lang="en-US" sz="2400" dirty="0"/>
-              <a:t> for </a:t>
-            </a:r>
-            <a:r>
-              <a:rPr lang="en-US" sz="2400" spc="-300" dirty="0"/>
-              <a:t>D </a:t>
-            </a:r>
-            <a:r>
-              <a:rPr lang="en-US" sz="2400" dirty="0"/>
-              <a:t>M project</a:t>
-            </a:r>
-          </a:p>
-          <a:p>
-            <a:r>
-              <a:rPr lang="en-US" sz="2400" dirty="0"/>
-              <a:t>Everybody has a different version</a:t>
-            </a:r>
-          </a:p>
-          <a:p>
-            <a:r>
-              <a:rPr lang="en-US" sz="2400" dirty="0"/>
-              <a:t>Most common standard processes:</a:t>
-            </a:r>
-          </a:p>
-          <a:p>
-            <a:pPr lvl="1"/>
-            <a:r>
-              <a:rPr lang="en-US" sz="2400" spc="-300" dirty="0">
-                <a:solidFill>
-                  <a:schemeClr val="bg2"/>
-                </a:solidFill>
-              </a:rPr>
-              <a:t>C R I S </a:t>
-            </a:r>
-            <a:r>
-              <a:rPr lang="en-US" sz="2400" dirty="0">
-                <a:solidFill>
-                  <a:schemeClr val="bg2"/>
-                </a:solidFill>
-              </a:rPr>
-              <a:t>P-</a:t>
-            </a:r>
-            <a:r>
-              <a:rPr lang="en-US" sz="2400" spc="-300" dirty="0">
-                <a:solidFill>
-                  <a:schemeClr val="bg2"/>
-                </a:solidFill>
-              </a:rPr>
-              <a:t>D </a:t>
-            </a:r>
-            <a:r>
-              <a:rPr lang="en-US" sz="2400" dirty="0">
-                <a:solidFill>
-                  <a:schemeClr val="bg2"/>
-                </a:solidFill>
-              </a:rPr>
-              <a:t>M</a:t>
-            </a:r>
-            <a:r>
-              <a:rPr lang="en-US" sz="2400" dirty="0"/>
-              <a:t> (Cross-Industry Standard Process for Data Mining)</a:t>
-            </a:r>
-          </a:p>
-          <a:p>
-            <a:pPr lvl="1"/>
-            <a:r>
-              <a:rPr lang="en-US" sz="2400" spc="-300" dirty="0">
-                <a:solidFill>
-                  <a:schemeClr val="bg2"/>
-                </a:solidFill>
-              </a:rPr>
-              <a:t>S E M </a:t>
-            </a:r>
-            <a:r>
-              <a:rPr lang="en-US" sz="2400" spc="-300" dirty="0" err="1">
-                <a:solidFill>
-                  <a:schemeClr val="bg2"/>
-                </a:solidFill>
-              </a:rPr>
-              <a:t>M</a:t>
-            </a:r>
-            <a:r>
-              <a:rPr lang="en-US" sz="2400" spc="-300" dirty="0">
-                <a:solidFill>
-                  <a:schemeClr val="bg2"/>
-                </a:solidFill>
-              </a:rPr>
-              <a:t> </a:t>
-            </a:r>
-            <a:r>
-              <a:rPr lang="en-US" sz="2400" dirty="0">
-                <a:solidFill>
-                  <a:schemeClr val="bg2"/>
-                </a:solidFill>
-              </a:rPr>
-              <a:t>A</a:t>
-            </a:r>
-            <a:r>
-              <a:rPr lang="en-US" sz="2400" dirty="0"/>
-              <a:t> (Sample, Explore, Modify, Model, and Assess)</a:t>
-            </a:r>
-          </a:p>
-          <a:p>
-            <a:pPr lvl="1"/>
-            <a:r>
-              <a:rPr lang="en-US" sz="2400" spc="-300" dirty="0">
-                <a:solidFill>
-                  <a:schemeClr val="bg2"/>
-                </a:solidFill>
-              </a:rPr>
-              <a:t>K D </a:t>
-            </a:r>
-            <a:r>
-              <a:rPr lang="en-US" sz="2400" dirty="0" err="1">
-                <a:solidFill>
-                  <a:schemeClr val="bg2"/>
-                </a:solidFill>
-              </a:rPr>
-              <a:t>D</a:t>
-            </a:r>
-            <a:r>
-              <a:rPr lang="en-US" sz="2400" dirty="0">
-                <a:solidFill>
-                  <a:schemeClr val="bg2"/>
-                </a:solidFill>
-              </a:rPr>
-              <a:t> </a:t>
-            </a:r>
-            <a:r>
-              <a:rPr lang="en-US" sz="2400" dirty="0"/>
-              <a:t>(Knowledge Discovery in Databases)</a:t>
-            </a:r>
-          </a:p>
-        </p:txBody>
-      </p:sp>
-    </p:spTree>
-    <p:extLst>
-      <p:ext uri="{BB962C8B-B14F-4D97-AF65-F5344CB8AC3E}">
-        <p14:creationId xmlns:p14="http://schemas.microsoft.com/office/powerpoint/2010/main" val="1140292880"/>
-      </p:ext>
-    </p:extLst>
-  </p:cSld>
-  <p:clrMapOvr>
-    <a:masterClrMapping/>
-  </p:clrMapOvr>
-</p:sld>
-</file>
-
-<file path=ppt/slides/slide19.xml><?xml version="1.0" encoding="utf-8"?>
-<p:sld xmlns:a="http://schemas.openxmlformats.org/drawingml/2006/main" xmlns:r="http://schemas.openxmlformats.org/officeDocument/2006/relationships" xmlns:p="http://schemas.openxmlformats.org/presentationml/2006/main">
-  <p:cSld>
-    <p:spTree>
-      <p:nvGrpSpPr>
-        <p:cNvPr id="1" name=""/>
-        <p:cNvGrpSpPr/>
-        <p:nvPr/>
-      </p:nvGrpSpPr>
-      <p:grpSpPr>
-        <a:xfrm>
-          <a:off x="0" y="0"/>
-          <a:ext cx="0" cy="0"/>
-          <a:chOff x="0" y="0"/>
-          <a:chExt cx="0" cy="0"/>
-        </a:xfrm>
-      </p:grpSpPr>
-      <p:sp>
-        <p:nvSpPr>
-          <p:cNvPr id="2" name="Title 1"/>
-          <p:cNvSpPr>
-            <a:spLocks noGrp="1"/>
-          </p:cNvSpPr>
-          <p:nvPr>
-            <p:ph type="title"/>
-          </p:nvPr>
-        </p:nvSpPr>
-        <p:spPr>
-          <a:xfrm>
             <a:off x="457672" y="61524"/>
             <a:ext cx="8153400" cy="984885"/>
           </a:xfrm>
@@ -14227,7 +13542,7 @@
           <a:graphicData uri="http://schemas.openxmlformats.org/presentationml/2006/ole">
             <mc:AlternateContent xmlns:mc="http://schemas.openxmlformats.org/markup-compatibility/2006">
               <mc:Choice xmlns:v="urn:schemas-microsoft-com:vml" Requires="v">
-                <p:oleObj spid="_x0000_s7394" name="Equation" r:id="rId4" imgW="1054080" imgH="711000" progId="Equation.DSMT4">
+                <p:oleObj spid="_x0000_s7395" name="Equation" r:id="rId4" imgW="1054080" imgH="711000" progId="Equation.DSMT4">
                   <p:embed/>
                 </p:oleObj>
               </mc:Choice>
@@ -14344,200 +13659,7 @@
 </p:sld>
 </file>
 
-<file path=ppt/slides/slide2.xml><?xml version="1.0" encoding="utf-8"?>
-<p:sld xmlns:a="http://schemas.openxmlformats.org/drawingml/2006/main" xmlns:r="http://schemas.openxmlformats.org/officeDocument/2006/relationships" xmlns:p="http://schemas.openxmlformats.org/presentationml/2006/main">
-  <p:cSld>
-    <p:spTree>
-      <p:nvGrpSpPr>
-        <p:cNvPr id="1" name=""/>
-        <p:cNvGrpSpPr/>
-        <p:nvPr/>
-      </p:nvGrpSpPr>
-      <p:grpSpPr>
-        <a:xfrm>
-          <a:off x="0" y="0"/>
-          <a:ext cx="0" cy="0"/>
-          <a:chOff x="0" y="0"/>
-          <a:chExt cx="0" cy="0"/>
-        </a:xfrm>
-      </p:grpSpPr>
-      <p:sp>
-        <p:nvSpPr>
-          <p:cNvPr id="2" name="Title 1"/>
-          <p:cNvSpPr>
-            <a:spLocks noGrp="1"/>
-          </p:cNvSpPr>
-          <p:nvPr>
-            <p:ph type="title"/>
-          </p:nvPr>
-        </p:nvSpPr>
-        <p:spPr>
-          <a:xfrm>
-            <a:off x="456154" y="76363"/>
-            <a:ext cx="8153400" cy="553998"/>
-          </a:xfrm>
-        </p:spPr>
-        <p:txBody>
-          <a:bodyPr wrap="square">
-            <a:spAutoFit/>
-          </a:bodyPr>
-          <a:lstStyle/>
-          <a:p>
-            <a:r>
-              <a:rPr lang="en-IN" dirty="0"/>
-              <a:t>Learning Objectives </a:t>
-            </a:r>
-            <a:r>
-              <a:rPr lang="en-IN" sz="2800" dirty="0"/>
-              <a:t>(1 of 2)</a:t>
-            </a:r>
-            <a:endParaRPr lang="en-US" dirty="0"/>
-          </a:p>
-        </p:txBody>
-      </p:sp>
-      <p:sp>
-        <p:nvSpPr>
-          <p:cNvPr id="3" name="Content Placeholder 2"/>
-          <p:cNvSpPr>
-            <a:spLocks noGrp="1"/>
-          </p:cNvSpPr>
-          <p:nvPr>
-            <p:ph idx="1"/>
-          </p:nvPr>
-        </p:nvSpPr>
-        <p:spPr>
-          <a:xfrm>
-            <a:off x="456154" y="990128"/>
-            <a:ext cx="8153400" cy="3354765"/>
-          </a:xfrm>
-        </p:spPr>
-        <p:txBody>
-          <a:bodyPr wrap="square">
-            <a:spAutoFit/>
-          </a:bodyPr>
-          <a:lstStyle/>
-          <a:p>
-            <a:pPr marL="0" indent="0">
-              <a:buClr>
-                <a:schemeClr val="bg1"/>
-              </a:buClr>
-              <a:buNone/>
-              <a:tabLst>
-                <a:tab pos="514350" algn="l"/>
-              </a:tabLst>
-            </a:pPr>
-            <a:r>
-              <a:rPr lang="en-US" sz="2400" b="1" dirty="0">
-                <a:solidFill>
-                  <a:srgbClr val="007FA3"/>
-                </a:solidFill>
-              </a:rPr>
-              <a:t>4.1</a:t>
-            </a:r>
-            <a:r>
-              <a:rPr lang="en-US" sz="2400" dirty="0"/>
-              <a:t> Define data mining as an enabling technology for 	business analytics</a:t>
-            </a:r>
-          </a:p>
-          <a:p>
-            <a:pPr marL="0" indent="0">
-              <a:buClr>
-                <a:schemeClr val="bg1"/>
-              </a:buClr>
-              <a:buNone/>
-            </a:pPr>
-            <a:r>
-              <a:rPr lang="en-US" sz="2400" b="1" dirty="0">
-                <a:solidFill>
-                  <a:srgbClr val="007FA3"/>
-                </a:solidFill>
-              </a:rPr>
-              <a:t>4.2</a:t>
-            </a:r>
-            <a:r>
-              <a:rPr lang="en-US" sz="2400" dirty="0"/>
-              <a:t> Understand the objectives and benefits of data mining</a:t>
-            </a:r>
-          </a:p>
-          <a:p>
-            <a:pPr marL="0" indent="0">
-              <a:buClr>
-                <a:schemeClr val="bg1"/>
-              </a:buClr>
-              <a:buNone/>
-              <a:tabLst>
-                <a:tab pos="514350" algn="l"/>
-              </a:tabLst>
-            </a:pPr>
-            <a:r>
-              <a:rPr lang="en-US" sz="2400" b="1" dirty="0">
-                <a:solidFill>
-                  <a:srgbClr val="007FA3"/>
-                </a:solidFill>
-              </a:rPr>
-              <a:t>4.3</a:t>
-            </a:r>
-            <a:r>
-              <a:rPr lang="en-US" sz="2400" dirty="0"/>
-              <a:t> Become familiar with the wide range of applications of 	data mining</a:t>
-            </a:r>
-          </a:p>
-          <a:p>
-            <a:pPr marL="0" indent="0">
-              <a:buClr>
-                <a:schemeClr val="bg1"/>
-              </a:buClr>
-              <a:buNone/>
-            </a:pPr>
-            <a:r>
-              <a:rPr lang="en-US" sz="2400" b="1" dirty="0">
-                <a:solidFill>
-                  <a:srgbClr val="007FA3"/>
-                </a:solidFill>
-              </a:rPr>
-              <a:t>4.4</a:t>
-            </a:r>
-            <a:r>
-              <a:rPr lang="en-US" sz="2400" dirty="0"/>
-              <a:t> Learn the standardized data mining processes</a:t>
-            </a:r>
-          </a:p>
-          <a:p>
-            <a:pPr marL="0" indent="0">
-              <a:buClr>
-                <a:schemeClr val="bg1"/>
-              </a:buClr>
-              <a:buNone/>
-            </a:pPr>
-            <a:r>
-              <a:rPr lang="en-US" sz="2400" b="1" dirty="0">
-                <a:solidFill>
-                  <a:srgbClr val="007FA3"/>
-                </a:solidFill>
-              </a:rPr>
-              <a:t>4.5</a:t>
-            </a:r>
-            <a:r>
-              <a:rPr lang="en-US" sz="2400" dirty="0"/>
-              <a:t> Learn different methods and algorithms of data mining</a:t>
-            </a:r>
-          </a:p>
-        </p:txBody>
-      </p:sp>
-    </p:spTree>
-    <p:extLst>
-      <p:ext uri="{BB962C8B-B14F-4D97-AF65-F5344CB8AC3E}">
-        <p14:creationId xmlns:p14="http://schemas.microsoft.com/office/powerpoint/2010/main" val="3449686954"/>
-      </p:ext>
-    </p:extLst>
-  </p:cSld>
-  <p:clrMapOvr>
-    <a:masterClrMapping/>
-  </p:clrMapOvr>
-</p:sld>
-</file>
-
-<file path=ppt/slides/slide20.xml><?xml version="1.0" encoding="utf-8"?>
+<file path=ppt/slides/slide17.xml><?xml version="1.0" encoding="utf-8"?>
 <p:sld xmlns:a="http://schemas.openxmlformats.org/drawingml/2006/main" xmlns:r="http://schemas.openxmlformats.org/officeDocument/2006/relationships" xmlns:p="http://schemas.openxmlformats.org/presentationml/2006/main">
   <p:cSld>
     <p:spTree>
@@ -14725,7 +13847,7 @@
 </p:sld>
 </file>
 
-<file path=ppt/slides/slide21.xml><?xml version="1.0" encoding="utf-8"?>
+<file path=ppt/slides/slide18.xml><?xml version="1.0" encoding="utf-8"?>
 <p:sld xmlns:a="http://schemas.openxmlformats.org/drawingml/2006/main" xmlns:r="http://schemas.openxmlformats.org/officeDocument/2006/relationships" xmlns:p="http://schemas.openxmlformats.org/presentationml/2006/main">
   <p:cSld>
     <p:spTree>
@@ -14934,7 +14056,7 @@
 </p:sld>
 </file>
 
-<file path=ppt/slides/slide22.xml><?xml version="1.0" encoding="utf-8"?>
+<file path=ppt/slides/slide19.xml><?xml version="1.0" encoding="utf-8"?>
 <p:sld xmlns:a="http://schemas.openxmlformats.org/drawingml/2006/main" xmlns:r="http://schemas.openxmlformats.org/officeDocument/2006/relationships" xmlns:p="http://schemas.openxmlformats.org/presentationml/2006/main">
   <p:cSld>
     <p:spTree>
@@ -15089,7 +14211,200 @@
 </p:sld>
 </file>
 
-<file path=ppt/slides/slide23.xml><?xml version="1.0" encoding="utf-8"?>
+<file path=ppt/slides/slide2.xml><?xml version="1.0" encoding="utf-8"?>
+<p:sld xmlns:a="http://schemas.openxmlformats.org/drawingml/2006/main" xmlns:r="http://schemas.openxmlformats.org/officeDocument/2006/relationships" xmlns:p="http://schemas.openxmlformats.org/presentationml/2006/main">
+  <p:cSld>
+    <p:spTree>
+      <p:nvGrpSpPr>
+        <p:cNvPr id="1" name=""/>
+        <p:cNvGrpSpPr/>
+        <p:nvPr/>
+      </p:nvGrpSpPr>
+      <p:grpSpPr>
+        <a:xfrm>
+          <a:off x="0" y="0"/>
+          <a:ext cx="0" cy="0"/>
+          <a:chOff x="0" y="0"/>
+          <a:chExt cx="0" cy="0"/>
+        </a:xfrm>
+      </p:grpSpPr>
+      <p:sp>
+        <p:nvSpPr>
+          <p:cNvPr id="2" name="Title 1"/>
+          <p:cNvSpPr>
+            <a:spLocks noGrp="1"/>
+          </p:cNvSpPr>
+          <p:nvPr>
+            <p:ph type="title"/>
+          </p:nvPr>
+        </p:nvSpPr>
+        <p:spPr>
+          <a:xfrm>
+            <a:off x="456154" y="76363"/>
+            <a:ext cx="8153400" cy="553998"/>
+          </a:xfrm>
+        </p:spPr>
+        <p:txBody>
+          <a:bodyPr wrap="square">
+            <a:spAutoFit/>
+          </a:bodyPr>
+          <a:lstStyle/>
+          <a:p>
+            <a:r>
+              <a:rPr lang="en-IN" dirty="0"/>
+              <a:t>Learning Objectives </a:t>
+            </a:r>
+            <a:r>
+              <a:rPr lang="en-IN" sz="2800" dirty="0"/>
+              <a:t>(1 of 2)</a:t>
+            </a:r>
+            <a:endParaRPr lang="en-US" dirty="0"/>
+          </a:p>
+        </p:txBody>
+      </p:sp>
+      <p:sp>
+        <p:nvSpPr>
+          <p:cNvPr id="3" name="Content Placeholder 2"/>
+          <p:cNvSpPr>
+            <a:spLocks noGrp="1"/>
+          </p:cNvSpPr>
+          <p:nvPr>
+            <p:ph idx="1"/>
+          </p:nvPr>
+        </p:nvSpPr>
+        <p:spPr>
+          <a:xfrm>
+            <a:off x="456154" y="990128"/>
+            <a:ext cx="8153400" cy="3354765"/>
+          </a:xfrm>
+        </p:spPr>
+        <p:txBody>
+          <a:bodyPr wrap="square">
+            <a:spAutoFit/>
+          </a:bodyPr>
+          <a:lstStyle/>
+          <a:p>
+            <a:pPr marL="0" indent="0">
+              <a:buClr>
+                <a:schemeClr val="bg1"/>
+              </a:buClr>
+              <a:buNone/>
+              <a:tabLst>
+                <a:tab pos="514350" algn="l"/>
+              </a:tabLst>
+            </a:pPr>
+            <a:r>
+              <a:rPr lang="en-US" sz="2400" b="1" dirty="0">
+                <a:solidFill>
+                  <a:srgbClr val="007FA3"/>
+                </a:solidFill>
+              </a:rPr>
+              <a:t>4.1</a:t>
+            </a:r>
+            <a:r>
+              <a:rPr lang="en-US" sz="2400" dirty="0"/>
+              <a:t> Define data mining as an enabling technology for 	business analytics</a:t>
+            </a:r>
+          </a:p>
+          <a:p>
+            <a:pPr marL="0" indent="0">
+              <a:buClr>
+                <a:schemeClr val="bg1"/>
+              </a:buClr>
+              <a:buNone/>
+            </a:pPr>
+            <a:r>
+              <a:rPr lang="en-US" sz="2400" b="1" dirty="0">
+                <a:solidFill>
+                  <a:srgbClr val="007FA3"/>
+                </a:solidFill>
+              </a:rPr>
+              <a:t>4.2</a:t>
+            </a:r>
+            <a:r>
+              <a:rPr lang="en-US" sz="2400" dirty="0"/>
+              <a:t> Understand the objectives and benefits of data mining</a:t>
+            </a:r>
+          </a:p>
+          <a:p>
+            <a:pPr marL="0" indent="0">
+              <a:buClr>
+                <a:schemeClr val="bg1"/>
+              </a:buClr>
+              <a:buNone/>
+              <a:tabLst>
+                <a:tab pos="514350" algn="l"/>
+              </a:tabLst>
+            </a:pPr>
+            <a:r>
+              <a:rPr lang="en-US" sz="2400" b="1" dirty="0">
+                <a:solidFill>
+                  <a:srgbClr val="007FA3"/>
+                </a:solidFill>
+              </a:rPr>
+              <a:t>4.3</a:t>
+            </a:r>
+            <a:r>
+              <a:rPr lang="en-US" sz="2400" dirty="0"/>
+              <a:t> Become familiar with the wide range of applications of 	data mining</a:t>
+            </a:r>
+          </a:p>
+          <a:p>
+            <a:pPr marL="0" indent="0">
+              <a:buClr>
+                <a:schemeClr val="bg1"/>
+              </a:buClr>
+              <a:buNone/>
+            </a:pPr>
+            <a:r>
+              <a:rPr lang="en-US" sz="2400" b="1" dirty="0">
+                <a:solidFill>
+                  <a:srgbClr val="007FA3"/>
+                </a:solidFill>
+              </a:rPr>
+              <a:t>4.4</a:t>
+            </a:r>
+            <a:r>
+              <a:rPr lang="en-US" sz="2400" dirty="0"/>
+              <a:t> Learn the standardized data mining processes</a:t>
+            </a:r>
+          </a:p>
+          <a:p>
+            <a:pPr marL="0" indent="0">
+              <a:buClr>
+                <a:schemeClr val="bg1"/>
+              </a:buClr>
+              <a:buNone/>
+            </a:pPr>
+            <a:r>
+              <a:rPr lang="en-US" sz="2400" b="1" dirty="0">
+                <a:solidFill>
+                  <a:srgbClr val="007FA3"/>
+                </a:solidFill>
+              </a:rPr>
+              <a:t>4.5</a:t>
+            </a:r>
+            <a:r>
+              <a:rPr lang="en-US" sz="2400" dirty="0"/>
+              <a:t> Learn different methods and algorithms of data mining</a:t>
+            </a:r>
+          </a:p>
+        </p:txBody>
+      </p:sp>
+    </p:spTree>
+    <p:extLst>
+      <p:ext uri="{BB962C8B-B14F-4D97-AF65-F5344CB8AC3E}">
+        <p14:creationId xmlns:p14="http://schemas.microsoft.com/office/powerpoint/2010/main" val="3449686954"/>
+      </p:ext>
+    </p:extLst>
+  </p:cSld>
+  <p:clrMapOvr>
+    <a:masterClrMapping/>
+  </p:clrMapOvr>
+</p:sld>
+</file>
+
+<file path=ppt/slides/slide20.xml><?xml version="1.0" encoding="utf-8"?>
 <p:sld xmlns:a="http://schemas.openxmlformats.org/drawingml/2006/main" xmlns:r="http://schemas.openxmlformats.org/officeDocument/2006/relationships" xmlns:p="http://schemas.openxmlformats.org/presentationml/2006/main">
   <p:cSld>
     <p:spTree>
@@ -15274,7 +14589,7 @@
 </p:sld>
 </file>
 
-<file path=ppt/slides/slide24.xml><?xml version="1.0" encoding="utf-8"?>
+<file path=ppt/slides/slide21.xml><?xml version="1.0" encoding="utf-8"?>
 <p:sld xmlns:a="http://schemas.openxmlformats.org/drawingml/2006/main" xmlns:r="http://schemas.openxmlformats.org/officeDocument/2006/relationships" xmlns:p="http://schemas.openxmlformats.org/presentationml/2006/main">
   <p:cSld>
     <p:spTree>
@@ -15415,7 +14730,7 @@
 </p:sld>
 </file>
 
-<file path=ppt/slides/slide25.xml><?xml version="1.0" encoding="utf-8"?>
+<file path=ppt/slides/slide22.xml><?xml version="1.0" encoding="utf-8"?>
 <p:sld xmlns:a="http://schemas.openxmlformats.org/drawingml/2006/main" xmlns:r="http://schemas.openxmlformats.org/officeDocument/2006/relationships" xmlns:p="http://schemas.openxmlformats.org/presentationml/2006/main">
   <p:cSld>
     <p:spTree>
@@ -15554,7 +14869,7 @@
 </p:sld>
 </file>
 
-<file path=ppt/slides/slide26.xml><?xml version="1.0" encoding="utf-8"?>
+<file path=ppt/slides/slide23.xml><?xml version="1.0" encoding="utf-8"?>
 <p:sld xmlns:a="http://schemas.openxmlformats.org/drawingml/2006/main" xmlns:r="http://schemas.openxmlformats.org/officeDocument/2006/relationships" xmlns:p="http://schemas.openxmlformats.org/presentationml/2006/main">
   <p:cSld>
     <p:spTree>
@@ -15702,7 +15017,7 @@
           <a:graphicData uri="http://schemas.openxmlformats.org/presentationml/2006/ole">
             <mc:AlternateContent xmlns:mc="http://schemas.openxmlformats.org/markup-compatibility/2006">
               <mc:Choice xmlns:v="urn:schemas-microsoft-com:vml" Requires="v">
-                <p:oleObj spid="_x0000_s8476" name="Equation" r:id="rId5" imgW="1688367" imgH="355446" progId="Equation.DSMT4">
+                <p:oleObj spid="_x0000_s8481" name="Equation" r:id="rId5" imgW="1688367" imgH="355446" progId="Equation.DSMT4">
                   <p:embed/>
                 </p:oleObj>
               </mc:Choice>
@@ -15791,7 +15106,7 @@
           <a:graphicData uri="http://schemas.openxmlformats.org/presentationml/2006/ole">
             <mc:AlternateContent xmlns:mc="http://schemas.openxmlformats.org/markup-compatibility/2006">
               <mc:Choice xmlns:v="urn:schemas-microsoft-com:vml" Requires="v">
-                <p:oleObj spid="_x0000_s8477" name="Equation" r:id="rId7" imgW="1892160" imgH="393480" progId="Equation.DSMT4">
+                <p:oleObj spid="_x0000_s8482" name="Equation" r:id="rId7" imgW="1892160" imgH="393480" progId="Equation.DSMT4">
                   <p:embed/>
                 </p:oleObj>
               </mc:Choice>
@@ -15874,7 +15189,7 @@
           <a:graphicData uri="http://schemas.openxmlformats.org/presentationml/2006/ole">
             <mc:AlternateContent xmlns:mc="http://schemas.openxmlformats.org/markup-compatibility/2006">
               <mc:Choice xmlns:v="urn:schemas-microsoft-com:vml" Requires="v">
-                <p:oleObj spid="_x0000_s8478" name="Equation" r:id="rId9" imgW="1625600" imgH="355600" progId="Equation.DSMT4">
+                <p:oleObj spid="_x0000_s8483" name="Equation" r:id="rId9" imgW="1625600" imgH="355600" progId="Equation.DSMT4">
                   <p:embed/>
                 </p:oleObj>
               </mc:Choice>
@@ -15963,7 +15278,7 @@
           <a:graphicData uri="http://schemas.openxmlformats.org/presentationml/2006/ole">
             <mc:AlternateContent xmlns:mc="http://schemas.openxmlformats.org/markup-compatibility/2006">
               <mc:Choice xmlns:v="urn:schemas-microsoft-com:vml" Requires="v">
-                <p:oleObj spid="_x0000_s8479" name="Equation" r:id="rId11" imgW="1320480" imgH="393480" progId="Equation.3">
+                <p:oleObj spid="_x0000_s8484" name="Equation" r:id="rId11" imgW="1320480" imgH="393480" progId="Equation.3">
                   <p:embed/>
                 </p:oleObj>
               </mc:Choice>
@@ -16046,7 +15361,7 @@
           <a:graphicData uri="http://schemas.openxmlformats.org/presentationml/2006/ole">
             <mc:AlternateContent xmlns:mc="http://schemas.openxmlformats.org/markup-compatibility/2006">
               <mc:Choice xmlns:v="urn:schemas-microsoft-com:vml" Requires="v">
-                <p:oleObj spid="_x0000_s8480" name="Equation" r:id="rId13" imgW="977900" imgH="355600" progId="Equation.3">
+                <p:oleObj spid="_x0000_s8485" name="Equation" r:id="rId13" imgW="977900" imgH="355600" progId="Equation.3">
                   <p:embed/>
                 </p:oleObj>
               </mc:Choice>
@@ -16126,7 +15441,7 @@
 </p:sld>
 </file>
 
-<file path=ppt/slides/slide27.xml><?xml version="1.0" encoding="utf-8"?>
+<file path=ppt/slides/slide24.xml><?xml version="1.0" encoding="utf-8"?>
 <p:sld xmlns:a="http://schemas.openxmlformats.org/drawingml/2006/main" xmlns:r="http://schemas.openxmlformats.org/officeDocument/2006/relationships" xmlns:p="http://schemas.openxmlformats.org/presentationml/2006/main">
   <p:cSld>
     <p:spTree>
@@ -16308,7 +15623,7 @@
 </p:sld>
 </file>
 
-<file path=ppt/slides/slide28.xml><?xml version="1.0" encoding="utf-8"?>
+<file path=ppt/slides/slide25.xml><?xml version="1.0" encoding="utf-8"?>
 <p:sld xmlns:a="http://schemas.openxmlformats.org/drawingml/2006/main" xmlns:r="http://schemas.openxmlformats.org/officeDocument/2006/relationships" xmlns:p="http://schemas.openxmlformats.org/presentationml/2006/main">
   <p:cSld>
     <p:spTree>
@@ -16512,7 +15827,7 @@
 </p:sld>
 </file>
 
-<file path=ppt/slides/slide29.xml><?xml version="1.0" encoding="utf-8"?>
+<file path=ppt/slides/slide26.xml><?xml version="1.0" encoding="utf-8"?>
 <p:sld xmlns:a="http://schemas.openxmlformats.org/drawingml/2006/main" xmlns:r="http://schemas.openxmlformats.org/officeDocument/2006/relationships" xmlns:p="http://schemas.openxmlformats.org/presentationml/2006/main">
   <p:cSld>
     <p:spTree>
@@ -16683,140 +15998,7 @@
 </p:sld>
 </file>
 
-<file path=ppt/slides/slide3.xml><?xml version="1.0" encoding="utf-8"?>
-<p:sld xmlns:a="http://schemas.openxmlformats.org/drawingml/2006/main" xmlns:r="http://schemas.openxmlformats.org/officeDocument/2006/relationships" xmlns:p="http://schemas.openxmlformats.org/presentationml/2006/main">
-  <p:cSld>
-    <p:spTree>
-      <p:nvGrpSpPr>
-        <p:cNvPr id="1" name=""/>
-        <p:cNvGrpSpPr/>
-        <p:nvPr/>
-      </p:nvGrpSpPr>
-      <p:grpSpPr>
-        <a:xfrm>
-          <a:off x="0" y="0"/>
-          <a:ext cx="0" cy="0"/>
-          <a:chOff x="0" y="0"/>
-          <a:chExt cx="0" cy="0"/>
-        </a:xfrm>
-      </p:grpSpPr>
-      <p:sp>
-        <p:nvSpPr>
-          <p:cNvPr id="2" name="Title 1"/>
-          <p:cNvSpPr>
-            <a:spLocks noGrp="1"/>
-          </p:cNvSpPr>
-          <p:nvPr>
-            <p:ph type="title"/>
-          </p:nvPr>
-        </p:nvSpPr>
-        <p:spPr>
-          <a:xfrm>
-            <a:off x="456154" y="76363"/>
-            <a:ext cx="8153400" cy="553998"/>
-          </a:xfrm>
-        </p:spPr>
-        <p:txBody>
-          <a:bodyPr wrap="square">
-            <a:spAutoFit/>
-          </a:bodyPr>
-          <a:lstStyle/>
-          <a:p>
-            <a:r>
-              <a:rPr lang="en-IN" dirty="0"/>
-              <a:t>Learning Objectives </a:t>
-            </a:r>
-            <a:r>
-              <a:rPr lang="en-IN" sz="2800" dirty="0"/>
-              <a:t>(2 of 2)</a:t>
-            </a:r>
-            <a:endParaRPr lang="en-US" dirty="0"/>
-          </a:p>
-        </p:txBody>
-      </p:sp>
-      <p:sp>
-        <p:nvSpPr>
-          <p:cNvPr id="3" name="Content Placeholder 2"/>
-          <p:cNvSpPr>
-            <a:spLocks noGrp="1"/>
-          </p:cNvSpPr>
-          <p:nvPr>
-            <p:ph idx="1"/>
-          </p:nvPr>
-        </p:nvSpPr>
-        <p:spPr>
-          <a:xfrm>
-            <a:off x="456154" y="989656"/>
-            <a:ext cx="8153400" cy="1669688"/>
-          </a:xfrm>
-        </p:spPr>
-        <p:txBody>
-          <a:bodyPr wrap="square">
-            <a:spAutoFit/>
-          </a:bodyPr>
-          <a:lstStyle/>
-          <a:p>
-            <a:pPr marL="0" indent="0">
-              <a:buClr>
-                <a:schemeClr val="bg1"/>
-              </a:buClr>
-              <a:buNone/>
-              <a:tabLst>
-                <a:tab pos="514350" algn="l"/>
-              </a:tabLst>
-            </a:pPr>
-            <a:r>
-              <a:rPr lang="en-US" sz="2400" b="1" dirty="0">
-                <a:solidFill>
-                  <a:srgbClr val="007FA3"/>
-                </a:solidFill>
-              </a:rPr>
-              <a:t>4.6</a:t>
-            </a:r>
-            <a:r>
-              <a:rPr lang="en-US" sz="2400" dirty="0"/>
-              <a:t> Build awareness of the existing data mining software 	tools</a:t>
-            </a:r>
-          </a:p>
-          <a:p>
-            <a:pPr marL="0" indent="0">
-              <a:buClr>
-                <a:schemeClr val="bg1"/>
-              </a:buClr>
-              <a:buNone/>
-              <a:tabLst>
-                <a:tab pos="514350" algn="l"/>
-              </a:tabLst>
-            </a:pPr>
-            <a:r>
-              <a:rPr lang="en-US" sz="2400" b="1" dirty="0">
-                <a:solidFill>
-                  <a:srgbClr val="007FA3"/>
-                </a:solidFill>
-              </a:rPr>
-              <a:t>4.7</a:t>
-            </a:r>
-            <a:r>
-              <a:rPr lang="en-US" sz="2400" dirty="0"/>
-              <a:t> Understand the privacy issues, pitfalls, and myths of 	data mining</a:t>
-            </a:r>
-          </a:p>
-        </p:txBody>
-      </p:sp>
-    </p:spTree>
-    <p:extLst>
-      <p:ext uri="{BB962C8B-B14F-4D97-AF65-F5344CB8AC3E}">
-        <p14:creationId xmlns:p14="http://schemas.microsoft.com/office/powerpoint/2010/main" val="573552446"/>
-      </p:ext>
-    </p:extLst>
-  </p:cSld>
-  <p:clrMapOvr>
-    <a:masterClrMapping/>
-  </p:clrMapOvr>
-</p:sld>
-</file>
-
-<file path=ppt/slides/slide30.xml><?xml version="1.0" encoding="utf-8"?>
+<file path=ppt/slides/slide27.xml><?xml version="1.0" encoding="utf-8"?>
 <p:sld xmlns:a="http://schemas.openxmlformats.org/drawingml/2006/main" xmlns:r="http://schemas.openxmlformats.org/officeDocument/2006/relationships" xmlns:p="http://schemas.openxmlformats.org/presentationml/2006/main">
   <p:cSld>
     <p:spTree>
@@ -17022,6 +16204,616 @@
 </p:sld>
 </file>
 
+<file path=ppt/slides/slide28.xml><?xml version="1.0" encoding="utf-8"?>
+<p:sld xmlns:a="http://schemas.openxmlformats.org/drawingml/2006/main" xmlns:r="http://schemas.openxmlformats.org/officeDocument/2006/relationships" xmlns:p="http://schemas.openxmlformats.org/presentationml/2006/main">
+  <p:cSld>
+    <p:spTree>
+      <p:nvGrpSpPr>
+        <p:cNvPr id="1" name=""/>
+        <p:cNvGrpSpPr/>
+        <p:nvPr/>
+      </p:nvGrpSpPr>
+      <p:grpSpPr>
+        <a:xfrm>
+          <a:off x="0" y="0"/>
+          <a:ext cx="0" cy="0"/>
+          <a:chOff x="0" y="0"/>
+          <a:chExt cx="0" cy="0"/>
+        </a:xfrm>
+      </p:grpSpPr>
+      <p:sp>
+        <p:nvSpPr>
+          <p:cNvPr id="2" name="Title 1"/>
+          <p:cNvSpPr>
+            <a:spLocks noGrp="1"/>
+          </p:cNvSpPr>
+          <p:nvPr>
+            <p:ph type="title"/>
+          </p:nvPr>
+        </p:nvSpPr>
+        <p:spPr>
+          <a:xfrm>
+            <a:off x="456154" y="76363"/>
+            <a:ext cx="8153400" cy="984885"/>
+          </a:xfrm>
+        </p:spPr>
+        <p:txBody>
+          <a:bodyPr wrap="square">
+            <a:spAutoFit/>
+          </a:bodyPr>
+          <a:lstStyle/>
+          <a:p>
+            <a:r>
+              <a:rPr lang="en-US" dirty="0"/>
+              <a:t>Area Under the </a:t>
+            </a:r>
+            <a:r>
+              <a:rPr lang="en-US" spc="-450" dirty="0"/>
+              <a:t>R O </a:t>
+            </a:r>
+            <a:r>
+              <a:rPr lang="en-US" dirty="0"/>
+              <a:t>C Curve (</a:t>
+            </a:r>
+            <a:r>
+              <a:rPr lang="en-US" spc="-450" dirty="0"/>
+              <a:t>A U </a:t>
+            </a:r>
+            <a:r>
+              <a:rPr lang="en-US" dirty="0"/>
+              <a:t>C)     </a:t>
+            </a:r>
+            <a:r>
+              <a:rPr lang="en-US" sz="2800" dirty="0"/>
+              <a:t>(2 of 2)</a:t>
+            </a:r>
+            <a:endParaRPr lang="en-US" dirty="0"/>
+          </a:p>
+        </p:txBody>
+      </p:sp>
+      <p:sp>
+        <p:nvSpPr>
+          <p:cNvPr id="3" name="Content Placeholder 2"/>
+          <p:cNvSpPr>
+            <a:spLocks noGrp="1"/>
+          </p:cNvSpPr>
+          <p:nvPr>
+            <p:ph idx="1"/>
+          </p:nvPr>
+        </p:nvSpPr>
+        <p:spPr>
+          <a:xfrm>
+            <a:off x="456154" y="1369546"/>
+            <a:ext cx="8154446" cy="1862048"/>
+          </a:xfrm>
+        </p:spPr>
+        <p:txBody>
+          <a:bodyPr wrap="square">
+            <a:spAutoFit/>
+          </a:bodyPr>
+          <a:lstStyle/>
+          <a:p>
+            <a:r>
+              <a:rPr lang="en-IN" sz="2400" dirty="0"/>
+              <a:t>Produces values from 0 to 1.0</a:t>
+            </a:r>
+          </a:p>
+          <a:p>
+            <a:r>
+              <a:rPr lang="en-IN" sz="2400" dirty="0"/>
+              <a:t>Random chance is 0.5 and perfect classification is 1.0</a:t>
+            </a:r>
+          </a:p>
+          <a:p>
+            <a:r>
+              <a:rPr lang="en-IN" sz="2400" dirty="0"/>
+              <a:t>Produces good a assessment for skewed class distributions too!</a:t>
+            </a:r>
+          </a:p>
+        </p:txBody>
+      </p:sp>
+    </p:spTree>
+    <p:extLst>
+      <p:ext uri="{BB962C8B-B14F-4D97-AF65-F5344CB8AC3E}">
+        <p14:creationId xmlns:p14="http://schemas.microsoft.com/office/powerpoint/2010/main" val="2585829888"/>
+      </p:ext>
+    </p:extLst>
+  </p:cSld>
+  <p:clrMapOvr>
+    <a:masterClrMapping/>
+  </p:clrMapOvr>
+</p:sld>
+</file>
+
+<file path=ppt/slides/slide29.xml><?xml version="1.0" encoding="utf-8"?>
+<p:sld xmlns:a="http://schemas.openxmlformats.org/drawingml/2006/main" xmlns:r="http://schemas.openxmlformats.org/officeDocument/2006/relationships" xmlns:p="http://schemas.openxmlformats.org/presentationml/2006/main">
+  <p:cSld>
+    <p:spTree>
+      <p:nvGrpSpPr>
+        <p:cNvPr id="1" name=""/>
+        <p:cNvGrpSpPr/>
+        <p:nvPr/>
+      </p:nvGrpSpPr>
+      <p:grpSpPr>
+        <a:xfrm>
+          <a:off x="0" y="0"/>
+          <a:ext cx="0" cy="0"/>
+          <a:chOff x="0" y="0"/>
+          <a:chExt cx="0" cy="0"/>
+        </a:xfrm>
+      </p:grpSpPr>
+      <p:sp>
+        <p:nvSpPr>
+          <p:cNvPr id="2" name="Title 1"/>
+          <p:cNvSpPr>
+            <a:spLocks noGrp="1"/>
+          </p:cNvSpPr>
+          <p:nvPr>
+            <p:ph type="title"/>
+          </p:nvPr>
+        </p:nvSpPr>
+        <p:spPr>
+          <a:xfrm>
+            <a:off x="456154" y="76363"/>
+            <a:ext cx="8153400" cy="553998"/>
+          </a:xfrm>
+        </p:spPr>
+        <p:txBody>
+          <a:bodyPr wrap="square">
+            <a:spAutoFit/>
+          </a:bodyPr>
+          <a:lstStyle/>
+          <a:p>
+            <a:r>
+              <a:rPr lang="en-US" dirty="0"/>
+              <a:t>Classification Techniques</a:t>
+            </a:r>
+          </a:p>
+        </p:txBody>
+      </p:sp>
+      <p:sp>
+        <p:nvSpPr>
+          <p:cNvPr id="3" name="Content Placeholder 2"/>
+          <p:cNvSpPr>
+            <a:spLocks noGrp="1"/>
+          </p:cNvSpPr>
+          <p:nvPr>
+            <p:ph idx="1"/>
+          </p:nvPr>
+        </p:nvSpPr>
+        <p:spPr>
+          <a:xfrm>
+            <a:off x="465207" y="990128"/>
+            <a:ext cx="8145393" cy="4301177"/>
+          </a:xfrm>
+        </p:spPr>
+        <p:txBody>
+          <a:bodyPr wrap="square">
+            <a:spAutoFit/>
+          </a:bodyPr>
+          <a:lstStyle/>
+          <a:p>
+            <a:r>
+              <a:rPr lang="en-US" sz="2400" dirty="0"/>
+              <a:t>Decision tree analysis</a:t>
+            </a:r>
+          </a:p>
+          <a:p>
+            <a:r>
+              <a:rPr lang="en-US" sz="2400" dirty="0"/>
+              <a:t>Statistical analysis</a:t>
+            </a:r>
+          </a:p>
+          <a:p>
+            <a:r>
+              <a:rPr lang="en-US" sz="2400" dirty="0"/>
+              <a:t>Neural networks</a:t>
+            </a:r>
+          </a:p>
+          <a:p>
+            <a:r>
+              <a:rPr lang="en-US" sz="2400" dirty="0"/>
+              <a:t>Support vector machines</a:t>
+            </a:r>
+          </a:p>
+          <a:p>
+            <a:r>
+              <a:rPr lang="en-US" sz="2400" dirty="0"/>
+              <a:t>Case-based reasoning</a:t>
+            </a:r>
+          </a:p>
+          <a:p>
+            <a:r>
+              <a:rPr lang="en-US" sz="2400" dirty="0"/>
+              <a:t>Bayesian classifiers</a:t>
+            </a:r>
+          </a:p>
+          <a:p>
+            <a:r>
+              <a:rPr lang="en-US" sz="2400" dirty="0"/>
+              <a:t>Genetic algorithms</a:t>
+            </a:r>
+          </a:p>
+          <a:p>
+            <a:r>
+              <a:rPr lang="en-US" sz="2400" dirty="0"/>
+              <a:t>Rough sets</a:t>
+            </a:r>
+          </a:p>
+        </p:txBody>
+      </p:sp>
+    </p:spTree>
+    <p:extLst>
+      <p:ext uri="{BB962C8B-B14F-4D97-AF65-F5344CB8AC3E}">
+        <p14:creationId xmlns:p14="http://schemas.microsoft.com/office/powerpoint/2010/main" val="1223725672"/>
+      </p:ext>
+    </p:extLst>
+  </p:cSld>
+  <p:clrMapOvr>
+    <a:masterClrMapping/>
+  </p:clrMapOvr>
+</p:sld>
+</file>
+
+<file path=ppt/slides/slide3.xml><?xml version="1.0" encoding="utf-8"?>
+<p:sld xmlns:a="http://schemas.openxmlformats.org/drawingml/2006/main" xmlns:r="http://schemas.openxmlformats.org/officeDocument/2006/relationships" xmlns:p="http://schemas.openxmlformats.org/presentationml/2006/main">
+  <p:cSld>
+    <p:spTree>
+      <p:nvGrpSpPr>
+        <p:cNvPr id="1" name=""/>
+        <p:cNvGrpSpPr/>
+        <p:nvPr/>
+      </p:nvGrpSpPr>
+      <p:grpSpPr>
+        <a:xfrm>
+          <a:off x="0" y="0"/>
+          <a:ext cx="0" cy="0"/>
+          <a:chOff x="0" y="0"/>
+          <a:chExt cx="0" cy="0"/>
+        </a:xfrm>
+      </p:grpSpPr>
+      <p:sp>
+        <p:nvSpPr>
+          <p:cNvPr id="2" name="Title 1"/>
+          <p:cNvSpPr>
+            <a:spLocks noGrp="1"/>
+          </p:cNvSpPr>
+          <p:nvPr>
+            <p:ph type="title"/>
+          </p:nvPr>
+        </p:nvSpPr>
+        <p:spPr>
+          <a:xfrm>
+            <a:off x="456154" y="76363"/>
+            <a:ext cx="8153400" cy="553998"/>
+          </a:xfrm>
+        </p:spPr>
+        <p:txBody>
+          <a:bodyPr wrap="square">
+            <a:spAutoFit/>
+          </a:bodyPr>
+          <a:lstStyle/>
+          <a:p>
+            <a:r>
+              <a:rPr lang="en-IN" dirty="0"/>
+              <a:t>Learning Objectives </a:t>
+            </a:r>
+            <a:r>
+              <a:rPr lang="en-IN" sz="2800" dirty="0"/>
+              <a:t>(2 of 2)</a:t>
+            </a:r>
+            <a:endParaRPr lang="en-US" dirty="0"/>
+          </a:p>
+        </p:txBody>
+      </p:sp>
+      <p:sp>
+        <p:nvSpPr>
+          <p:cNvPr id="3" name="Content Placeholder 2"/>
+          <p:cNvSpPr>
+            <a:spLocks noGrp="1"/>
+          </p:cNvSpPr>
+          <p:nvPr>
+            <p:ph idx="1"/>
+          </p:nvPr>
+        </p:nvSpPr>
+        <p:spPr>
+          <a:xfrm>
+            <a:off x="456154" y="989656"/>
+            <a:ext cx="8153400" cy="1669688"/>
+          </a:xfrm>
+        </p:spPr>
+        <p:txBody>
+          <a:bodyPr wrap="square">
+            <a:spAutoFit/>
+          </a:bodyPr>
+          <a:lstStyle/>
+          <a:p>
+            <a:pPr marL="0" indent="0">
+              <a:buClr>
+                <a:schemeClr val="bg1"/>
+              </a:buClr>
+              <a:buNone/>
+              <a:tabLst>
+                <a:tab pos="514350" algn="l"/>
+              </a:tabLst>
+            </a:pPr>
+            <a:r>
+              <a:rPr lang="en-US" sz="2400" b="1" dirty="0">
+                <a:solidFill>
+                  <a:srgbClr val="007FA3"/>
+                </a:solidFill>
+              </a:rPr>
+              <a:t>4.6</a:t>
+            </a:r>
+            <a:r>
+              <a:rPr lang="en-US" sz="2400" dirty="0"/>
+              <a:t> Build awareness of the existing data mining software 	tools</a:t>
+            </a:r>
+          </a:p>
+          <a:p>
+            <a:pPr marL="0" indent="0">
+              <a:buClr>
+                <a:schemeClr val="bg1"/>
+              </a:buClr>
+              <a:buNone/>
+              <a:tabLst>
+                <a:tab pos="514350" algn="l"/>
+              </a:tabLst>
+            </a:pPr>
+            <a:r>
+              <a:rPr lang="en-US" sz="2400" b="1" dirty="0">
+                <a:solidFill>
+                  <a:srgbClr val="007FA3"/>
+                </a:solidFill>
+              </a:rPr>
+              <a:t>4.7</a:t>
+            </a:r>
+            <a:r>
+              <a:rPr lang="en-US" sz="2400" dirty="0"/>
+              <a:t> Understand the privacy issues, pitfalls, and myths of 	data mining</a:t>
+            </a:r>
+          </a:p>
+        </p:txBody>
+      </p:sp>
+    </p:spTree>
+    <p:extLst>
+      <p:ext uri="{BB962C8B-B14F-4D97-AF65-F5344CB8AC3E}">
+        <p14:creationId xmlns:p14="http://schemas.microsoft.com/office/powerpoint/2010/main" val="573552446"/>
+      </p:ext>
+    </p:extLst>
+  </p:cSld>
+  <p:clrMapOvr>
+    <a:masterClrMapping/>
+  </p:clrMapOvr>
+</p:sld>
+</file>
+
+<file path=ppt/slides/slide30.xml><?xml version="1.0" encoding="utf-8"?>
+<p:sld xmlns:a="http://schemas.openxmlformats.org/drawingml/2006/main" xmlns:r="http://schemas.openxmlformats.org/officeDocument/2006/relationships" xmlns:p="http://schemas.openxmlformats.org/presentationml/2006/main">
+  <p:cSld>
+    <p:spTree>
+      <p:nvGrpSpPr>
+        <p:cNvPr id="1" name=""/>
+        <p:cNvGrpSpPr/>
+        <p:nvPr/>
+      </p:nvGrpSpPr>
+      <p:grpSpPr>
+        <a:xfrm>
+          <a:off x="0" y="0"/>
+          <a:ext cx="0" cy="0"/>
+          <a:chOff x="0" y="0"/>
+          <a:chExt cx="0" cy="0"/>
+        </a:xfrm>
+      </p:grpSpPr>
+      <p:sp>
+        <p:nvSpPr>
+          <p:cNvPr id="2" name="Title 1"/>
+          <p:cNvSpPr>
+            <a:spLocks noGrp="1"/>
+          </p:cNvSpPr>
+          <p:nvPr>
+            <p:ph type="title"/>
+          </p:nvPr>
+        </p:nvSpPr>
+        <p:spPr>
+          <a:xfrm>
+            <a:off x="457200" y="77934"/>
+            <a:ext cx="8153400" cy="553998"/>
+          </a:xfrm>
+        </p:spPr>
+        <p:txBody>
+          <a:bodyPr wrap="square">
+            <a:spAutoFit/>
+          </a:bodyPr>
+          <a:lstStyle/>
+          <a:p>
+            <a:r>
+              <a:rPr lang="en-IN" sz="3600" dirty="0">
+                <a:latin typeface="+mj-lt"/>
+              </a:rPr>
+              <a:t>Decision Trees </a:t>
+            </a:r>
+            <a:r>
+              <a:rPr lang="en-IN" sz="2800" dirty="0">
+                <a:latin typeface="+mj-lt"/>
+              </a:rPr>
+              <a:t>(1 of 2)</a:t>
+            </a:r>
+            <a:endParaRPr lang="en-US" dirty="0">
+              <a:latin typeface="+mj-lt"/>
+            </a:endParaRPr>
+          </a:p>
+        </p:txBody>
+      </p:sp>
+      <p:sp>
+        <p:nvSpPr>
+          <p:cNvPr id="3" name="Content Placeholder 2"/>
+          <p:cNvSpPr>
+            <a:spLocks noGrp="1"/>
+          </p:cNvSpPr>
+          <p:nvPr>
+            <p:ph idx="1"/>
+          </p:nvPr>
+        </p:nvSpPr>
+        <p:spPr>
+          <a:xfrm>
+            <a:off x="457200" y="995681"/>
+            <a:ext cx="8153400" cy="1208023"/>
+          </a:xfrm>
+        </p:spPr>
+        <p:txBody>
+          <a:bodyPr wrap="square">
+            <a:spAutoFit/>
+          </a:bodyPr>
+          <a:lstStyle/>
+          <a:p>
+            <a:r>
+              <a:rPr lang="en-US" sz="2200" dirty="0"/>
+              <a:t>Employs a divide-and-conquer method</a:t>
+            </a:r>
+          </a:p>
+          <a:p>
+            <a:r>
+              <a:rPr lang="en-US" sz="2200" dirty="0"/>
+              <a:t>Recursively divides a training set until each division consists of examples from one class:</a:t>
+            </a:r>
+          </a:p>
+        </p:txBody>
+      </p:sp>
+      <p:sp>
+        <p:nvSpPr>
+          <p:cNvPr id="5" name="Content Placeholder 4"/>
+          <p:cNvSpPr>
+            <a:spLocks noGrp="1"/>
+          </p:cNvSpPr>
+          <p:nvPr>
+            <p:ph idx="13"/>
+          </p:nvPr>
+        </p:nvSpPr>
+        <p:spPr>
+          <a:xfrm>
+            <a:off x="467360" y="2332357"/>
+            <a:ext cx="1361440" cy="2031325"/>
+          </a:xfrm>
+          <a:solidFill>
+            <a:srgbClr val="D4EAE4"/>
+          </a:solidFill>
+        </p:spPr>
+        <p:txBody>
+          <a:bodyPr wrap="square">
+            <a:spAutoFit/>
+          </a:bodyPr>
+          <a:lstStyle/>
+          <a:p>
+            <a:pPr marL="0" indent="0">
+              <a:spcBef>
+                <a:spcPts val="600"/>
+              </a:spcBef>
+              <a:buNone/>
+            </a:pPr>
+            <a:r>
+              <a:rPr lang="en-US" sz="2200" dirty="0"/>
+              <a:t>A general algorithm (steps) for building a decision tree</a:t>
+            </a:r>
+            <a:endParaRPr lang="en-US" sz="2200" dirty="0">
+              <a:solidFill>
+                <a:srgbClr val="C00000"/>
+              </a:solidFill>
+            </a:endParaRPr>
+          </a:p>
+        </p:txBody>
+      </p:sp>
+      <p:sp>
+        <p:nvSpPr>
+          <p:cNvPr id="6" name="Content Placeholder 5"/>
+          <p:cNvSpPr>
+            <a:spLocks noGrp="1"/>
+          </p:cNvSpPr>
+          <p:nvPr>
+            <p:ph sz="quarter" idx="14"/>
+          </p:nvPr>
+        </p:nvSpPr>
+        <p:spPr>
+          <a:xfrm>
+            <a:off x="1905000" y="2301875"/>
+            <a:ext cx="6705600" cy="2939266"/>
+          </a:xfrm>
+          <a:solidFill>
+            <a:schemeClr val="bg1"/>
+          </a:solidFill>
+        </p:spPr>
+        <p:txBody>
+          <a:bodyPr wrap="square">
+            <a:spAutoFit/>
+          </a:bodyPr>
+          <a:lstStyle/>
+          <a:p>
+            <a:pPr marL="457200" indent="-457200">
+              <a:spcBef>
+                <a:spcPts val="600"/>
+              </a:spcBef>
+              <a:buFont typeface="+mj-lt"/>
+              <a:buAutoNum type="arabicPeriod"/>
+            </a:pPr>
+            <a:r>
+              <a:rPr lang="en-US" sz="2200" dirty="0"/>
+              <a:t>Create a root node and assign all of the training data to it. </a:t>
+            </a:r>
+          </a:p>
+          <a:p>
+            <a:pPr marL="457200" indent="-457200">
+              <a:spcBef>
+                <a:spcPts val="600"/>
+              </a:spcBef>
+              <a:buFont typeface="+mj-lt"/>
+              <a:buAutoNum type="arabicPeriod"/>
+            </a:pPr>
+            <a:r>
+              <a:rPr lang="en-US" sz="2200" dirty="0"/>
+              <a:t>Select the best splitting attribute.</a:t>
+            </a:r>
+          </a:p>
+          <a:p>
+            <a:pPr marL="457200" indent="-457200">
+              <a:spcBef>
+                <a:spcPts val="600"/>
+              </a:spcBef>
+              <a:buFont typeface="+mj-lt"/>
+              <a:buAutoNum type="arabicPeriod"/>
+            </a:pPr>
+            <a:r>
+              <a:rPr lang="en-US" sz="2200" dirty="0"/>
+              <a:t>Add a branch to the root node for each value of the split. Split the data into mutually exclusive subsets along the lines of the specific split.</a:t>
+            </a:r>
+          </a:p>
+          <a:p>
+            <a:pPr marL="457200" indent="-457200">
+              <a:spcBef>
+                <a:spcPts val="600"/>
+              </a:spcBef>
+              <a:buFont typeface="+mj-lt"/>
+              <a:buAutoNum type="arabicPeriod"/>
+            </a:pPr>
+            <a:r>
+              <a:rPr lang="en-US" sz="2200" dirty="0"/>
+              <a:t>Repeat the steps 2 and 3 for each and every leaf node until the stopping criteria is reached.</a:t>
+            </a:r>
+          </a:p>
+        </p:txBody>
+      </p:sp>
+    </p:spTree>
+    <p:extLst>
+      <p:ext uri="{BB962C8B-B14F-4D97-AF65-F5344CB8AC3E}">
+        <p14:creationId xmlns:p14="http://schemas.microsoft.com/office/powerpoint/2010/main" val="2465190921"/>
+      </p:ext>
+    </p:extLst>
+  </p:cSld>
+  <p:clrMapOvr>
+    <a:masterClrMapping/>
+  </p:clrMapOvr>
+</p:sld>
+</file>
+
 <file path=ppt/slides/slide31.xml><?xml version="1.0" encoding="utf-8"?>
 <p:sld xmlns:a="http://schemas.openxmlformats.org/drawingml/2006/main" xmlns:r="http://schemas.openxmlformats.org/officeDocument/2006/relationships" xmlns:p="http://schemas.openxmlformats.org/presentationml/2006/main">
   <p:cSld>
@@ -17051,483 +16843,6 @@
         </p:nvSpPr>
         <p:spPr>
           <a:xfrm>
-            <a:off x="456154" y="76363"/>
-            <a:ext cx="8153400" cy="984885"/>
-          </a:xfrm>
-        </p:spPr>
-        <p:txBody>
-          <a:bodyPr wrap="square">
-            <a:spAutoFit/>
-          </a:bodyPr>
-          <a:lstStyle/>
-          <a:p>
-            <a:r>
-              <a:rPr lang="en-US" dirty="0"/>
-              <a:t>Area Under the </a:t>
-            </a:r>
-            <a:r>
-              <a:rPr lang="en-US" spc="-450" dirty="0"/>
-              <a:t>R O </a:t>
-            </a:r>
-            <a:r>
-              <a:rPr lang="en-US" dirty="0"/>
-              <a:t>C Curve (</a:t>
-            </a:r>
-            <a:r>
-              <a:rPr lang="en-US" spc="-450" dirty="0"/>
-              <a:t>A U </a:t>
-            </a:r>
-            <a:r>
-              <a:rPr lang="en-US" dirty="0"/>
-              <a:t>C)     </a:t>
-            </a:r>
-            <a:r>
-              <a:rPr lang="en-US" sz="2800" dirty="0"/>
-              <a:t>(2 of 2)</a:t>
-            </a:r>
-            <a:endParaRPr lang="en-US" dirty="0"/>
-          </a:p>
-        </p:txBody>
-      </p:sp>
-      <p:sp>
-        <p:nvSpPr>
-          <p:cNvPr id="3" name="Content Placeholder 2"/>
-          <p:cNvSpPr>
-            <a:spLocks noGrp="1"/>
-          </p:cNvSpPr>
-          <p:nvPr>
-            <p:ph idx="1"/>
-          </p:nvPr>
-        </p:nvSpPr>
-        <p:spPr>
-          <a:xfrm>
-            <a:off x="456154" y="1369546"/>
-            <a:ext cx="8154446" cy="1862048"/>
-          </a:xfrm>
-        </p:spPr>
-        <p:txBody>
-          <a:bodyPr wrap="square">
-            <a:spAutoFit/>
-          </a:bodyPr>
-          <a:lstStyle/>
-          <a:p>
-            <a:r>
-              <a:rPr lang="en-IN" sz="2400" dirty="0"/>
-              <a:t>Produces values from 0 to 1.0</a:t>
-            </a:r>
-          </a:p>
-          <a:p>
-            <a:r>
-              <a:rPr lang="en-IN" sz="2400" dirty="0"/>
-              <a:t>Random chance is 0.5 and perfect classification is 1.0</a:t>
-            </a:r>
-          </a:p>
-          <a:p>
-            <a:r>
-              <a:rPr lang="en-IN" sz="2400" dirty="0"/>
-              <a:t>Produces good a assessment for skewed class distributions too!</a:t>
-            </a:r>
-          </a:p>
-        </p:txBody>
-      </p:sp>
-    </p:spTree>
-    <p:extLst>
-      <p:ext uri="{BB962C8B-B14F-4D97-AF65-F5344CB8AC3E}">
-        <p14:creationId xmlns:p14="http://schemas.microsoft.com/office/powerpoint/2010/main" val="2585829888"/>
-      </p:ext>
-    </p:extLst>
-  </p:cSld>
-  <p:clrMapOvr>
-    <a:masterClrMapping/>
-  </p:clrMapOvr>
-</p:sld>
-</file>
-
-<file path=ppt/slides/slide32.xml><?xml version="1.0" encoding="utf-8"?>
-<p:sld xmlns:a="http://schemas.openxmlformats.org/drawingml/2006/main" xmlns:r="http://schemas.openxmlformats.org/officeDocument/2006/relationships" xmlns:p="http://schemas.openxmlformats.org/presentationml/2006/main">
-  <p:cSld>
-    <p:spTree>
-      <p:nvGrpSpPr>
-        <p:cNvPr id="1" name=""/>
-        <p:cNvGrpSpPr/>
-        <p:nvPr/>
-      </p:nvGrpSpPr>
-      <p:grpSpPr>
-        <a:xfrm>
-          <a:off x="0" y="0"/>
-          <a:ext cx="0" cy="0"/>
-          <a:chOff x="0" y="0"/>
-          <a:chExt cx="0" cy="0"/>
-        </a:xfrm>
-      </p:grpSpPr>
-      <p:sp>
-        <p:nvSpPr>
-          <p:cNvPr id="2" name="Title 1"/>
-          <p:cNvSpPr>
-            <a:spLocks noGrp="1"/>
-          </p:cNvSpPr>
-          <p:nvPr>
-            <p:ph type="title"/>
-          </p:nvPr>
-        </p:nvSpPr>
-        <p:spPr>
-          <a:xfrm>
-            <a:off x="456154" y="76363"/>
-            <a:ext cx="8153400" cy="553998"/>
-          </a:xfrm>
-        </p:spPr>
-        <p:txBody>
-          <a:bodyPr wrap="square">
-            <a:spAutoFit/>
-          </a:bodyPr>
-          <a:lstStyle/>
-          <a:p>
-            <a:r>
-              <a:rPr lang="en-US" dirty="0"/>
-              <a:t>Classification Techniques</a:t>
-            </a:r>
-          </a:p>
-        </p:txBody>
-      </p:sp>
-      <p:sp>
-        <p:nvSpPr>
-          <p:cNvPr id="3" name="Content Placeholder 2"/>
-          <p:cNvSpPr>
-            <a:spLocks noGrp="1"/>
-          </p:cNvSpPr>
-          <p:nvPr>
-            <p:ph idx="1"/>
-          </p:nvPr>
-        </p:nvSpPr>
-        <p:spPr>
-          <a:xfrm>
-            <a:off x="465207" y="990128"/>
-            <a:ext cx="8145393" cy="4301177"/>
-          </a:xfrm>
-        </p:spPr>
-        <p:txBody>
-          <a:bodyPr wrap="square">
-            <a:spAutoFit/>
-          </a:bodyPr>
-          <a:lstStyle/>
-          <a:p>
-            <a:r>
-              <a:rPr lang="en-US" sz="2400" dirty="0"/>
-              <a:t>Decision tree analysis</a:t>
-            </a:r>
-          </a:p>
-          <a:p>
-            <a:r>
-              <a:rPr lang="en-US" sz="2400" dirty="0"/>
-              <a:t>Statistical analysis</a:t>
-            </a:r>
-          </a:p>
-          <a:p>
-            <a:r>
-              <a:rPr lang="en-US" sz="2400" dirty="0"/>
-              <a:t>Neural networks</a:t>
-            </a:r>
-          </a:p>
-          <a:p>
-            <a:r>
-              <a:rPr lang="en-US" sz="2400" dirty="0"/>
-              <a:t>Support vector machines</a:t>
-            </a:r>
-          </a:p>
-          <a:p>
-            <a:r>
-              <a:rPr lang="en-US" sz="2400" dirty="0"/>
-              <a:t>Case-based reasoning</a:t>
-            </a:r>
-          </a:p>
-          <a:p>
-            <a:r>
-              <a:rPr lang="en-US" sz="2400" dirty="0"/>
-              <a:t>Bayesian classifiers</a:t>
-            </a:r>
-          </a:p>
-          <a:p>
-            <a:r>
-              <a:rPr lang="en-US" sz="2400" dirty="0"/>
-              <a:t>Genetic algorithms</a:t>
-            </a:r>
-          </a:p>
-          <a:p>
-            <a:r>
-              <a:rPr lang="en-US" sz="2400" dirty="0"/>
-              <a:t>Rough sets</a:t>
-            </a:r>
-          </a:p>
-        </p:txBody>
-      </p:sp>
-    </p:spTree>
-    <p:extLst>
-      <p:ext uri="{BB962C8B-B14F-4D97-AF65-F5344CB8AC3E}">
-        <p14:creationId xmlns:p14="http://schemas.microsoft.com/office/powerpoint/2010/main" val="1223725672"/>
-      </p:ext>
-    </p:extLst>
-  </p:cSld>
-  <p:clrMapOvr>
-    <a:masterClrMapping/>
-  </p:clrMapOvr>
-</p:sld>
-</file>
-
-<file path=ppt/slides/slide33.xml><?xml version="1.0" encoding="utf-8"?>
-<p:sld xmlns:a="http://schemas.openxmlformats.org/drawingml/2006/main" xmlns:r="http://schemas.openxmlformats.org/officeDocument/2006/relationships" xmlns:p="http://schemas.openxmlformats.org/presentationml/2006/main">
-  <p:cSld>
-    <p:spTree>
-      <p:nvGrpSpPr>
-        <p:cNvPr id="1" name=""/>
-        <p:cNvGrpSpPr/>
-        <p:nvPr/>
-      </p:nvGrpSpPr>
-      <p:grpSpPr>
-        <a:xfrm>
-          <a:off x="0" y="0"/>
-          <a:ext cx="0" cy="0"/>
-          <a:chOff x="0" y="0"/>
-          <a:chExt cx="0" cy="0"/>
-        </a:xfrm>
-      </p:grpSpPr>
-      <p:sp>
-        <p:nvSpPr>
-          <p:cNvPr id="2" name="Title 1"/>
-          <p:cNvSpPr>
-            <a:spLocks noGrp="1"/>
-          </p:cNvSpPr>
-          <p:nvPr>
-            <p:ph type="title"/>
-          </p:nvPr>
-        </p:nvSpPr>
-        <p:spPr>
-          <a:xfrm>
-            <a:off x="457200" y="77934"/>
-            <a:ext cx="8153400" cy="553998"/>
-          </a:xfrm>
-        </p:spPr>
-        <p:txBody>
-          <a:bodyPr wrap="square">
-            <a:spAutoFit/>
-          </a:bodyPr>
-          <a:lstStyle/>
-          <a:p>
-            <a:r>
-              <a:rPr lang="en-IN" sz="3600" dirty="0">
-                <a:latin typeface="+mj-lt"/>
-              </a:rPr>
-              <a:t>Decision Trees </a:t>
-            </a:r>
-            <a:r>
-              <a:rPr lang="en-IN" sz="2800" dirty="0">
-                <a:latin typeface="+mj-lt"/>
-              </a:rPr>
-              <a:t>(1 of 2)</a:t>
-            </a:r>
-            <a:endParaRPr lang="en-US" dirty="0">
-              <a:latin typeface="+mj-lt"/>
-            </a:endParaRPr>
-          </a:p>
-        </p:txBody>
-      </p:sp>
-      <p:sp>
-        <p:nvSpPr>
-          <p:cNvPr id="3" name="Content Placeholder 2"/>
-          <p:cNvSpPr>
-            <a:spLocks noGrp="1"/>
-          </p:cNvSpPr>
-          <p:nvPr>
-            <p:ph idx="1"/>
-          </p:nvPr>
-        </p:nvSpPr>
-        <p:spPr>
-          <a:xfrm>
-            <a:off x="457200" y="995681"/>
-            <a:ext cx="8153400" cy="1208023"/>
-          </a:xfrm>
-        </p:spPr>
-        <p:txBody>
-          <a:bodyPr wrap="square">
-            <a:spAutoFit/>
-          </a:bodyPr>
-          <a:lstStyle/>
-          <a:p>
-            <a:r>
-              <a:rPr lang="en-US" sz="2200" dirty="0"/>
-              <a:t>Employs a divide-and-conquer method</a:t>
-            </a:r>
-          </a:p>
-          <a:p>
-            <a:r>
-              <a:rPr lang="en-US" sz="2200" dirty="0"/>
-              <a:t>Recursively divides a training set until each division consists of examples from one class:</a:t>
-            </a:r>
-          </a:p>
-        </p:txBody>
-      </p:sp>
-      <p:sp>
-        <p:nvSpPr>
-          <p:cNvPr id="5" name="Content Placeholder 4"/>
-          <p:cNvSpPr>
-            <a:spLocks noGrp="1"/>
-          </p:cNvSpPr>
-          <p:nvPr>
-            <p:ph idx="13"/>
-          </p:nvPr>
-        </p:nvSpPr>
-        <p:spPr>
-          <a:xfrm>
-            <a:off x="467360" y="2332357"/>
-            <a:ext cx="1361440" cy="2031325"/>
-          </a:xfrm>
-          <a:solidFill>
-            <a:srgbClr val="D4EAE4"/>
-          </a:solidFill>
-        </p:spPr>
-        <p:txBody>
-          <a:bodyPr wrap="square">
-            <a:spAutoFit/>
-          </a:bodyPr>
-          <a:lstStyle/>
-          <a:p>
-            <a:pPr marL="0" indent="0">
-              <a:spcBef>
-                <a:spcPts val="600"/>
-              </a:spcBef>
-              <a:buNone/>
-            </a:pPr>
-            <a:r>
-              <a:rPr lang="en-US" sz="2200" dirty="0"/>
-              <a:t>A general algorithm (steps) for building a decision tree</a:t>
-            </a:r>
-            <a:endParaRPr lang="en-US" sz="2200" dirty="0">
-              <a:solidFill>
-                <a:srgbClr val="C00000"/>
-              </a:solidFill>
-            </a:endParaRPr>
-          </a:p>
-        </p:txBody>
-      </p:sp>
-      <p:sp>
-        <p:nvSpPr>
-          <p:cNvPr id="6" name="Content Placeholder 5"/>
-          <p:cNvSpPr>
-            <a:spLocks noGrp="1"/>
-          </p:cNvSpPr>
-          <p:nvPr>
-            <p:ph sz="quarter" idx="14"/>
-          </p:nvPr>
-        </p:nvSpPr>
-        <p:spPr>
-          <a:xfrm>
-            <a:off x="1905000" y="2301875"/>
-            <a:ext cx="6705600" cy="2939266"/>
-          </a:xfrm>
-          <a:solidFill>
-            <a:schemeClr val="bg1"/>
-          </a:solidFill>
-        </p:spPr>
-        <p:txBody>
-          <a:bodyPr wrap="square">
-            <a:spAutoFit/>
-          </a:bodyPr>
-          <a:lstStyle/>
-          <a:p>
-            <a:pPr marL="457200" indent="-457200">
-              <a:spcBef>
-                <a:spcPts val="600"/>
-              </a:spcBef>
-              <a:buFont typeface="+mj-lt"/>
-              <a:buAutoNum type="arabicPeriod"/>
-            </a:pPr>
-            <a:r>
-              <a:rPr lang="en-US" sz="2200" dirty="0"/>
-              <a:t>Create a root node and assign all of the training data to it. </a:t>
-            </a:r>
-          </a:p>
-          <a:p>
-            <a:pPr marL="457200" indent="-457200">
-              <a:spcBef>
-                <a:spcPts val="600"/>
-              </a:spcBef>
-              <a:buFont typeface="+mj-lt"/>
-              <a:buAutoNum type="arabicPeriod"/>
-            </a:pPr>
-            <a:r>
-              <a:rPr lang="en-US" sz="2200" dirty="0"/>
-              <a:t>Select the best splitting attribute.</a:t>
-            </a:r>
-          </a:p>
-          <a:p>
-            <a:pPr marL="457200" indent="-457200">
-              <a:spcBef>
-                <a:spcPts val="600"/>
-              </a:spcBef>
-              <a:buFont typeface="+mj-lt"/>
-              <a:buAutoNum type="arabicPeriod"/>
-            </a:pPr>
-            <a:r>
-              <a:rPr lang="en-US" sz="2200" dirty="0"/>
-              <a:t>Add a branch to the root node for each value of the split. Split the data into mutually exclusive subsets along the lines of the specific split.</a:t>
-            </a:r>
-          </a:p>
-          <a:p>
-            <a:pPr marL="457200" indent="-457200">
-              <a:spcBef>
-                <a:spcPts val="600"/>
-              </a:spcBef>
-              <a:buFont typeface="+mj-lt"/>
-              <a:buAutoNum type="arabicPeriod"/>
-            </a:pPr>
-            <a:r>
-              <a:rPr lang="en-US" sz="2200" dirty="0"/>
-              <a:t>Repeat the steps 2 and 3 for each and every leaf node until the stopping criteria is reached.</a:t>
-            </a:r>
-          </a:p>
-        </p:txBody>
-      </p:sp>
-    </p:spTree>
-    <p:extLst>
-      <p:ext uri="{BB962C8B-B14F-4D97-AF65-F5344CB8AC3E}">
-        <p14:creationId xmlns:p14="http://schemas.microsoft.com/office/powerpoint/2010/main" val="2465190921"/>
-      </p:ext>
-    </p:extLst>
-  </p:cSld>
-  <p:clrMapOvr>
-    <a:masterClrMapping/>
-  </p:clrMapOvr>
-</p:sld>
-</file>
-
-<file path=ppt/slides/slide34.xml><?xml version="1.0" encoding="utf-8"?>
-<p:sld xmlns:a="http://schemas.openxmlformats.org/drawingml/2006/main" xmlns:r="http://schemas.openxmlformats.org/officeDocument/2006/relationships" xmlns:p="http://schemas.openxmlformats.org/presentationml/2006/main">
-  <p:cSld>
-    <p:spTree>
-      <p:nvGrpSpPr>
-        <p:cNvPr id="1" name=""/>
-        <p:cNvGrpSpPr/>
-        <p:nvPr/>
-      </p:nvGrpSpPr>
-      <p:grpSpPr>
-        <a:xfrm>
-          <a:off x="0" y="0"/>
-          <a:ext cx="0" cy="0"/>
-          <a:chOff x="0" y="0"/>
-          <a:chExt cx="0" cy="0"/>
-        </a:xfrm>
-      </p:grpSpPr>
-      <p:sp>
-        <p:nvSpPr>
-          <p:cNvPr id="2" name="Title 1"/>
-          <p:cNvSpPr>
-            <a:spLocks noGrp="1"/>
-          </p:cNvSpPr>
-          <p:nvPr>
-            <p:ph type="title"/>
-          </p:nvPr>
-        </p:nvSpPr>
-        <p:spPr>
-          <a:xfrm>
             <a:off x="457200" y="80314"/>
             <a:ext cx="8153400" cy="553998"/>
           </a:xfrm>
@@ -17771,7 +17086,7 @@
 </p:sld>
 </file>
 
-<file path=ppt/slides/slide35.xml><?xml version="1.0" encoding="utf-8"?>
+<file path=ppt/slides/slide32.xml><?xml version="1.0" encoding="utf-8"?>
 <p:sld xmlns:a="http://schemas.openxmlformats.org/drawingml/2006/main" xmlns:r="http://schemas.openxmlformats.org/officeDocument/2006/relationships" xmlns:p="http://schemas.openxmlformats.org/presentationml/2006/main">
   <p:cSld>
     <p:spTree>
@@ -17939,6 +17254,420 @@
 </p:sld>
 </file>
 
+<file path=ppt/slides/slide33.xml><?xml version="1.0" encoding="utf-8"?>
+<p:sld xmlns:a="http://schemas.openxmlformats.org/drawingml/2006/main" xmlns:r="http://schemas.openxmlformats.org/officeDocument/2006/relationships" xmlns:p="http://schemas.openxmlformats.org/presentationml/2006/main">
+  <p:cSld>
+    <p:spTree>
+      <p:nvGrpSpPr>
+        <p:cNvPr id="1" name=""/>
+        <p:cNvGrpSpPr/>
+        <p:nvPr/>
+      </p:nvGrpSpPr>
+      <p:grpSpPr>
+        <a:xfrm>
+          <a:off x="0" y="0"/>
+          <a:ext cx="0" cy="0"/>
+          <a:chOff x="0" y="0"/>
+          <a:chExt cx="0" cy="0"/>
+        </a:xfrm>
+      </p:grpSpPr>
+      <p:sp>
+        <p:nvSpPr>
+          <p:cNvPr id="2" name="Title 1"/>
+          <p:cNvSpPr>
+            <a:spLocks noGrp="1"/>
+          </p:cNvSpPr>
+          <p:nvPr>
+            <p:ph type="title"/>
+          </p:nvPr>
+        </p:nvSpPr>
+        <p:spPr>
+          <a:xfrm>
+            <a:off x="456154" y="70186"/>
+            <a:ext cx="8153400" cy="984885"/>
+          </a:xfrm>
+        </p:spPr>
+        <p:txBody>
+          <a:bodyPr wrap="square">
+            <a:spAutoFit/>
+          </a:bodyPr>
+          <a:lstStyle/>
+          <a:p>
+            <a:r>
+              <a:rPr lang="en-IN" dirty="0"/>
+              <a:t>Cluster Analysis for Data Mining       </a:t>
+            </a:r>
+            <a:r>
+              <a:rPr lang="en-IN" sz="2800" dirty="0"/>
+              <a:t>(1 of 4)</a:t>
+            </a:r>
+            <a:endParaRPr lang="en-US" dirty="0"/>
+          </a:p>
+        </p:txBody>
+      </p:sp>
+      <p:sp>
+        <p:nvSpPr>
+          <p:cNvPr id="3" name="Content Placeholder 2"/>
+          <p:cNvSpPr>
+            <a:spLocks noGrp="1"/>
+          </p:cNvSpPr>
+          <p:nvPr>
+            <p:ph idx="1"/>
+          </p:nvPr>
+        </p:nvSpPr>
+        <p:spPr>
+          <a:xfrm>
+            <a:off x="456154" y="1375113"/>
+            <a:ext cx="8154446" cy="3916457"/>
+          </a:xfrm>
+        </p:spPr>
+        <p:txBody>
+          <a:bodyPr wrap="square">
+            <a:spAutoFit/>
+          </a:bodyPr>
+          <a:lstStyle/>
+          <a:p>
+            <a:r>
+              <a:rPr lang="en-US" sz="2400" dirty="0"/>
+              <a:t>Used for automatic identification of natural groupings of things</a:t>
+            </a:r>
+          </a:p>
+          <a:p>
+            <a:r>
+              <a:rPr lang="en-US" sz="2400" dirty="0"/>
+              <a:t>Part of the machine-learning family </a:t>
+            </a:r>
+          </a:p>
+          <a:p>
+            <a:r>
+              <a:rPr lang="en-US" sz="2400" dirty="0"/>
+              <a:t>Employ unsupervised learning</a:t>
+            </a:r>
+          </a:p>
+          <a:p>
+            <a:r>
+              <a:rPr lang="en-US" sz="2400" dirty="0"/>
+              <a:t>Learns the clusters of things from past data, then assigns new instances</a:t>
+            </a:r>
+          </a:p>
+          <a:p>
+            <a:r>
+              <a:rPr lang="en-US" sz="2400" dirty="0"/>
+              <a:t>There is not an output/target variable</a:t>
+            </a:r>
+          </a:p>
+          <a:p>
+            <a:r>
+              <a:rPr lang="en-US" sz="2400" dirty="0"/>
+              <a:t>In marketing, it is also known as segmentation</a:t>
+            </a:r>
+          </a:p>
+        </p:txBody>
+      </p:sp>
+    </p:spTree>
+    <p:extLst>
+      <p:ext uri="{BB962C8B-B14F-4D97-AF65-F5344CB8AC3E}">
+        <p14:creationId xmlns:p14="http://schemas.microsoft.com/office/powerpoint/2010/main" val="2281202213"/>
+      </p:ext>
+    </p:extLst>
+  </p:cSld>
+  <p:clrMapOvr>
+    <a:masterClrMapping/>
+  </p:clrMapOvr>
+</p:sld>
+</file>
+
+<file path=ppt/slides/slide34.xml><?xml version="1.0" encoding="utf-8"?>
+<p:sld xmlns:a="http://schemas.openxmlformats.org/drawingml/2006/main" xmlns:r="http://schemas.openxmlformats.org/officeDocument/2006/relationships" xmlns:p="http://schemas.openxmlformats.org/presentationml/2006/main">
+  <p:cSld>
+    <p:spTree>
+      <p:nvGrpSpPr>
+        <p:cNvPr id="1" name=""/>
+        <p:cNvGrpSpPr/>
+        <p:nvPr/>
+      </p:nvGrpSpPr>
+      <p:grpSpPr>
+        <a:xfrm>
+          <a:off x="0" y="0"/>
+          <a:ext cx="0" cy="0"/>
+          <a:chOff x="0" y="0"/>
+          <a:chExt cx="0" cy="0"/>
+        </a:xfrm>
+      </p:grpSpPr>
+      <p:sp>
+        <p:nvSpPr>
+          <p:cNvPr id="2" name="Title 1"/>
+          <p:cNvSpPr>
+            <a:spLocks noGrp="1"/>
+          </p:cNvSpPr>
+          <p:nvPr>
+            <p:ph type="title"/>
+          </p:nvPr>
+        </p:nvSpPr>
+        <p:spPr>
+          <a:xfrm>
+            <a:off x="456154" y="70186"/>
+            <a:ext cx="8153400" cy="984885"/>
+          </a:xfrm>
+        </p:spPr>
+        <p:txBody>
+          <a:bodyPr wrap="square">
+            <a:spAutoFit/>
+          </a:bodyPr>
+          <a:lstStyle/>
+          <a:p>
+            <a:r>
+              <a:rPr lang="en-IN" dirty="0"/>
+              <a:t>Cluster Analysis for Data Mining       </a:t>
+            </a:r>
+            <a:r>
+              <a:rPr lang="en-IN" sz="2800" dirty="0"/>
+              <a:t>(2 of 4)</a:t>
+            </a:r>
+            <a:endParaRPr lang="en-US" dirty="0"/>
+          </a:p>
+        </p:txBody>
+      </p:sp>
+      <p:sp>
+        <p:nvSpPr>
+          <p:cNvPr id="3" name="Content Placeholder 2"/>
+          <p:cNvSpPr>
+            <a:spLocks noGrp="1"/>
+          </p:cNvSpPr>
+          <p:nvPr>
+            <p:ph idx="1"/>
+          </p:nvPr>
+        </p:nvSpPr>
+        <p:spPr>
+          <a:xfrm>
+            <a:off x="456154" y="1375113"/>
+            <a:ext cx="8154446" cy="4078039"/>
+          </a:xfrm>
+        </p:spPr>
+        <p:txBody>
+          <a:bodyPr wrap="square">
+            <a:spAutoFit/>
+          </a:bodyPr>
+          <a:lstStyle/>
+          <a:p>
+            <a:r>
+              <a:rPr lang="en-US" sz="2400" dirty="0"/>
+              <a:t>Clustering results may be used to</a:t>
+            </a:r>
+          </a:p>
+          <a:p>
+            <a:pPr lvl="1"/>
+            <a:r>
+              <a:rPr lang="en-US" sz="2400" dirty="0"/>
+              <a:t>Identify natural groupings of customers</a:t>
+            </a:r>
+          </a:p>
+          <a:p>
+            <a:pPr lvl="1"/>
+            <a:r>
+              <a:rPr lang="en-US" sz="2400" dirty="0"/>
+              <a:t>Identify rules for assigning new cases to classes for targeting/diagnostic purposes</a:t>
+            </a:r>
+          </a:p>
+          <a:p>
+            <a:pPr lvl="1"/>
+            <a:r>
+              <a:rPr lang="en-US" sz="2400" dirty="0"/>
+              <a:t>Provide characterization, definition, labeling of populations</a:t>
+            </a:r>
+          </a:p>
+          <a:p>
+            <a:pPr lvl="1"/>
+            <a:r>
+              <a:rPr lang="en-US" sz="2400" dirty="0"/>
+              <a:t>Decrease the size and complexity of problems for other data mining methods </a:t>
+            </a:r>
+          </a:p>
+          <a:p>
+            <a:pPr lvl="1"/>
+            <a:r>
+              <a:rPr lang="en-US" sz="2400" dirty="0"/>
+              <a:t>Identify outliers in a specific domain (e.g., rare-event detection)</a:t>
+            </a:r>
+          </a:p>
+        </p:txBody>
+      </p:sp>
+    </p:spTree>
+    <p:extLst>
+      <p:ext uri="{BB962C8B-B14F-4D97-AF65-F5344CB8AC3E}">
+        <p14:creationId xmlns:p14="http://schemas.microsoft.com/office/powerpoint/2010/main" val="1916062837"/>
+      </p:ext>
+    </p:extLst>
+  </p:cSld>
+  <p:clrMapOvr>
+    <a:masterClrMapping/>
+  </p:clrMapOvr>
+</p:sld>
+</file>
+
+<file path=ppt/slides/slide35.xml><?xml version="1.0" encoding="utf-8"?>
+<p:sld xmlns:a="http://schemas.openxmlformats.org/drawingml/2006/main" xmlns:r="http://schemas.openxmlformats.org/officeDocument/2006/relationships" xmlns:p="http://schemas.openxmlformats.org/presentationml/2006/main">
+  <p:cSld>
+    <p:spTree>
+      <p:nvGrpSpPr>
+        <p:cNvPr id="1" name=""/>
+        <p:cNvGrpSpPr/>
+        <p:nvPr/>
+      </p:nvGrpSpPr>
+      <p:grpSpPr>
+        <a:xfrm>
+          <a:off x="0" y="0"/>
+          <a:ext cx="0" cy="0"/>
+          <a:chOff x="0" y="0"/>
+          <a:chExt cx="0" cy="0"/>
+        </a:xfrm>
+      </p:grpSpPr>
+      <p:sp>
+        <p:nvSpPr>
+          <p:cNvPr id="2" name="Title 1"/>
+          <p:cNvSpPr>
+            <a:spLocks noGrp="1"/>
+          </p:cNvSpPr>
+          <p:nvPr>
+            <p:ph type="title"/>
+          </p:nvPr>
+        </p:nvSpPr>
+        <p:spPr>
+          <a:xfrm>
+            <a:off x="456154" y="70186"/>
+            <a:ext cx="8153400" cy="984885"/>
+          </a:xfrm>
+        </p:spPr>
+        <p:txBody>
+          <a:bodyPr wrap="square">
+            <a:spAutoFit/>
+          </a:bodyPr>
+          <a:lstStyle/>
+          <a:p>
+            <a:r>
+              <a:rPr lang="en-IN" dirty="0"/>
+              <a:t>Cluster Analysis for Data Mining       </a:t>
+            </a:r>
+            <a:r>
+              <a:rPr lang="en-IN" sz="2800" dirty="0"/>
+              <a:t>(3 of 4)</a:t>
+            </a:r>
+            <a:endParaRPr lang="en-US" dirty="0"/>
+          </a:p>
+        </p:txBody>
+      </p:sp>
+      <p:sp>
+        <p:nvSpPr>
+          <p:cNvPr id="3" name="Content Placeholder 2"/>
+          <p:cNvSpPr>
+            <a:spLocks noGrp="1"/>
+          </p:cNvSpPr>
+          <p:nvPr>
+            <p:ph idx="1"/>
+          </p:nvPr>
+        </p:nvSpPr>
+        <p:spPr>
+          <a:xfrm>
+            <a:off x="456154" y="1375113"/>
+            <a:ext cx="8154446" cy="3824124"/>
+          </a:xfrm>
+        </p:spPr>
+        <p:txBody>
+          <a:bodyPr wrap="square">
+            <a:spAutoFit/>
+          </a:bodyPr>
+          <a:lstStyle/>
+          <a:p>
+            <a:r>
+              <a:rPr lang="en-US" sz="2400" dirty="0"/>
+              <a:t>Analysis methods</a:t>
+            </a:r>
+          </a:p>
+          <a:p>
+            <a:pPr lvl="1"/>
+            <a:r>
+              <a:rPr lang="en-US" sz="2400" dirty="0"/>
+              <a:t>Statistical methods (including both hierarchical and nonhierarchical), such as </a:t>
+            </a:r>
+            <a:r>
+              <a:rPr lang="en-US" sz="2400" i="1" dirty="0"/>
+              <a:t>k</a:t>
+            </a:r>
+            <a:r>
+              <a:rPr lang="en-US" sz="2400" dirty="0"/>
+              <a:t>-means, </a:t>
+            </a:r>
+            <a:r>
+              <a:rPr lang="en-US" sz="2400" i="1" dirty="0"/>
+              <a:t>k</a:t>
+            </a:r>
+            <a:r>
+              <a:rPr lang="en-US" sz="2400" dirty="0"/>
+              <a:t>-modes, and so on.</a:t>
+            </a:r>
+          </a:p>
+          <a:p>
+            <a:pPr lvl="1"/>
+            <a:r>
+              <a:rPr lang="en-US" sz="2400" dirty="0"/>
+              <a:t>Neural networks (adaptive resonance theory [</a:t>
+            </a:r>
+            <a:r>
+              <a:rPr lang="en-US" sz="2400" spc="-300" dirty="0"/>
+              <a:t>A R </a:t>
+            </a:r>
+            <a:r>
+              <a:rPr lang="en-US" sz="2400" dirty="0"/>
+              <a:t>T], self-organizing map [</a:t>
+            </a:r>
+            <a:r>
+              <a:rPr lang="en-US" sz="2400" spc="-300" dirty="0"/>
+              <a:t>S O </a:t>
+            </a:r>
+            <a:r>
+              <a:rPr lang="en-US" sz="2400" dirty="0"/>
+              <a:t>M])</a:t>
+            </a:r>
+          </a:p>
+          <a:p>
+            <a:pPr lvl="1"/>
+            <a:r>
+              <a:rPr lang="en-US" sz="2400" dirty="0"/>
+              <a:t>Fuzzy logic (e.g., fuzzy c-means algorithm)</a:t>
+            </a:r>
+          </a:p>
+          <a:p>
+            <a:pPr lvl="1"/>
+            <a:r>
+              <a:rPr lang="en-US" sz="2400" dirty="0"/>
+              <a:t>Genetic algorithms </a:t>
+            </a:r>
+          </a:p>
+          <a:p>
+            <a:r>
+              <a:rPr lang="en-US" sz="2400" dirty="0">
+                <a:solidFill>
+                  <a:schemeClr val="bg2"/>
+                </a:solidFill>
+              </a:rPr>
+              <a:t>How many clusters? </a:t>
+            </a:r>
+          </a:p>
+        </p:txBody>
+      </p:sp>
+    </p:spTree>
+    <p:extLst>
+      <p:ext uri="{BB962C8B-B14F-4D97-AF65-F5344CB8AC3E}">
+        <p14:creationId xmlns:p14="http://schemas.microsoft.com/office/powerpoint/2010/main" val="1503867520"/>
+      </p:ext>
+    </p:extLst>
+  </p:cSld>
+  <p:clrMapOvr>
+    <a:masterClrMapping/>
+  </p:clrMapOvr>
+</p:sld>
+</file>
+
 <file path=ppt/slides/slide36.xml><?xml version="1.0" encoding="utf-8"?>
 <p:sld xmlns:a="http://schemas.openxmlformats.org/drawingml/2006/main" xmlns:r="http://schemas.openxmlformats.org/officeDocument/2006/relationships" xmlns:p="http://schemas.openxmlformats.org/presentationml/2006/main">
   <p:cSld>
@@ -17968,420 +17697,6 @@
         </p:nvSpPr>
         <p:spPr>
           <a:xfrm>
-            <a:off x="456154" y="70186"/>
-            <a:ext cx="8153400" cy="984885"/>
-          </a:xfrm>
-        </p:spPr>
-        <p:txBody>
-          <a:bodyPr wrap="square">
-            <a:spAutoFit/>
-          </a:bodyPr>
-          <a:lstStyle/>
-          <a:p>
-            <a:r>
-              <a:rPr lang="en-IN" dirty="0"/>
-              <a:t>Cluster Analysis for Data Mining       </a:t>
-            </a:r>
-            <a:r>
-              <a:rPr lang="en-IN" sz="2800" dirty="0"/>
-              <a:t>(1 of 4)</a:t>
-            </a:r>
-            <a:endParaRPr lang="en-US" dirty="0"/>
-          </a:p>
-        </p:txBody>
-      </p:sp>
-      <p:sp>
-        <p:nvSpPr>
-          <p:cNvPr id="3" name="Content Placeholder 2"/>
-          <p:cNvSpPr>
-            <a:spLocks noGrp="1"/>
-          </p:cNvSpPr>
-          <p:nvPr>
-            <p:ph idx="1"/>
-          </p:nvPr>
-        </p:nvSpPr>
-        <p:spPr>
-          <a:xfrm>
-            <a:off x="456154" y="1375113"/>
-            <a:ext cx="8154446" cy="3916457"/>
-          </a:xfrm>
-        </p:spPr>
-        <p:txBody>
-          <a:bodyPr wrap="square">
-            <a:spAutoFit/>
-          </a:bodyPr>
-          <a:lstStyle/>
-          <a:p>
-            <a:r>
-              <a:rPr lang="en-US" sz="2400" dirty="0"/>
-              <a:t>Used for automatic identification of natural groupings of things</a:t>
-            </a:r>
-          </a:p>
-          <a:p>
-            <a:r>
-              <a:rPr lang="en-US" sz="2400" dirty="0"/>
-              <a:t>Part of the machine-learning family </a:t>
-            </a:r>
-          </a:p>
-          <a:p>
-            <a:r>
-              <a:rPr lang="en-US" sz="2400" dirty="0"/>
-              <a:t>Employ unsupervised learning</a:t>
-            </a:r>
-          </a:p>
-          <a:p>
-            <a:r>
-              <a:rPr lang="en-US" sz="2400" dirty="0"/>
-              <a:t>Learns the clusters of things from past data, then assigns new instances</a:t>
-            </a:r>
-          </a:p>
-          <a:p>
-            <a:r>
-              <a:rPr lang="en-US" sz="2400" dirty="0"/>
-              <a:t>There is not an output/target variable</a:t>
-            </a:r>
-          </a:p>
-          <a:p>
-            <a:r>
-              <a:rPr lang="en-US" sz="2400" dirty="0"/>
-              <a:t>In marketing, it is also known as segmentation</a:t>
-            </a:r>
-          </a:p>
-        </p:txBody>
-      </p:sp>
-    </p:spTree>
-    <p:extLst>
-      <p:ext uri="{BB962C8B-B14F-4D97-AF65-F5344CB8AC3E}">
-        <p14:creationId xmlns:p14="http://schemas.microsoft.com/office/powerpoint/2010/main" val="2281202213"/>
-      </p:ext>
-    </p:extLst>
-  </p:cSld>
-  <p:clrMapOvr>
-    <a:masterClrMapping/>
-  </p:clrMapOvr>
-</p:sld>
-</file>
-
-<file path=ppt/slides/slide37.xml><?xml version="1.0" encoding="utf-8"?>
-<p:sld xmlns:a="http://schemas.openxmlformats.org/drawingml/2006/main" xmlns:r="http://schemas.openxmlformats.org/officeDocument/2006/relationships" xmlns:p="http://schemas.openxmlformats.org/presentationml/2006/main">
-  <p:cSld>
-    <p:spTree>
-      <p:nvGrpSpPr>
-        <p:cNvPr id="1" name=""/>
-        <p:cNvGrpSpPr/>
-        <p:nvPr/>
-      </p:nvGrpSpPr>
-      <p:grpSpPr>
-        <a:xfrm>
-          <a:off x="0" y="0"/>
-          <a:ext cx="0" cy="0"/>
-          <a:chOff x="0" y="0"/>
-          <a:chExt cx="0" cy="0"/>
-        </a:xfrm>
-      </p:grpSpPr>
-      <p:sp>
-        <p:nvSpPr>
-          <p:cNvPr id="2" name="Title 1"/>
-          <p:cNvSpPr>
-            <a:spLocks noGrp="1"/>
-          </p:cNvSpPr>
-          <p:nvPr>
-            <p:ph type="title"/>
-          </p:nvPr>
-        </p:nvSpPr>
-        <p:spPr>
-          <a:xfrm>
-            <a:off x="456154" y="70186"/>
-            <a:ext cx="8153400" cy="984885"/>
-          </a:xfrm>
-        </p:spPr>
-        <p:txBody>
-          <a:bodyPr wrap="square">
-            <a:spAutoFit/>
-          </a:bodyPr>
-          <a:lstStyle/>
-          <a:p>
-            <a:r>
-              <a:rPr lang="en-IN" dirty="0"/>
-              <a:t>Cluster Analysis for Data Mining       </a:t>
-            </a:r>
-            <a:r>
-              <a:rPr lang="en-IN" sz="2800" dirty="0"/>
-              <a:t>(2 of 4)</a:t>
-            </a:r>
-            <a:endParaRPr lang="en-US" dirty="0"/>
-          </a:p>
-        </p:txBody>
-      </p:sp>
-      <p:sp>
-        <p:nvSpPr>
-          <p:cNvPr id="3" name="Content Placeholder 2"/>
-          <p:cNvSpPr>
-            <a:spLocks noGrp="1"/>
-          </p:cNvSpPr>
-          <p:nvPr>
-            <p:ph idx="1"/>
-          </p:nvPr>
-        </p:nvSpPr>
-        <p:spPr>
-          <a:xfrm>
-            <a:off x="456154" y="1375113"/>
-            <a:ext cx="8154446" cy="4078039"/>
-          </a:xfrm>
-        </p:spPr>
-        <p:txBody>
-          <a:bodyPr wrap="square">
-            <a:spAutoFit/>
-          </a:bodyPr>
-          <a:lstStyle/>
-          <a:p>
-            <a:r>
-              <a:rPr lang="en-US" sz="2400" dirty="0"/>
-              <a:t>Clustering results may be used to</a:t>
-            </a:r>
-          </a:p>
-          <a:p>
-            <a:pPr lvl="1"/>
-            <a:r>
-              <a:rPr lang="en-US" sz="2400" dirty="0"/>
-              <a:t>Identify natural groupings of customers</a:t>
-            </a:r>
-          </a:p>
-          <a:p>
-            <a:pPr lvl="1"/>
-            <a:r>
-              <a:rPr lang="en-US" sz="2400" dirty="0"/>
-              <a:t>Identify rules for assigning new cases to classes for targeting/diagnostic purposes</a:t>
-            </a:r>
-          </a:p>
-          <a:p>
-            <a:pPr lvl="1"/>
-            <a:r>
-              <a:rPr lang="en-US" sz="2400" dirty="0"/>
-              <a:t>Provide characterization, definition, labeling of populations</a:t>
-            </a:r>
-          </a:p>
-          <a:p>
-            <a:pPr lvl="1"/>
-            <a:r>
-              <a:rPr lang="en-US" sz="2400" dirty="0"/>
-              <a:t>Decrease the size and complexity of problems for other data mining methods </a:t>
-            </a:r>
-          </a:p>
-          <a:p>
-            <a:pPr lvl="1"/>
-            <a:r>
-              <a:rPr lang="en-US" sz="2400" dirty="0"/>
-              <a:t>Identify outliers in a specific domain (e.g., rare-event detection)</a:t>
-            </a:r>
-          </a:p>
-        </p:txBody>
-      </p:sp>
-    </p:spTree>
-    <p:extLst>
-      <p:ext uri="{BB962C8B-B14F-4D97-AF65-F5344CB8AC3E}">
-        <p14:creationId xmlns:p14="http://schemas.microsoft.com/office/powerpoint/2010/main" val="1916062837"/>
-      </p:ext>
-    </p:extLst>
-  </p:cSld>
-  <p:clrMapOvr>
-    <a:masterClrMapping/>
-  </p:clrMapOvr>
-</p:sld>
-</file>
-
-<file path=ppt/slides/slide38.xml><?xml version="1.0" encoding="utf-8"?>
-<p:sld xmlns:a="http://schemas.openxmlformats.org/drawingml/2006/main" xmlns:r="http://schemas.openxmlformats.org/officeDocument/2006/relationships" xmlns:p="http://schemas.openxmlformats.org/presentationml/2006/main">
-  <p:cSld>
-    <p:spTree>
-      <p:nvGrpSpPr>
-        <p:cNvPr id="1" name=""/>
-        <p:cNvGrpSpPr/>
-        <p:nvPr/>
-      </p:nvGrpSpPr>
-      <p:grpSpPr>
-        <a:xfrm>
-          <a:off x="0" y="0"/>
-          <a:ext cx="0" cy="0"/>
-          <a:chOff x="0" y="0"/>
-          <a:chExt cx="0" cy="0"/>
-        </a:xfrm>
-      </p:grpSpPr>
-      <p:sp>
-        <p:nvSpPr>
-          <p:cNvPr id="2" name="Title 1"/>
-          <p:cNvSpPr>
-            <a:spLocks noGrp="1"/>
-          </p:cNvSpPr>
-          <p:nvPr>
-            <p:ph type="title"/>
-          </p:nvPr>
-        </p:nvSpPr>
-        <p:spPr>
-          <a:xfrm>
-            <a:off x="456154" y="70186"/>
-            <a:ext cx="8153400" cy="984885"/>
-          </a:xfrm>
-        </p:spPr>
-        <p:txBody>
-          <a:bodyPr wrap="square">
-            <a:spAutoFit/>
-          </a:bodyPr>
-          <a:lstStyle/>
-          <a:p>
-            <a:r>
-              <a:rPr lang="en-IN" dirty="0"/>
-              <a:t>Cluster Analysis for Data Mining       </a:t>
-            </a:r>
-            <a:r>
-              <a:rPr lang="en-IN" sz="2800" dirty="0"/>
-              <a:t>(3 of 4)</a:t>
-            </a:r>
-            <a:endParaRPr lang="en-US" dirty="0"/>
-          </a:p>
-        </p:txBody>
-      </p:sp>
-      <p:sp>
-        <p:nvSpPr>
-          <p:cNvPr id="3" name="Content Placeholder 2"/>
-          <p:cNvSpPr>
-            <a:spLocks noGrp="1"/>
-          </p:cNvSpPr>
-          <p:nvPr>
-            <p:ph idx="1"/>
-          </p:nvPr>
-        </p:nvSpPr>
-        <p:spPr>
-          <a:xfrm>
-            <a:off x="456154" y="1375113"/>
-            <a:ext cx="8154446" cy="3824124"/>
-          </a:xfrm>
-        </p:spPr>
-        <p:txBody>
-          <a:bodyPr wrap="square">
-            <a:spAutoFit/>
-          </a:bodyPr>
-          <a:lstStyle/>
-          <a:p>
-            <a:r>
-              <a:rPr lang="en-US" sz="2400" dirty="0"/>
-              <a:t>Analysis methods</a:t>
-            </a:r>
-          </a:p>
-          <a:p>
-            <a:pPr lvl="1"/>
-            <a:r>
-              <a:rPr lang="en-US" sz="2400" dirty="0"/>
-              <a:t>Statistical methods (including both hierarchical and nonhierarchical), such as </a:t>
-            </a:r>
-            <a:r>
-              <a:rPr lang="en-US" sz="2400" i="1" dirty="0"/>
-              <a:t>k</a:t>
-            </a:r>
-            <a:r>
-              <a:rPr lang="en-US" sz="2400" dirty="0"/>
-              <a:t>-means, </a:t>
-            </a:r>
-            <a:r>
-              <a:rPr lang="en-US" sz="2400" i="1" dirty="0"/>
-              <a:t>k</a:t>
-            </a:r>
-            <a:r>
-              <a:rPr lang="en-US" sz="2400" dirty="0"/>
-              <a:t>-modes, and so on.</a:t>
-            </a:r>
-          </a:p>
-          <a:p>
-            <a:pPr lvl="1"/>
-            <a:r>
-              <a:rPr lang="en-US" sz="2400" dirty="0"/>
-              <a:t>Neural networks (adaptive resonance theory [</a:t>
-            </a:r>
-            <a:r>
-              <a:rPr lang="en-US" sz="2400" spc="-300" dirty="0"/>
-              <a:t>A R </a:t>
-            </a:r>
-            <a:r>
-              <a:rPr lang="en-US" sz="2400" dirty="0"/>
-              <a:t>T], self-organizing map [</a:t>
-            </a:r>
-            <a:r>
-              <a:rPr lang="en-US" sz="2400" spc="-300" dirty="0"/>
-              <a:t>S O </a:t>
-            </a:r>
-            <a:r>
-              <a:rPr lang="en-US" sz="2400" dirty="0"/>
-              <a:t>M])</a:t>
-            </a:r>
-          </a:p>
-          <a:p>
-            <a:pPr lvl="1"/>
-            <a:r>
-              <a:rPr lang="en-US" sz="2400" dirty="0"/>
-              <a:t>Fuzzy logic (e.g., fuzzy c-means algorithm)</a:t>
-            </a:r>
-          </a:p>
-          <a:p>
-            <a:pPr lvl="1"/>
-            <a:r>
-              <a:rPr lang="en-US" sz="2400" dirty="0"/>
-              <a:t>Genetic algorithms </a:t>
-            </a:r>
-          </a:p>
-          <a:p>
-            <a:r>
-              <a:rPr lang="en-US" sz="2400" dirty="0">
-                <a:solidFill>
-                  <a:schemeClr val="bg2"/>
-                </a:solidFill>
-              </a:rPr>
-              <a:t>How many clusters? </a:t>
-            </a:r>
-          </a:p>
-        </p:txBody>
-      </p:sp>
-    </p:spTree>
-    <p:extLst>
-      <p:ext uri="{BB962C8B-B14F-4D97-AF65-F5344CB8AC3E}">
-        <p14:creationId xmlns:p14="http://schemas.microsoft.com/office/powerpoint/2010/main" val="1503867520"/>
-      </p:ext>
-    </p:extLst>
-  </p:cSld>
-  <p:clrMapOvr>
-    <a:masterClrMapping/>
-  </p:clrMapOvr>
-</p:sld>
-</file>
-
-<file path=ppt/slides/slide39.xml><?xml version="1.0" encoding="utf-8"?>
-<p:sld xmlns:a="http://schemas.openxmlformats.org/drawingml/2006/main" xmlns:r="http://schemas.openxmlformats.org/officeDocument/2006/relationships" xmlns:p="http://schemas.openxmlformats.org/presentationml/2006/main">
-  <p:cSld>
-    <p:spTree>
-      <p:nvGrpSpPr>
-        <p:cNvPr id="1" name=""/>
-        <p:cNvGrpSpPr/>
-        <p:nvPr/>
-      </p:nvGrpSpPr>
-      <p:grpSpPr>
-        <a:xfrm>
-          <a:off x="0" y="0"/>
-          <a:ext cx="0" cy="0"/>
-          <a:chOff x="0" y="0"/>
-          <a:chExt cx="0" cy="0"/>
-        </a:xfrm>
-      </p:grpSpPr>
-      <p:sp>
-        <p:nvSpPr>
-          <p:cNvPr id="2" name="Title 1"/>
-          <p:cNvSpPr>
-            <a:spLocks noGrp="1"/>
-          </p:cNvSpPr>
-          <p:nvPr>
-            <p:ph type="title"/>
-          </p:nvPr>
-        </p:nvSpPr>
-        <p:spPr>
-          <a:xfrm>
             <a:off x="456154" y="68061"/>
             <a:ext cx="8153400" cy="984885"/>
           </a:xfrm>
@@ -18573,204 +17888,7 @@
 </p:sld>
 </file>
 
-<file path=ppt/slides/slide4.xml><?xml version="1.0" encoding="utf-8"?>
-<p:sld xmlns:a="http://schemas.openxmlformats.org/drawingml/2006/main" xmlns:r="http://schemas.openxmlformats.org/officeDocument/2006/relationships" xmlns:p="http://schemas.openxmlformats.org/presentationml/2006/main">
-  <p:cSld>
-    <p:spTree>
-      <p:nvGrpSpPr>
-        <p:cNvPr id="1" name=""/>
-        <p:cNvGrpSpPr/>
-        <p:nvPr/>
-      </p:nvGrpSpPr>
-      <p:grpSpPr>
-        <a:xfrm>
-          <a:off x="0" y="0"/>
-          <a:ext cx="0" cy="0"/>
-          <a:chOff x="0" y="0"/>
-          <a:chExt cx="0" cy="0"/>
-        </a:xfrm>
-      </p:grpSpPr>
-      <p:sp>
-        <p:nvSpPr>
-          <p:cNvPr id="2" name="Title 1"/>
-          <p:cNvSpPr>
-            <a:spLocks noGrp="1"/>
-          </p:cNvSpPr>
-          <p:nvPr>
-            <p:ph type="title"/>
-          </p:nvPr>
-        </p:nvSpPr>
-        <p:spPr>
-          <a:xfrm>
-            <a:off x="457200" y="86880"/>
-            <a:ext cx="8153400" cy="553998"/>
-          </a:xfrm>
-        </p:spPr>
-        <p:txBody>
-          <a:bodyPr wrap="square">
-            <a:spAutoFit/>
-          </a:bodyPr>
-          <a:lstStyle/>
-          <a:p>
-            <a:r>
-              <a:rPr lang="en-IN" sz="3600" dirty="0">
-                <a:latin typeface="+mn-lt"/>
-              </a:rPr>
-              <a:t>Opening Vignette </a:t>
-            </a:r>
-            <a:r>
-              <a:rPr lang="en-IN" sz="2800" dirty="0">
-                <a:latin typeface="+mn-lt"/>
-              </a:rPr>
-              <a:t>(1 of 3)</a:t>
-            </a:r>
-            <a:endParaRPr lang="en-US" sz="2800" dirty="0">
-              <a:latin typeface="+mj-lt"/>
-            </a:endParaRPr>
-          </a:p>
-        </p:txBody>
-      </p:sp>
-      <p:sp>
-        <p:nvSpPr>
-          <p:cNvPr id="3" name="Content Placeholder 2"/>
-          <p:cNvSpPr>
-            <a:spLocks noGrp="1"/>
-          </p:cNvSpPr>
-          <p:nvPr>
-            <p:ph idx="1"/>
-          </p:nvPr>
-        </p:nvSpPr>
-        <p:spPr>
-          <a:xfrm>
-            <a:off x="457200" y="714375"/>
-            <a:ext cx="8153400" cy="861774"/>
-          </a:xfrm>
-        </p:spPr>
-        <p:txBody>
-          <a:bodyPr wrap="square">
-            <a:spAutoFit/>
-          </a:bodyPr>
-          <a:lstStyle/>
-          <a:p>
-            <a:pPr marL="0" indent="0">
-              <a:buNone/>
-            </a:pPr>
-            <a:r>
-              <a:rPr lang="en-IN" sz="2800" b="1" dirty="0">
-                <a:solidFill>
-                  <a:srgbClr val="007FA3"/>
-                </a:solidFill>
-              </a:rPr>
-              <a:t>Miami-Dade Police Department Is Using Predictive Analytics to Foresee and Fight Crime</a:t>
-            </a:r>
-            <a:endParaRPr lang="en-US" sz="2200" b="1" dirty="0">
-              <a:solidFill>
-                <a:srgbClr val="007FA3"/>
-              </a:solidFill>
-            </a:endParaRPr>
-          </a:p>
-        </p:txBody>
-      </p:sp>
-      <p:sp>
-        <p:nvSpPr>
-          <p:cNvPr id="4" name="Content Placeholder 3"/>
-          <p:cNvSpPr>
-            <a:spLocks noGrp="1"/>
-          </p:cNvSpPr>
-          <p:nvPr>
-            <p:ph idx="13"/>
-          </p:nvPr>
-        </p:nvSpPr>
-        <p:spPr>
-          <a:xfrm>
-            <a:off x="457200" y="1876425"/>
-            <a:ext cx="8153400" cy="3046988"/>
-          </a:xfrm>
-        </p:spPr>
-        <p:txBody>
-          <a:bodyPr wrap="square">
-            <a:spAutoFit/>
-          </a:bodyPr>
-          <a:lstStyle/>
-          <a:p>
-            <a:pPr>
-              <a:buSzPct val="100000"/>
-            </a:pPr>
-            <a:r>
-              <a:rPr lang="en-US" sz="2400" dirty="0"/>
-              <a:t>Predictive analytics in law enforcement  </a:t>
-            </a:r>
-          </a:p>
-          <a:p>
-            <a:pPr marL="704850" lvl="1" indent="-342900">
-              <a:buSzPct val="100000"/>
-            </a:pPr>
-            <a:r>
-              <a:rPr lang="en-US" sz="2400" dirty="0"/>
-              <a:t>Policing with less</a:t>
-            </a:r>
-          </a:p>
-          <a:p>
-            <a:pPr marL="704850" lvl="1" indent="-342900">
-              <a:buSzPct val="100000"/>
-            </a:pPr>
-            <a:r>
-              <a:rPr lang="en-US" sz="2400" dirty="0"/>
-              <a:t>New thinking on cold cases</a:t>
-            </a:r>
-          </a:p>
-          <a:p>
-            <a:pPr marL="704850" lvl="1" indent="-342900">
-              <a:buSzPct val="100000"/>
-            </a:pPr>
-            <a:r>
-              <a:rPr lang="en-US" sz="2400" dirty="0"/>
-              <a:t>The big picture starts small</a:t>
-            </a:r>
-          </a:p>
-          <a:p>
-            <a:pPr marL="704850" lvl="1" indent="-342900">
-              <a:buSzPct val="100000"/>
-            </a:pPr>
-            <a:r>
-              <a:rPr lang="en-US" sz="2400" dirty="0"/>
-              <a:t>Success brings credibility</a:t>
-            </a:r>
-          </a:p>
-          <a:p>
-            <a:pPr marL="704850" lvl="1" indent="-342900">
-              <a:buSzPct val="100000"/>
-            </a:pPr>
-            <a:r>
-              <a:rPr lang="en-US" sz="2400" dirty="0"/>
-              <a:t>Just for the facts</a:t>
-            </a:r>
-          </a:p>
-          <a:p>
-            <a:pPr marL="704850" lvl="1" indent="-342900">
-              <a:buSzPct val="100000"/>
-            </a:pPr>
-            <a:r>
-              <a:rPr lang="en-US" sz="2400" dirty="0"/>
-              <a:t>Safer streets for smarter cities</a:t>
-            </a:r>
-          </a:p>
-        </p:txBody>
-      </p:sp>
-    </p:spTree>
-    <p:extLst>
-      <p:ext uri="{BB962C8B-B14F-4D97-AF65-F5344CB8AC3E}">
-        <p14:creationId xmlns:p14="http://schemas.microsoft.com/office/powerpoint/2010/main" val="1598091058"/>
-      </p:ext>
-    </p:extLst>
-  </p:cSld>
-  <p:clrMapOvr>
-    <a:masterClrMapping/>
-  </p:clrMapOvr>
-</p:sld>
-</file>
-
-<file path=ppt/slides/slide40.xml><?xml version="1.0" encoding="utf-8"?>
+<file path=ppt/slides/slide37.xml><?xml version="1.0" encoding="utf-8"?>
 <p:sld xmlns:a="http://schemas.openxmlformats.org/drawingml/2006/main" xmlns:r="http://schemas.openxmlformats.org/officeDocument/2006/relationships" xmlns:p="http://schemas.openxmlformats.org/presentationml/2006/main">
   <p:cSld>
     <p:spTree>
@@ -18923,6 +18041,605 @@
 </p:sld>
 </file>
 
+<file path=ppt/slides/slide38.xml><?xml version="1.0" encoding="utf-8"?>
+<p:sld xmlns:a="http://schemas.openxmlformats.org/drawingml/2006/main" xmlns:r="http://schemas.openxmlformats.org/officeDocument/2006/relationships" xmlns:p="http://schemas.openxmlformats.org/presentationml/2006/main">
+  <p:cSld>
+    <p:spTree>
+      <p:nvGrpSpPr>
+        <p:cNvPr id="1" name=""/>
+        <p:cNvGrpSpPr/>
+        <p:nvPr/>
+      </p:nvGrpSpPr>
+      <p:grpSpPr>
+        <a:xfrm>
+          <a:off x="0" y="0"/>
+          <a:ext cx="0" cy="0"/>
+          <a:chOff x="0" y="0"/>
+          <a:chExt cx="0" cy="0"/>
+        </a:xfrm>
+      </p:grpSpPr>
+      <p:sp>
+        <p:nvSpPr>
+          <p:cNvPr id="2" name="Title 1"/>
+          <p:cNvSpPr>
+            <a:spLocks noGrp="1"/>
+          </p:cNvSpPr>
+          <p:nvPr>
+            <p:ph type="title"/>
+          </p:nvPr>
+        </p:nvSpPr>
+        <p:spPr>
+          <a:xfrm>
+            <a:off x="456154" y="71399"/>
+            <a:ext cx="8153400" cy="553998"/>
+          </a:xfrm>
+        </p:spPr>
+        <p:txBody>
+          <a:bodyPr wrap="square">
+            <a:spAutoFit/>
+          </a:bodyPr>
+          <a:lstStyle/>
+          <a:p>
+            <a:r>
+              <a:rPr lang="en-US" dirty="0"/>
+              <a:t>Association Rule Mining </a:t>
+            </a:r>
+            <a:r>
+              <a:rPr lang="en-US" sz="2800" dirty="0"/>
+              <a:t>(1 of 6)</a:t>
+            </a:r>
+            <a:r>
+              <a:rPr lang="en-US" dirty="0"/>
+              <a:t> </a:t>
+            </a:r>
+          </a:p>
+        </p:txBody>
+      </p:sp>
+      <p:sp>
+        <p:nvSpPr>
+          <p:cNvPr id="3" name="Content Placeholder 2"/>
+          <p:cNvSpPr>
+            <a:spLocks noGrp="1"/>
+          </p:cNvSpPr>
+          <p:nvPr>
+            <p:ph idx="1"/>
+          </p:nvPr>
+        </p:nvSpPr>
+        <p:spPr>
+          <a:xfrm>
+            <a:off x="456154" y="762000"/>
+            <a:ext cx="8154446" cy="4847481"/>
+          </a:xfrm>
+        </p:spPr>
+        <p:txBody>
+          <a:bodyPr wrap="square">
+            <a:spAutoFit/>
+          </a:bodyPr>
+          <a:lstStyle/>
+          <a:p>
+            <a:r>
+              <a:rPr lang="en-US" sz="2400" dirty="0"/>
+              <a:t>A very popular </a:t>
+            </a:r>
+            <a:r>
+              <a:rPr lang="en-US" sz="2400" spc="-300" dirty="0"/>
+              <a:t>D </a:t>
+            </a:r>
+            <a:r>
+              <a:rPr lang="en-US" sz="2400" dirty="0"/>
+              <a:t>M method in business</a:t>
+            </a:r>
+          </a:p>
+          <a:p>
+            <a:r>
+              <a:rPr lang="en-US" sz="2400" dirty="0"/>
+              <a:t>Finds interesting relationships (affinities) between variables (items or events)</a:t>
+            </a:r>
+          </a:p>
+          <a:p>
+            <a:r>
+              <a:rPr lang="en-US" sz="2400" dirty="0"/>
+              <a:t>Part of machine learning family</a:t>
+            </a:r>
+          </a:p>
+          <a:p>
+            <a:r>
+              <a:rPr lang="en-US" sz="2400" dirty="0"/>
+              <a:t>Employs unsupervised learning</a:t>
+            </a:r>
+          </a:p>
+          <a:p>
+            <a:r>
+              <a:rPr lang="en-US" sz="2400" dirty="0"/>
+              <a:t>There is no output variable</a:t>
+            </a:r>
+          </a:p>
+          <a:p>
+            <a:r>
+              <a:rPr lang="en-US" sz="2400" dirty="0"/>
+              <a:t>Also known as </a:t>
+            </a:r>
+            <a:r>
+              <a:rPr lang="en-US" sz="2400" dirty="0">
+                <a:solidFill>
+                  <a:schemeClr val="bg2"/>
+                </a:solidFill>
+              </a:rPr>
+              <a:t>market basket analysis</a:t>
+            </a:r>
+          </a:p>
+          <a:p>
+            <a:r>
+              <a:rPr lang="en-US" sz="2400" dirty="0"/>
+              <a:t>Often used as an example to describe </a:t>
+            </a:r>
+            <a:r>
+              <a:rPr lang="en-US" sz="2400" spc="-300" dirty="0"/>
+              <a:t>D </a:t>
+            </a:r>
+            <a:r>
+              <a:rPr lang="en-US" sz="2400" dirty="0"/>
+              <a:t>M to ordinary people, such as the famous “relationship between diapers and beers!”</a:t>
+            </a:r>
+          </a:p>
+        </p:txBody>
+      </p:sp>
+    </p:spTree>
+    <p:extLst>
+      <p:ext uri="{BB962C8B-B14F-4D97-AF65-F5344CB8AC3E}">
+        <p14:creationId xmlns:p14="http://schemas.microsoft.com/office/powerpoint/2010/main" val="1368577322"/>
+      </p:ext>
+    </p:extLst>
+  </p:cSld>
+  <p:clrMapOvr>
+    <a:masterClrMapping/>
+  </p:clrMapOvr>
+</p:sld>
+</file>
+
+<file path=ppt/slides/slide39.xml><?xml version="1.0" encoding="utf-8"?>
+<p:sld xmlns:a="http://schemas.openxmlformats.org/drawingml/2006/main" xmlns:r="http://schemas.openxmlformats.org/officeDocument/2006/relationships" xmlns:p="http://schemas.openxmlformats.org/presentationml/2006/main">
+  <p:cSld>
+    <p:spTree>
+      <p:nvGrpSpPr>
+        <p:cNvPr id="1" name=""/>
+        <p:cNvGrpSpPr/>
+        <p:nvPr/>
+      </p:nvGrpSpPr>
+      <p:grpSpPr>
+        <a:xfrm>
+          <a:off x="0" y="0"/>
+          <a:ext cx="0" cy="0"/>
+          <a:chOff x="0" y="0"/>
+          <a:chExt cx="0" cy="0"/>
+        </a:xfrm>
+      </p:grpSpPr>
+      <p:sp>
+        <p:nvSpPr>
+          <p:cNvPr id="2" name="Title 1"/>
+          <p:cNvSpPr>
+            <a:spLocks noGrp="1"/>
+          </p:cNvSpPr>
+          <p:nvPr>
+            <p:ph type="title"/>
+          </p:nvPr>
+        </p:nvSpPr>
+        <p:spPr>
+          <a:xfrm>
+            <a:off x="456154" y="71399"/>
+            <a:ext cx="8153400" cy="553998"/>
+          </a:xfrm>
+        </p:spPr>
+        <p:txBody>
+          <a:bodyPr wrap="square">
+            <a:spAutoFit/>
+          </a:bodyPr>
+          <a:lstStyle/>
+          <a:p>
+            <a:r>
+              <a:rPr lang="en-US" dirty="0"/>
+              <a:t>Association Rule Mining </a:t>
+            </a:r>
+            <a:r>
+              <a:rPr lang="en-US" sz="2800" dirty="0"/>
+              <a:t>(2 of 6)</a:t>
+            </a:r>
+            <a:endParaRPr lang="en-US" dirty="0"/>
+          </a:p>
+        </p:txBody>
+      </p:sp>
+      <p:sp>
+        <p:nvSpPr>
+          <p:cNvPr id="3" name="Content Placeholder 2"/>
+          <p:cNvSpPr>
+            <a:spLocks noGrp="1"/>
+          </p:cNvSpPr>
+          <p:nvPr>
+            <p:ph idx="1"/>
+          </p:nvPr>
+        </p:nvSpPr>
+        <p:spPr>
+          <a:xfrm>
+            <a:off x="456154" y="762000"/>
+            <a:ext cx="8154446" cy="4693593"/>
+          </a:xfrm>
+        </p:spPr>
+        <p:txBody>
+          <a:bodyPr wrap="square">
+            <a:spAutoFit/>
+          </a:bodyPr>
+          <a:lstStyle/>
+          <a:p>
+            <a:r>
+              <a:rPr lang="en-US" sz="2400" dirty="0">
+                <a:solidFill>
+                  <a:schemeClr val="bg2"/>
+                </a:solidFill>
+              </a:rPr>
+              <a:t>Input:</a:t>
+            </a:r>
+            <a:r>
+              <a:rPr lang="en-US" sz="2400" dirty="0"/>
+              <a:t> the simple point-of-sale transaction data</a:t>
+            </a:r>
+          </a:p>
+          <a:p>
+            <a:r>
+              <a:rPr lang="en-US" sz="2400" dirty="0">
+                <a:solidFill>
+                  <a:schemeClr val="bg2"/>
+                </a:solidFill>
+              </a:rPr>
+              <a:t>Output:</a:t>
+            </a:r>
+            <a:r>
+              <a:rPr lang="en-US" sz="2400" dirty="0"/>
+              <a:t> Most frequent affinities among items </a:t>
+            </a:r>
+          </a:p>
+          <a:p>
+            <a:pPr>
+              <a:tabLst>
+                <a:tab pos="266700" algn="l"/>
+              </a:tabLst>
+            </a:pPr>
+            <a:r>
+              <a:rPr lang="en-US" sz="2400" u="sng" dirty="0">
+                <a:solidFill>
+                  <a:schemeClr val="bg2"/>
+                </a:solidFill>
+              </a:rPr>
+              <a:t>Example</a:t>
+            </a:r>
+            <a:r>
+              <a:rPr lang="en-US" sz="2400" dirty="0">
+                <a:solidFill>
+                  <a:schemeClr val="bg2"/>
+                </a:solidFill>
+              </a:rPr>
+              <a:t>:</a:t>
+            </a:r>
+            <a:r>
+              <a:rPr lang="en-US" sz="2400" dirty="0"/>
+              <a:t> according to the transaction data…</a:t>
+            </a:r>
+          </a:p>
+          <a:p>
+            <a:pPr marL="361950" indent="-361950">
+              <a:buNone/>
+            </a:pPr>
+            <a:r>
+              <a:rPr lang="en-US" sz="2400" dirty="0"/>
+              <a:t>	“Customer who bought a lap-top computer and a virus protection software, also bought extended service plan 70 percent of the time." </a:t>
+            </a:r>
+          </a:p>
+          <a:p>
+            <a:pPr marL="266700" indent="-266700"/>
+            <a:r>
+              <a:rPr lang="en-US" sz="2400" dirty="0"/>
+              <a:t>How do you use such a pattern/knowledge?</a:t>
+            </a:r>
+          </a:p>
+          <a:p>
+            <a:pPr marL="854075" lvl="1" indent="-295275"/>
+            <a:r>
+              <a:rPr lang="en-US" sz="2400" dirty="0"/>
+              <a:t>Put the items next to each other</a:t>
+            </a:r>
+          </a:p>
+          <a:p>
+            <a:pPr marL="854075" lvl="1" indent="-295275"/>
+            <a:r>
+              <a:rPr lang="en-US" sz="2400" dirty="0"/>
+              <a:t>Promote the items as a package </a:t>
+            </a:r>
+          </a:p>
+          <a:p>
+            <a:pPr marL="854075" lvl="1" indent="-295275"/>
+            <a:r>
+              <a:rPr lang="en-US" sz="2400" dirty="0"/>
+              <a:t>Place items far apart from each other!</a:t>
+            </a:r>
+          </a:p>
+        </p:txBody>
+      </p:sp>
+    </p:spTree>
+    <p:extLst>
+      <p:ext uri="{BB962C8B-B14F-4D97-AF65-F5344CB8AC3E}">
+        <p14:creationId xmlns:p14="http://schemas.microsoft.com/office/powerpoint/2010/main" val="3080114234"/>
+      </p:ext>
+    </p:extLst>
+  </p:cSld>
+  <p:clrMapOvr>
+    <a:masterClrMapping/>
+  </p:clrMapOvr>
+</p:sld>
+</file>
+
+<file path=ppt/slides/slide4.xml><?xml version="1.0" encoding="utf-8"?>
+<p:sld xmlns:a="http://schemas.openxmlformats.org/drawingml/2006/main" xmlns:r="http://schemas.openxmlformats.org/officeDocument/2006/relationships" xmlns:p="http://schemas.openxmlformats.org/presentationml/2006/main">
+  <p:cSld>
+    <p:spTree>
+      <p:nvGrpSpPr>
+        <p:cNvPr id="1" name=""/>
+        <p:cNvGrpSpPr/>
+        <p:nvPr/>
+      </p:nvGrpSpPr>
+      <p:grpSpPr>
+        <a:xfrm>
+          <a:off x="0" y="0"/>
+          <a:ext cx="0" cy="0"/>
+          <a:chOff x="0" y="0"/>
+          <a:chExt cx="0" cy="0"/>
+        </a:xfrm>
+      </p:grpSpPr>
+      <p:sp>
+        <p:nvSpPr>
+          <p:cNvPr id="2" name="Title 1"/>
+          <p:cNvSpPr>
+            <a:spLocks noGrp="1"/>
+          </p:cNvSpPr>
+          <p:nvPr>
+            <p:ph type="title"/>
+          </p:nvPr>
+        </p:nvSpPr>
+        <p:spPr>
+          <a:xfrm>
+            <a:off x="456154" y="73267"/>
+            <a:ext cx="8153400" cy="1107996"/>
+          </a:xfrm>
+        </p:spPr>
+        <p:txBody>
+          <a:bodyPr wrap="square">
+            <a:spAutoFit/>
+          </a:bodyPr>
+          <a:lstStyle/>
+          <a:p>
+            <a:r>
+              <a:rPr lang="en-IN" dirty="0"/>
+              <a:t>Data Mining Concepts and Definitions Why Data Mining?</a:t>
+            </a:r>
+            <a:endParaRPr lang="en-US" dirty="0"/>
+          </a:p>
+        </p:txBody>
+      </p:sp>
+      <p:sp>
+        <p:nvSpPr>
+          <p:cNvPr id="3" name="Content Placeholder 2"/>
+          <p:cNvSpPr>
+            <a:spLocks noGrp="1"/>
+          </p:cNvSpPr>
+          <p:nvPr>
+            <p:ph idx="1"/>
+          </p:nvPr>
+        </p:nvSpPr>
+        <p:spPr>
+          <a:xfrm>
+            <a:off x="456154" y="1374204"/>
+            <a:ext cx="8153400" cy="4655121"/>
+          </a:xfrm>
+        </p:spPr>
+        <p:txBody>
+          <a:bodyPr wrap="square">
+            <a:spAutoFit/>
+          </a:bodyPr>
+          <a:lstStyle/>
+          <a:p>
+            <a:pPr marL="266700" indent="-266700"/>
+            <a:r>
+              <a:rPr lang="en-US" sz="2400" dirty="0"/>
+              <a:t>More intense competition at the global scale. </a:t>
+            </a:r>
+          </a:p>
+          <a:p>
+            <a:pPr marL="266700" indent="-266700"/>
+            <a:r>
+              <a:rPr lang="en-US" sz="2400" dirty="0"/>
+              <a:t>Recognition of the value in data sources.</a:t>
+            </a:r>
+          </a:p>
+          <a:p>
+            <a:pPr marL="266700" indent="-266700"/>
+            <a:r>
+              <a:rPr lang="en-US" sz="2400" dirty="0"/>
+              <a:t>Availability of quality data on customers, vendors, transactions, Web, etc. </a:t>
+            </a:r>
+          </a:p>
+          <a:p>
+            <a:pPr marL="266700" indent="-266700"/>
+            <a:r>
+              <a:rPr lang="en-US" sz="2400" dirty="0"/>
+              <a:t>Consolidation and integration of data repositories into data warehouses.</a:t>
+            </a:r>
+          </a:p>
+          <a:p>
+            <a:pPr marL="266700" indent="-266700"/>
+            <a:r>
+              <a:rPr lang="en-US" sz="2400" dirty="0"/>
+              <a:t>The exponential increase in data processing and storage capabilities; and decrease in cost. </a:t>
+            </a:r>
+          </a:p>
+          <a:p>
+            <a:pPr marL="266700" indent="-266700"/>
+            <a:r>
+              <a:rPr lang="en-US" sz="2400" dirty="0"/>
+              <a:t>Movement toward conversion of information resources into nonphysical form.</a:t>
+            </a:r>
+          </a:p>
+        </p:txBody>
+      </p:sp>
+    </p:spTree>
+    <p:extLst>
+      <p:ext uri="{BB962C8B-B14F-4D97-AF65-F5344CB8AC3E}">
+        <p14:creationId xmlns:p14="http://schemas.microsoft.com/office/powerpoint/2010/main" val="2714647306"/>
+      </p:ext>
+    </p:extLst>
+  </p:cSld>
+  <p:clrMapOvr>
+    <a:masterClrMapping/>
+  </p:clrMapOvr>
+</p:sld>
+</file>
+
+<file path=ppt/slides/slide40.xml><?xml version="1.0" encoding="utf-8"?>
+<p:sld xmlns:a="http://schemas.openxmlformats.org/drawingml/2006/main" xmlns:r="http://schemas.openxmlformats.org/officeDocument/2006/relationships" xmlns:p="http://schemas.openxmlformats.org/presentationml/2006/main">
+  <p:cSld>
+    <p:spTree>
+      <p:nvGrpSpPr>
+        <p:cNvPr id="1" name=""/>
+        <p:cNvGrpSpPr/>
+        <p:nvPr/>
+      </p:nvGrpSpPr>
+      <p:grpSpPr>
+        <a:xfrm>
+          <a:off x="0" y="0"/>
+          <a:ext cx="0" cy="0"/>
+          <a:chOff x="0" y="0"/>
+          <a:chExt cx="0" cy="0"/>
+        </a:xfrm>
+      </p:grpSpPr>
+      <p:sp>
+        <p:nvSpPr>
+          <p:cNvPr id="2" name="Title 1"/>
+          <p:cNvSpPr>
+            <a:spLocks noGrp="1"/>
+          </p:cNvSpPr>
+          <p:nvPr>
+            <p:ph type="title"/>
+          </p:nvPr>
+        </p:nvSpPr>
+        <p:spPr>
+          <a:xfrm>
+            <a:off x="456154" y="71399"/>
+            <a:ext cx="8153400" cy="553998"/>
+          </a:xfrm>
+        </p:spPr>
+        <p:txBody>
+          <a:bodyPr wrap="square">
+            <a:spAutoFit/>
+          </a:bodyPr>
+          <a:lstStyle/>
+          <a:p>
+            <a:r>
+              <a:rPr lang="en-US" dirty="0"/>
+              <a:t>Association Rule Mining </a:t>
+            </a:r>
+            <a:r>
+              <a:rPr lang="en-US" sz="2800" dirty="0"/>
+              <a:t>(3 of 6)</a:t>
+            </a:r>
+            <a:endParaRPr lang="en-US" dirty="0"/>
+          </a:p>
+        </p:txBody>
+      </p:sp>
+      <p:sp>
+        <p:nvSpPr>
+          <p:cNvPr id="3" name="Content Placeholder 2"/>
+          <p:cNvSpPr>
+            <a:spLocks noGrp="1"/>
+          </p:cNvSpPr>
+          <p:nvPr>
+            <p:ph idx="1"/>
+          </p:nvPr>
+        </p:nvSpPr>
+        <p:spPr>
+          <a:xfrm>
+            <a:off x="456154" y="762000"/>
+            <a:ext cx="8154446" cy="4293483"/>
+          </a:xfrm>
+        </p:spPr>
+        <p:txBody>
+          <a:bodyPr wrap="square">
+            <a:spAutoFit/>
+          </a:bodyPr>
+          <a:lstStyle/>
+          <a:p>
+            <a:pPr marL="266700" indent="-266700"/>
+            <a:r>
+              <a:rPr lang="en-US" sz="2400" dirty="0"/>
+              <a:t>A representative applications of association rule mining include</a:t>
+            </a:r>
+          </a:p>
+          <a:p>
+            <a:pPr marL="657225" lvl="1" indent="-295275"/>
+            <a:r>
+              <a:rPr lang="en-US" sz="2400" dirty="0">
+                <a:solidFill>
+                  <a:schemeClr val="bg2"/>
+                </a:solidFill>
+              </a:rPr>
+              <a:t>In business: </a:t>
+            </a:r>
+            <a:r>
+              <a:rPr lang="en-US" sz="2400" dirty="0"/>
+              <a:t>cross-marketing, cross-selling, store design, catalog design, e-commerce site design, optimization of online advertising, product pricing, and sales/promotion configuration</a:t>
+            </a:r>
+          </a:p>
+          <a:p>
+            <a:pPr marL="657225" lvl="1" indent="-295275"/>
+            <a:r>
+              <a:rPr lang="en-US" sz="2400" dirty="0">
+                <a:solidFill>
+                  <a:schemeClr val="bg2"/>
+                </a:solidFill>
+              </a:rPr>
+              <a:t>In medicine:</a:t>
+            </a:r>
+            <a:r>
+              <a:rPr lang="en-US" sz="2400" dirty="0"/>
+              <a:t> relationships between symptoms and illnesses; diagnosis and patient characteristics and treatments (to be used in medical </a:t>
+            </a:r>
+            <a:r>
+              <a:rPr lang="en-US" sz="2400" spc="-300" dirty="0"/>
+              <a:t>D S </a:t>
+            </a:r>
+            <a:r>
+              <a:rPr lang="en-US" sz="2400" dirty="0"/>
+              <a:t>S); and genes and their functions (to be used in genomics projects)</a:t>
+            </a:r>
+          </a:p>
+          <a:p>
+            <a:pPr marL="657225" lvl="1" indent="-295275"/>
+            <a:r>
+              <a:rPr lang="en-US" sz="2400" dirty="0"/>
+              <a:t> …</a:t>
+            </a:r>
+          </a:p>
+        </p:txBody>
+      </p:sp>
+    </p:spTree>
+    <p:extLst>
+      <p:ext uri="{BB962C8B-B14F-4D97-AF65-F5344CB8AC3E}">
+        <p14:creationId xmlns:p14="http://schemas.microsoft.com/office/powerpoint/2010/main" val="228802789"/>
+      </p:ext>
+    </p:extLst>
+  </p:cSld>
+  <p:clrMapOvr>
+    <a:masterClrMapping/>
+  </p:clrMapOvr>
+</p:sld>
+</file>
+
 <file path=ppt/slides/slide41.xml><?xml version="1.0" encoding="utf-8"?>
 <p:sld xmlns:a="http://schemas.openxmlformats.org/drawingml/2006/main" xmlns:r="http://schemas.openxmlformats.org/officeDocument/2006/relationships" xmlns:p="http://schemas.openxmlformats.org/presentationml/2006/main">
   <p:cSld>
@@ -18952,7 +18669,7 @@
         </p:nvSpPr>
         <p:spPr>
           <a:xfrm>
-            <a:off x="456154" y="71399"/>
+            <a:off x="457200" y="66675"/>
             <a:ext cx="8153400" cy="553998"/>
           </a:xfrm>
         </p:spPr>
@@ -18963,23 +18680,26 @@
           <a:lstStyle/>
           <a:p>
             <a:r>
-              <a:rPr lang="en-US" dirty="0"/>
+              <a:rPr lang="en-US" sz="3600" dirty="0">
+                <a:latin typeface="+mj-lt"/>
+              </a:rPr>
               <a:t>Association Rule Mining </a:t>
             </a:r>
             <a:r>
-              <a:rPr lang="en-US" sz="2800" dirty="0"/>
-              <a:t>(1 of 6)</a:t>
-            </a:r>
-            <a:r>
-              <a:rPr lang="en-US" dirty="0"/>
-              <a:t> </a:t>
-            </a:r>
-          </a:p>
-        </p:txBody>
-      </p:sp>
-      <p:sp>
-        <p:nvSpPr>
-          <p:cNvPr id="3" name="Content Placeholder 2"/>
+              <a:rPr lang="en-US" sz="2800" dirty="0">
+                <a:latin typeface="+mj-lt"/>
+              </a:rPr>
+              <a:t>(4 of 6)</a:t>
+            </a:r>
+            <a:endParaRPr lang="en-US" sz="3600" dirty="0">
+              <a:latin typeface="+mj-lt"/>
+            </a:endParaRPr>
+          </a:p>
+        </p:txBody>
+      </p:sp>
+      <p:sp>
+        <p:nvSpPr>
+          <p:cNvPr id="5" name="Content Placeholder 4"/>
           <p:cNvSpPr>
             <a:spLocks noGrp="1"/>
           </p:cNvSpPr>
@@ -18989,8 +18709,8 @@
         </p:nvSpPr>
         <p:spPr>
           <a:xfrm>
-            <a:off x="456154" y="762000"/>
-            <a:ext cx="8154446" cy="4847481"/>
+            <a:off x="457200" y="765155"/>
+            <a:ext cx="8153400" cy="369332"/>
           </a:xfrm>
         </p:spPr>
         <p:txBody>
@@ -19000,68 +18720,222 @@
           <a:lstStyle/>
           <a:p>
             <a:r>
-              <a:rPr lang="en-US" sz="2400" dirty="0"/>
-              <a:t>A very popular </a:t>
-            </a:r>
-            <a:r>
-              <a:rPr lang="en-US" sz="2400" spc="-300" dirty="0"/>
-              <a:t>D </a:t>
-            </a:r>
-            <a:r>
-              <a:rPr lang="en-US" sz="2400" dirty="0"/>
-              <a:t>M method in business</a:t>
-            </a:r>
-          </a:p>
-          <a:p>
-            <a:r>
-              <a:rPr lang="en-US" sz="2400" dirty="0"/>
-              <a:t>Finds interesting relationships (affinities) between variables (items or events)</a:t>
-            </a:r>
-          </a:p>
-          <a:p>
-            <a:r>
-              <a:rPr lang="en-US" sz="2400" dirty="0"/>
-              <a:t>Part of machine learning family</a:t>
-            </a:r>
-          </a:p>
-          <a:p>
-            <a:r>
-              <a:rPr lang="en-US" sz="2400" dirty="0"/>
-              <a:t>Employs unsupervised learning</a:t>
-            </a:r>
-          </a:p>
-          <a:p>
-            <a:r>
-              <a:rPr lang="en-US" sz="2400" dirty="0"/>
-              <a:t>There is no output variable</a:t>
-            </a:r>
-          </a:p>
-          <a:p>
-            <a:r>
-              <a:rPr lang="en-US" sz="2400" dirty="0"/>
-              <a:t>Also known as </a:t>
-            </a:r>
+              <a:rPr lang="en-IN" sz="2400" dirty="0"/>
+              <a:t>Are all association rules interesting and useful?</a:t>
+            </a:r>
+          </a:p>
+        </p:txBody>
+      </p:sp>
+      <p:sp>
+        <p:nvSpPr>
+          <p:cNvPr id="6" name="Content Placeholder 5"/>
+          <p:cNvSpPr>
+            <a:spLocks noGrp="1"/>
+          </p:cNvSpPr>
+          <p:nvPr>
+            <p:ph idx="13"/>
+          </p:nvPr>
+        </p:nvSpPr>
+        <p:spPr>
+          <a:xfrm>
+            <a:off x="457200" y="1295400"/>
+            <a:ext cx="8153400" cy="3416320"/>
+          </a:xfrm>
+        </p:spPr>
+        <p:txBody>
+          <a:bodyPr wrap="square">
+            <a:spAutoFit/>
+          </a:bodyPr>
+          <a:lstStyle/>
+          <a:p>
+            <a:pPr lvl="1">
+              <a:buNone/>
+            </a:pPr>
             <a:r>
               <a:rPr lang="en-US" sz="2400" dirty="0">
                 <a:solidFill>
                   <a:schemeClr val="bg2"/>
                 </a:solidFill>
               </a:rPr>
-              <a:t>market basket analysis</a:t>
-            </a:r>
-          </a:p>
-          <a:p>
-            <a:r>
-              <a:rPr lang="en-US" sz="2400" dirty="0"/>
-              <a:t>Often used as an example to describe </a:t>
+              <a:t>A Generic Rule:</a:t>
+            </a:r>
+            <a:r>
+              <a:rPr lang="en-US" sz="2400" dirty="0"/>
+              <a:t>  </a:t>
+            </a:r>
+            <a:r>
+              <a:rPr lang="en-US" sz="2400" b="1" dirty="0"/>
+              <a:t>X </a:t>
+            </a:r>
+            <a:r>
+              <a:rPr lang="en-US" sz="2400" b="1" dirty="0">
+                <a:sym typeface="Symbol"/>
+              </a:rPr>
+              <a:t></a:t>
+            </a:r>
+            <a:r>
+              <a:rPr lang="en-US" sz="2400" b="1" dirty="0"/>
+              <a:t> Y [S%, C%]  </a:t>
+            </a:r>
+          </a:p>
+          <a:p>
+            <a:pPr lvl="1">
+              <a:buNone/>
+            </a:pPr>
+            <a:r>
+              <a:rPr lang="en-US" sz="2400" b="1" dirty="0"/>
+              <a:t>X, Y</a:t>
+            </a:r>
+            <a:r>
+              <a:rPr lang="en-US" sz="2400" dirty="0"/>
+              <a:t>: products and/or services </a:t>
+            </a:r>
+            <a:r>
+              <a:rPr lang="en-US" sz="2400" b="1" dirty="0"/>
+              <a:t> </a:t>
+            </a:r>
+          </a:p>
+          <a:p>
+            <a:pPr lvl="1">
+              <a:buNone/>
+            </a:pPr>
+            <a:r>
+              <a:rPr lang="en-US" sz="2400" b="1" dirty="0"/>
+              <a:t>X: </a:t>
+            </a:r>
+            <a:r>
+              <a:rPr lang="en-US" sz="2400" dirty="0"/>
+              <a:t>Left-hand-side (</a:t>
             </a:r>
             <a:r>
               <a:rPr lang="en-US" sz="2400" spc="-300" dirty="0"/>
-              <a:t>D </a:t>
-            </a:r>
-            <a:r>
-              <a:rPr lang="en-US" sz="2400" dirty="0"/>
-              <a:t>M to ordinary people, such as the famous “relationship between diapers and beers!”</a:t>
+              <a:t>L H </a:t>
+            </a:r>
+            <a:r>
+              <a:rPr lang="en-US" sz="2400" dirty="0"/>
+              <a:t>S)</a:t>
+            </a:r>
+          </a:p>
+          <a:p>
+            <a:pPr lvl="1">
+              <a:buNone/>
+            </a:pPr>
+            <a:r>
+              <a:rPr lang="en-US" sz="2400" b="1" dirty="0"/>
+              <a:t>Y: </a:t>
+            </a:r>
+            <a:r>
+              <a:rPr lang="en-US" sz="2400" dirty="0"/>
+              <a:t>Right-hand-side (</a:t>
+            </a:r>
+            <a:r>
+              <a:rPr lang="en-US" sz="2400" spc="-300" dirty="0"/>
+              <a:t>R H </a:t>
+            </a:r>
+            <a:r>
+              <a:rPr lang="en-US" sz="2400" dirty="0"/>
+              <a:t>S)</a:t>
+            </a:r>
+          </a:p>
+          <a:p>
+            <a:pPr lvl="1">
+              <a:buNone/>
+            </a:pPr>
+            <a:r>
+              <a:rPr lang="en-US" sz="2400" b="1" dirty="0"/>
+              <a:t>S:</a:t>
+            </a:r>
+            <a:r>
+              <a:rPr lang="en-US" sz="2400" dirty="0"/>
+              <a:t> </a:t>
+            </a:r>
+            <a:r>
+              <a:rPr lang="en-US" sz="2400" dirty="0">
+                <a:solidFill>
+                  <a:schemeClr val="bg2"/>
+                </a:solidFill>
+              </a:rPr>
+              <a:t>Support:</a:t>
+            </a:r>
+            <a:r>
+              <a:rPr lang="en-US" sz="2400" dirty="0"/>
+              <a:t> how often </a:t>
+            </a:r>
+            <a:r>
+              <a:rPr lang="en-US" sz="2400" b="1" dirty="0"/>
+              <a:t>X</a:t>
+            </a:r>
+            <a:r>
+              <a:rPr lang="en-US" sz="2400" dirty="0"/>
+              <a:t> and </a:t>
+            </a:r>
+            <a:r>
+              <a:rPr lang="en-US" sz="2400" b="1" dirty="0"/>
+              <a:t>Y</a:t>
+            </a:r>
+            <a:r>
+              <a:rPr lang="en-US" sz="2400" dirty="0"/>
+              <a:t> go together</a:t>
+            </a:r>
+          </a:p>
+          <a:p>
+            <a:pPr lvl="1">
+              <a:buNone/>
+            </a:pPr>
+            <a:r>
+              <a:rPr lang="en-US" sz="2400" b="1" dirty="0"/>
+              <a:t>C:</a:t>
+            </a:r>
+            <a:r>
+              <a:rPr lang="en-US" sz="2400" dirty="0"/>
+              <a:t> </a:t>
+            </a:r>
+            <a:r>
+              <a:rPr lang="en-US" sz="2400" dirty="0">
+                <a:solidFill>
+                  <a:schemeClr val="bg2"/>
+                </a:solidFill>
+              </a:rPr>
+              <a:t>Confidence:</a:t>
+            </a:r>
+            <a:r>
+              <a:rPr lang="en-US" sz="2400" dirty="0"/>
+              <a:t> how often </a:t>
+            </a:r>
+            <a:r>
+              <a:rPr lang="en-US" sz="2400" b="1" dirty="0"/>
+              <a:t>Y</a:t>
+            </a:r>
+            <a:r>
+              <a:rPr lang="en-US" sz="2400" dirty="0"/>
+              <a:t> go together with the </a:t>
+            </a:r>
+            <a:r>
+              <a:rPr lang="en-US" sz="2400" b="1" dirty="0"/>
+              <a:t>X</a:t>
+            </a:r>
+          </a:p>
+          <a:p>
+            <a:pPr lvl="1">
+              <a:buNone/>
+            </a:pPr>
+            <a:r>
+              <a:rPr lang="en-US" sz="2400" u="sng" dirty="0"/>
+              <a:t>Example: </a:t>
+            </a:r>
+            <a:r>
+              <a:rPr lang="en-US" sz="2400" dirty="0"/>
+              <a:t>{Laptop Computer, Antivirus Software} </a:t>
+            </a:r>
+            <a:r>
+              <a:rPr lang="en-US" sz="2400" dirty="0">
+                <a:sym typeface="Symbol"/>
+              </a:rPr>
+              <a:t></a:t>
+            </a:r>
+            <a:r>
+              <a:rPr lang="en-US" sz="2400" dirty="0"/>
+              <a:t> {Extended Service Plan} [30%, 70%]</a:t>
             </a:r>
           </a:p>
         </p:txBody>
@@ -19069,7 +18943,7 @@
     </p:spTree>
     <p:extLst>
       <p:ext uri="{BB962C8B-B14F-4D97-AF65-F5344CB8AC3E}">
-        <p14:creationId xmlns:p14="http://schemas.microsoft.com/office/powerpoint/2010/main" val="1368577322"/>
+        <p14:creationId xmlns:p14="http://schemas.microsoft.com/office/powerpoint/2010/main" val="1361155735"/>
       </p:ext>
     </p:extLst>
   </p:cSld>
@@ -19124,7 +18998,7 @@
             </a:r>
             <a:r>
               <a:rPr lang="en-US" sz="2800" dirty="0"/>
-              <a:t>(2 of 6)</a:t>
+              <a:t>(5 of 6)</a:t>
             </a:r>
             <a:endParaRPr lang="en-US" dirty="0"/>
           </a:p>
@@ -19143,7 +19017,7 @@
         <p:spPr>
           <a:xfrm>
             <a:off x="456154" y="762000"/>
-            <a:ext cx="8154446" cy="4693593"/>
+            <a:ext cx="8154446" cy="3454792"/>
           </a:xfrm>
         </p:spPr>
         <p:txBody>
@@ -19152,95 +19026,63 @@
           </a:bodyPr>
           <a:lstStyle/>
           <a:p>
+            <a:pPr marL="266700" indent="-266700"/>
+            <a:r>
+              <a:rPr lang="en-US" sz="2400" dirty="0"/>
+              <a:t>Several algorithms are developed for discovering (identifying) association rules</a:t>
+            </a:r>
+          </a:p>
+          <a:p>
+            <a:pPr marL="854075" lvl="1" indent="-295275"/>
+            <a:r>
+              <a:rPr lang="en-US" sz="2400" dirty="0" err="1"/>
+              <a:t>Apriori</a:t>
+            </a:r>
+            <a:endParaRPr lang="en-US" sz="2400" dirty="0"/>
+          </a:p>
+          <a:p>
+            <a:pPr marL="854075" lvl="1" indent="-295275"/>
+            <a:r>
+              <a:rPr lang="en-US" sz="2400" dirty="0" err="1"/>
+              <a:t>Eclat</a:t>
+            </a:r>
+            <a:endParaRPr lang="en-US" sz="2400" dirty="0"/>
+          </a:p>
+          <a:p>
+            <a:pPr marL="854075" lvl="1" indent="-295275"/>
+            <a:r>
+              <a:rPr lang="en-US" sz="2400" spc="-300" dirty="0"/>
+              <a:t>F </a:t>
+            </a:r>
+            <a:r>
+              <a:rPr lang="en-US" sz="2400" dirty="0"/>
+              <a:t>P-Growth</a:t>
+            </a:r>
+          </a:p>
+          <a:p>
+            <a:pPr marL="854075" lvl="1" indent="-295275"/>
+            <a:r>
+              <a:rPr lang="en-US" sz="2400" dirty="0"/>
+              <a:t>+ Derivatives and hybrids of the three</a:t>
+            </a:r>
+          </a:p>
+          <a:p>
+            <a:pPr marL="266700" indent="-266700"/>
+            <a:r>
+              <a:rPr lang="en-US" sz="2400" dirty="0"/>
+              <a:t>The algorithms help identify the </a:t>
+            </a:r>
             <a:r>
               <a:rPr lang="en-US" sz="2400" dirty="0">
                 <a:solidFill>
                   <a:schemeClr val="bg2"/>
                 </a:solidFill>
               </a:rPr>
-              <a:t>Input:</a:t>
-            </a:r>
-            <a:r>
-              <a:rPr lang="en-US" sz="2400" dirty="0"/>
-              <a:t> the simple point-of-sale transaction data</a:t>
-            </a:r>
-          </a:p>
-          <a:p>
-            <a:r>
-              <a:rPr lang="en-US" sz="2400" dirty="0">
-                <a:solidFill>
-                  <a:schemeClr val="bg2"/>
-                </a:solidFill>
-              </a:rPr>
-              <a:t>Output:</a:t>
-            </a:r>
-            <a:r>
-              <a:rPr lang="en-US" sz="2400" dirty="0"/>
-              <a:t> Most frequent affinities among items </a:t>
-            </a:r>
-          </a:p>
-          <a:p>
-            <a:pPr>
-              <a:tabLst>
-                <a:tab pos="266700" algn="l"/>
-              </a:tabLst>
-            </a:pPr>
-            <a:r>
-              <a:rPr lang="en-US" sz="2400" u="sng" dirty="0">
-                <a:solidFill>
-                  <a:schemeClr val="bg2"/>
-                </a:solidFill>
-              </a:rPr>
-              <a:t>Example</a:t>
-            </a:r>
-            <a:r>
-              <a:rPr lang="en-US" sz="2400" dirty="0">
-                <a:solidFill>
-                  <a:schemeClr val="bg2"/>
-                </a:solidFill>
-              </a:rPr>
-              <a:t>:</a:t>
-            </a:r>
-            <a:r>
-              <a:rPr lang="en-US" sz="2400" dirty="0"/>
-              <a:t> according to the transaction data…</a:t>
-            </a:r>
-          </a:p>
-          <a:p>
-            <a:pPr marL="361950" indent="-361950">
-              <a:buNone/>
-            </a:pPr>
-            <a:r>
-              <a:rPr lang="en-US" sz="2400" dirty="0"/>
-              <a:t>	“Customer who bought a lap-top computer and a virus protection software, also bought extended service plan 70 percent of the time." </a:t>
-            </a:r>
-          </a:p>
-          <a:p>
-            <a:pPr marL="266700" indent="-266700"/>
-            <a:r>
-              <a:rPr lang="en-US" sz="2400" dirty="0"/>
-              <a:t>How do you use such a pattern/knowledge?</a:t>
-            </a:r>
-          </a:p>
-          <a:p>
-            <a:pPr marL="854075" lvl="1" indent="-295275"/>
-            <a:r>
-              <a:rPr lang="en-US" sz="2400" dirty="0"/>
-              <a:t>Put the items next to each other</a:t>
-            </a:r>
-          </a:p>
-          <a:p>
-            <a:pPr marL="854075" lvl="1" indent="-295275"/>
-            <a:r>
-              <a:rPr lang="en-US" sz="2400" dirty="0"/>
-              <a:t>Promote the items as a package </a:t>
-            </a:r>
-          </a:p>
-          <a:p>
-            <a:pPr marL="854075" lvl="1" indent="-295275"/>
-            <a:r>
-              <a:rPr lang="en-US" sz="2400" dirty="0"/>
-              <a:t>Place items far apart from each other!</a:t>
+              <a:t>frequent item sets</a:t>
+            </a:r>
+            <a:r>
+              <a:rPr lang="en-US" sz="2400" dirty="0"/>
+              <a:t>, which are, then converted to association rules</a:t>
             </a:r>
           </a:p>
         </p:txBody>
@@ -19248,7 +19090,7 @@
     </p:spTree>
     <p:extLst>
       <p:ext uri="{BB962C8B-B14F-4D97-AF65-F5344CB8AC3E}">
-        <p14:creationId xmlns:p14="http://schemas.microsoft.com/office/powerpoint/2010/main" val="3080114234"/>
+        <p14:creationId xmlns:p14="http://schemas.microsoft.com/office/powerpoint/2010/main" val="1245801028"/>
       </p:ext>
     </p:extLst>
   </p:cSld>
@@ -19303,605 +19145,6 @@
             </a:r>
             <a:r>
               <a:rPr lang="en-US" sz="2800" dirty="0"/>
-              <a:t>(3 of 6)</a:t>
-            </a:r>
-            <a:endParaRPr lang="en-US" dirty="0"/>
-          </a:p>
-        </p:txBody>
-      </p:sp>
-      <p:sp>
-        <p:nvSpPr>
-          <p:cNvPr id="3" name="Content Placeholder 2"/>
-          <p:cNvSpPr>
-            <a:spLocks noGrp="1"/>
-          </p:cNvSpPr>
-          <p:nvPr>
-            <p:ph idx="1"/>
-          </p:nvPr>
-        </p:nvSpPr>
-        <p:spPr>
-          <a:xfrm>
-            <a:off x="456154" y="762000"/>
-            <a:ext cx="8154446" cy="4293483"/>
-          </a:xfrm>
-        </p:spPr>
-        <p:txBody>
-          <a:bodyPr wrap="square">
-            <a:spAutoFit/>
-          </a:bodyPr>
-          <a:lstStyle/>
-          <a:p>
-            <a:pPr marL="266700" indent="-266700"/>
-            <a:r>
-              <a:rPr lang="en-US" sz="2400" dirty="0"/>
-              <a:t>A representative applications of association rule mining include</a:t>
-            </a:r>
-          </a:p>
-          <a:p>
-            <a:pPr marL="657225" lvl="1" indent="-295275"/>
-            <a:r>
-              <a:rPr lang="en-US" sz="2400" dirty="0">
-                <a:solidFill>
-                  <a:schemeClr val="bg2"/>
-                </a:solidFill>
-              </a:rPr>
-              <a:t>In business: </a:t>
-            </a:r>
-            <a:r>
-              <a:rPr lang="en-US" sz="2400" dirty="0"/>
-              <a:t>cross-marketing, cross-selling, store design, catalog design, e-commerce site design, optimization of online advertising, product pricing, and sales/promotion configuration</a:t>
-            </a:r>
-          </a:p>
-          <a:p>
-            <a:pPr marL="657225" lvl="1" indent="-295275"/>
-            <a:r>
-              <a:rPr lang="en-US" sz="2400" dirty="0">
-                <a:solidFill>
-                  <a:schemeClr val="bg2"/>
-                </a:solidFill>
-              </a:rPr>
-              <a:t>In medicine:</a:t>
-            </a:r>
-            <a:r>
-              <a:rPr lang="en-US" sz="2400" dirty="0"/>
-              <a:t> relationships between symptoms and illnesses; diagnosis and patient characteristics and treatments (to be used in medical </a:t>
-            </a:r>
-            <a:r>
-              <a:rPr lang="en-US" sz="2400" spc="-300" dirty="0"/>
-              <a:t>D S </a:t>
-            </a:r>
-            <a:r>
-              <a:rPr lang="en-US" sz="2400" dirty="0"/>
-              <a:t>S); and genes and their functions (to be used in genomics projects)</a:t>
-            </a:r>
-          </a:p>
-          <a:p>
-            <a:pPr marL="657225" lvl="1" indent="-295275"/>
-            <a:r>
-              <a:rPr lang="en-US" sz="2400" dirty="0"/>
-              <a:t> …</a:t>
-            </a:r>
-          </a:p>
-        </p:txBody>
-      </p:sp>
-    </p:spTree>
-    <p:extLst>
-      <p:ext uri="{BB962C8B-B14F-4D97-AF65-F5344CB8AC3E}">
-        <p14:creationId xmlns:p14="http://schemas.microsoft.com/office/powerpoint/2010/main" val="228802789"/>
-      </p:ext>
-    </p:extLst>
-  </p:cSld>
-  <p:clrMapOvr>
-    <a:masterClrMapping/>
-  </p:clrMapOvr>
-</p:sld>
-</file>
-
-<file path=ppt/slides/slide44.xml><?xml version="1.0" encoding="utf-8"?>
-<p:sld xmlns:a="http://schemas.openxmlformats.org/drawingml/2006/main" xmlns:r="http://schemas.openxmlformats.org/officeDocument/2006/relationships" xmlns:p="http://schemas.openxmlformats.org/presentationml/2006/main">
-  <p:cSld>
-    <p:spTree>
-      <p:nvGrpSpPr>
-        <p:cNvPr id="1" name=""/>
-        <p:cNvGrpSpPr/>
-        <p:nvPr/>
-      </p:nvGrpSpPr>
-      <p:grpSpPr>
-        <a:xfrm>
-          <a:off x="0" y="0"/>
-          <a:ext cx="0" cy="0"/>
-          <a:chOff x="0" y="0"/>
-          <a:chExt cx="0" cy="0"/>
-        </a:xfrm>
-      </p:grpSpPr>
-      <p:sp>
-        <p:nvSpPr>
-          <p:cNvPr id="2" name="Title 1"/>
-          <p:cNvSpPr>
-            <a:spLocks noGrp="1"/>
-          </p:cNvSpPr>
-          <p:nvPr>
-            <p:ph type="title"/>
-          </p:nvPr>
-        </p:nvSpPr>
-        <p:spPr>
-          <a:xfrm>
-            <a:off x="457200" y="66675"/>
-            <a:ext cx="8153400" cy="553998"/>
-          </a:xfrm>
-        </p:spPr>
-        <p:txBody>
-          <a:bodyPr wrap="square">
-            <a:spAutoFit/>
-          </a:bodyPr>
-          <a:lstStyle/>
-          <a:p>
-            <a:r>
-              <a:rPr lang="en-US" sz="3600" dirty="0">
-                <a:latin typeface="+mj-lt"/>
-              </a:rPr>
-              <a:t>Association Rule Mining </a:t>
-            </a:r>
-            <a:r>
-              <a:rPr lang="en-US" sz="2800" dirty="0">
-                <a:latin typeface="+mj-lt"/>
-              </a:rPr>
-              <a:t>(4 of 6)</a:t>
-            </a:r>
-            <a:endParaRPr lang="en-US" sz="3600" dirty="0">
-              <a:latin typeface="+mj-lt"/>
-            </a:endParaRPr>
-          </a:p>
-        </p:txBody>
-      </p:sp>
-      <p:sp>
-        <p:nvSpPr>
-          <p:cNvPr id="5" name="Content Placeholder 4"/>
-          <p:cNvSpPr>
-            <a:spLocks noGrp="1"/>
-          </p:cNvSpPr>
-          <p:nvPr>
-            <p:ph idx="1"/>
-          </p:nvPr>
-        </p:nvSpPr>
-        <p:spPr>
-          <a:xfrm>
-            <a:off x="457200" y="765155"/>
-            <a:ext cx="8153400" cy="369332"/>
-          </a:xfrm>
-        </p:spPr>
-        <p:txBody>
-          <a:bodyPr wrap="square">
-            <a:spAutoFit/>
-          </a:bodyPr>
-          <a:lstStyle/>
-          <a:p>
-            <a:r>
-              <a:rPr lang="en-IN" sz="2400" dirty="0"/>
-              <a:t>Are all association rules interesting and useful?</a:t>
-            </a:r>
-          </a:p>
-        </p:txBody>
-      </p:sp>
-      <p:sp>
-        <p:nvSpPr>
-          <p:cNvPr id="6" name="Content Placeholder 5"/>
-          <p:cNvSpPr>
-            <a:spLocks noGrp="1"/>
-          </p:cNvSpPr>
-          <p:nvPr>
-            <p:ph idx="13"/>
-          </p:nvPr>
-        </p:nvSpPr>
-        <p:spPr>
-          <a:xfrm>
-            <a:off x="457200" y="1295400"/>
-            <a:ext cx="8153400" cy="3416320"/>
-          </a:xfrm>
-        </p:spPr>
-        <p:txBody>
-          <a:bodyPr wrap="square">
-            <a:spAutoFit/>
-          </a:bodyPr>
-          <a:lstStyle/>
-          <a:p>
-            <a:pPr lvl="1">
-              <a:buNone/>
-            </a:pPr>
-            <a:r>
-              <a:rPr lang="en-US" sz="2400" dirty="0">
-                <a:solidFill>
-                  <a:schemeClr val="bg2"/>
-                </a:solidFill>
-              </a:rPr>
-              <a:t>A Generic Rule:</a:t>
-            </a:r>
-            <a:r>
-              <a:rPr lang="en-US" sz="2400" dirty="0"/>
-              <a:t>  </a:t>
-            </a:r>
-            <a:r>
-              <a:rPr lang="en-US" sz="2400" b="1" dirty="0"/>
-              <a:t>X </a:t>
-            </a:r>
-            <a:r>
-              <a:rPr lang="en-US" sz="2400" b="1" dirty="0">
-                <a:sym typeface="Symbol"/>
-              </a:rPr>
-              <a:t></a:t>
-            </a:r>
-            <a:r>
-              <a:rPr lang="en-US" sz="2400" b="1" dirty="0"/>
-              <a:t> Y [S%, C%]  </a:t>
-            </a:r>
-          </a:p>
-          <a:p>
-            <a:pPr lvl="1">
-              <a:buNone/>
-            </a:pPr>
-            <a:r>
-              <a:rPr lang="en-US" sz="2400" b="1" dirty="0"/>
-              <a:t>X, Y</a:t>
-            </a:r>
-            <a:r>
-              <a:rPr lang="en-US" sz="2400" dirty="0"/>
-              <a:t>: products and/or services </a:t>
-            </a:r>
-            <a:r>
-              <a:rPr lang="en-US" sz="2400" b="1" dirty="0"/>
-              <a:t> </a:t>
-            </a:r>
-          </a:p>
-          <a:p>
-            <a:pPr lvl="1">
-              <a:buNone/>
-            </a:pPr>
-            <a:r>
-              <a:rPr lang="en-US" sz="2400" b="1" dirty="0"/>
-              <a:t>X: </a:t>
-            </a:r>
-            <a:r>
-              <a:rPr lang="en-US" sz="2400" dirty="0"/>
-              <a:t>Left-hand-side (</a:t>
-            </a:r>
-            <a:r>
-              <a:rPr lang="en-US" sz="2400" spc="-300" dirty="0"/>
-              <a:t>L H </a:t>
-            </a:r>
-            <a:r>
-              <a:rPr lang="en-US" sz="2400" dirty="0"/>
-              <a:t>S)</a:t>
-            </a:r>
-          </a:p>
-          <a:p>
-            <a:pPr lvl="1">
-              <a:buNone/>
-            </a:pPr>
-            <a:r>
-              <a:rPr lang="en-US" sz="2400" b="1" dirty="0"/>
-              <a:t>Y: </a:t>
-            </a:r>
-            <a:r>
-              <a:rPr lang="en-US" sz="2400" dirty="0"/>
-              <a:t>Right-hand-side (</a:t>
-            </a:r>
-            <a:r>
-              <a:rPr lang="en-US" sz="2400" spc="-300" dirty="0"/>
-              <a:t>R H </a:t>
-            </a:r>
-            <a:r>
-              <a:rPr lang="en-US" sz="2400" dirty="0"/>
-              <a:t>S)</a:t>
-            </a:r>
-          </a:p>
-          <a:p>
-            <a:pPr lvl="1">
-              <a:buNone/>
-            </a:pPr>
-            <a:r>
-              <a:rPr lang="en-US" sz="2400" b="1" dirty="0"/>
-              <a:t>S:</a:t>
-            </a:r>
-            <a:r>
-              <a:rPr lang="en-US" sz="2400" dirty="0"/>
-              <a:t> </a:t>
-            </a:r>
-            <a:r>
-              <a:rPr lang="en-US" sz="2400" dirty="0">
-                <a:solidFill>
-                  <a:schemeClr val="bg2"/>
-                </a:solidFill>
-              </a:rPr>
-              <a:t>Support:</a:t>
-            </a:r>
-            <a:r>
-              <a:rPr lang="en-US" sz="2400" dirty="0"/>
-              <a:t> how often </a:t>
-            </a:r>
-            <a:r>
-              <a:rPr lang="en-US" sz="2400" b="1" dirty="0"/>
-              <a:t>X</a:t>
-            </a:r>
-            <a:r>
-              <a:rPr lang="en-US" sz="2400" dirty="0"/>
-              <a:t> and </a:t>
-            </a:r>
-            <a:r>
-              <a:rPr lang="en-US" sz="2400" b="1" dirty="0"/>
-              <a:t>Y</a:t>
-            </a:r>
-            <a:r>
-              <a:rPr lang="en-US" sz="2400" dirty="0"/>
-              <a:t> go together</a:t>
-            </a:r>
-          </a:p>
-          <a:p>
-            <a:pPr lvl="1">
-              <a:buNone/>
-            </a:pPr>
-            <a:r>
-              <a:rPr lang="en-US" sz="2400" b="1" dirty="0"/>
-              <a:t>C:</a:t>
-            </a:r>
-            <a:r>
-              <a:rPr lang="en-US" sz="2400" dirty="0"/>
-              <a:t> </a:t>
-            </a:r>
-            <a:r>
-              <a:rPr lang="en-US" sz="2400" dirty="0">
-                <a:solidFill>
-                  <a:schemeClr val="bg2"/>
-                </a:solidFill>
-              </a:rPr>
-              <a:t>Confidence:</a:t>
-            </a:r>
-            <a:r>
-              <a:rPr lang="en-US" sz="2400" dirty="0"/>
-              <a:t> how often </a:t>
-            </a:r>
-            <a:r>
-              <a:rPr lang="en-US" sz="2400" b="1" dirty="0"/>
-              <a:t>Y</a:t>
-            </a:r>
-            <a:r>
-              <a:rPr lang="en-US" sz="2400" dirty="0"/>
-              <a:t> go together with the </a:t>
-            </a:r>
-            <a:r>
-              <a:rPr lang="en-US" sz="2400" b="1" dirty="0"/>
-              <a:t>X</a:t>
-            </a:r>
-          </a:p>
-          <a:p>
-            <a:pPr lvl="1">
-              <a:buNone/>
-            </a:pPr>
-            <a:r>
-              <a:rPr lang="en-US" sz="2400" u="sng" dirty="0"/>
-              <a:t>Example: </a:t>
-            </a:r>
-            <a:r>
-              <a:rPr lang="en-US" sz="2400" dirty="0"/>
-              <a:t>{Laptop Computer, Antivirus Software} </a:t>
-            </a:r>
-            <a:r>
-              <a:rPr lang="en-US" sz="2400" dirty="0">
-                <a:sym typeface="Symbol"/>
-              </a:rPr>
-              <a:t></a:t>
-            </a:r>
-            <a:r>
-              <a:rPr lang="en-US" sz="2400" dirty="0"/>
-              <a:t> {Extended Service Plan} [30%, 70%]</a:t>
-            </a:r>
-          </a:p>
-        </p:txBody>
-      </p:sp>
-    </p:spTree>
-    <p:extLst>
-      <p:ext uri="{BB962C8B-B14F-4D97-AF65-F5344CB8AC3E}">
-        <p14:creationId xmlns:p14="http://schemas.microsoft.com/office/powerpoint/2010/main" val="1361155735"/>
-      </p:ext>
-    </p:extLst>
-  </p:cSld>
-  <p:clrMapOvr>
-    <a:masterClrMapping/>
-  </p:clrMapOvr>
-</p:sld>
-</file>
-
-<file path=ppt/slides/slide45.xml><?xml version="1.0" encoding="utf-8"?>
-<p:sld xmlns:a="http://schemas.openxmlformats.org/drawingml/2006/main" xmlns:r="http://schemas.openxmlformats.org/officeDocument/2006/relationships" xmlns:p="http://schemas.openxmlformats.org/presentationml/2006/main">
-  <p:cSld>
-    <p:spTree>
-      <p:nvGrpSpPr>
-        <p:cNvPr id="1" name=""/>
-        <p:cNvGrpSpPr/>
-        <p:nvPr/>
-      </p:nvGrpSpPr>
-      <p:grpSpPr>
-        <a:xfrm>
-          <a:off x="0" y="0"/>
-          <a:ext cx="0" cy="0"/>
-          <a:chOff x="0" y="0"/>
-          <a:chExt cx="0" cy="0"/>
-        </a:xfrm>
-      </p:grpSpPr>
-      <p:sp>
-        <p:nvSpPr>
-          <p:cNvPr id="2" name="Title 1"/>
-          <p:cNvSpPr>
-            <a:spLocks noGrp="1"/>
-          </p:cNvSpPr>
-          <p:nvPr>
-            <p:ph type="title"/>
-          </p:nvPr>
-        </p:nvSpPr>
-        <p:spPr>
-          <a:xfrm>
-            <a:off x="456154" y="71399"/>
-            <a:ext cx="8153400" cy="553998"/>
-          </a:xfrm>
-        </p:spPr>
-        <p:txBody>
-          <a:bodyPr wrap="square">
-            <a:spAutoFit/>
-          </a:bodyPr>
-          <a:lstStyle/>
-          <a:p>
-            <a:r>
-              <a:rPr lang="en-US" dirty="0"/>
-              <a:t>Association Rule Mining </a:t>
-            </a:r>
-            <a:r>
-              <a:rPr lang="en-US" sz="2800" dirty="0"/>
-              <a:t>(5 of 6)</a:t>
-            </a:r>
-            <a:endParaRPr lang="en-US" dirty="0"/>
-          </a:p>
-        </p:txBody>
-      </p:sp>
-      <p:sp>
-        <p:nvSpPr>
-          <p:cNvPr id="3" name="Content Placeholder 2"/>
-          <p:cNvSpPr>
-            <a:spLocks noGrp="1"/>
-          </p:cNvSpPr>
-          <p:nvPr>
-            <p:ph idx="1"/>
-          </p:nvPr>
-        </p:nvSpPr>
-        <p:spPr>
-          <a:xfrm>
-            <a:off x="456154" y="762000"/>
-            <a:ext cx="8154446" cy="3454792"/>
-          </a:xfrm>
-        </p:spPr>
-        <p:txBody>
-          <a:bodyPr wrap="square">
-            <a:spAutoFit/>
-          </a:bodyPr>
-          <a:lstStyle/>
-          <a:p>
-            <a:pPr marL="266700" indent="-266700"/>
-            <a:r>
-              <a:rPr lang="en-US" sz="2400" dirty="0"/>
-              <a:t>Several algorithms are developed for discovering (identifying) association rules</a:t>
-            </a:r>
-          </a:p>
-          <a:p>
-            <a:pPr marL="854075" lvl="1" indent="-295275"/>
-            <a:r>
-              <a:rPr lang="en-US" sz="2400" dirty="0" err="1"/>
-              <a:t>Apriori</a:t>
-            </a:r>
-            <a:endParaRPr lang="en-US" sz="2400" dirty="0"/>
-          </a:p>
-          <a:p>
-            <a:pPr marL="854075" lvl="1" indent="-295275"/>
-            <a:r>
-              <a:rPr lang="en-US" sz="2400" dirty="0" err="1"/>
-              <a:t>Eclat</a:t>
-            </a:r>
-            <a:endParaRPr lang="en-US" sz="2400" dirty="0"/>
-          </a:p>
-          <a:p>
-            <a:pPr marL="854075" lvl="1" indent="-295275"/>
-            <a:r>
-              <a:rPr lang="en-US" sz="2400" spc="-300" dirty="0"/>
-              <a:t>F </a:t>
-            </a:r>
-            <a:r>
-              <a:rPr lang="en-US" sz="2400" dirty="0"/>
-              <a:t>P-Growth</a:t>
-            </a:r>
-          </a:p>
-          <a:p>
-            <a:pPr marL="854075" lvl="1" indent="-295275"/>
-            <a:r>
-              <a:rPr lang="en-US" sz="2400" dirty="0"/>
-              <a:t>+ Derivatives and hybrids of the three</a:t>
-            </a:r>
-          </a:p>
-          <a:p>
-            <a:pPr marL="266700" indent="-266700"/>
-            <a:r>
-              <a:rPr lang="en-US" sz="2400" dirty="0"/>
-              <a:t>The algorithms help identify the </a:t>
-            </a:r>
-            <a:r>
-              <a:rPr lang="en-US" sz="2400" dirty="0">
-                <a:solidFill>
-                  <a:schemeClr val="bg2"/>
-                </a:solidFill>
-              </a:rPr>
-              <a:t>frequent item sets</a:t>
-            </a:r>
-            <a:r>
-              <a:rPr lang="en-US" sz="2400" dirty="0"/>
-              <a:t>, which are, then converted to association rules</a:t>
-            </a:r>
-          </a:p>
-        </p:txBody>
-      </p:sp>
-    </p:spTree>
-    <p:extLst>
-      <p:ext uri="{BB962C8B-B14F-4D97-AF65-F5344CB8AC3E}">
-        <p14:creationId xmlns:p14="http://schemas.microsoft.com/office/powerpoint/2010/main" val="1245801028"/>
-      </p:ext>
-    </p:extLst>
-  </p:cSld>
-  <p:clrMapOvr>
-    <a:masterClrMapping/>
-  </p:clrMapOvr>
-</p:sld>
-</file>
-
-<file path=ppt/slides/slide46.xml><?xml version="1.0" encoding="utf-8"?>
-<p:sld xmlns:a="http://schemas.openxmlformats.org/drawingml/2006/main" xmlns:r="http://schemas.openxmlformats.org/officeDocument/2006/relationships" xmlns:p="http://schemas.openxmlformats.org/presentationml/2006/main">
-  <p:cSld>
-    <p:spTree>
-      <p:nvGrpSpPr>
-        <p:cNvPr id="1" name=""/>
-        <p:cNvGrpSpPr/>
-        <p:nvPr/>
-      </p:nvGrpSpPr>
-      <p:grpSpPr>
-        <a:xfrm>
-          <a:off x="0" y="0"/>
-          <a:ext cx="0" cy="0"/>
-          <a:chOff x="0" y="0"/>
-          <a:chExt cx="0" cy="0"/>
-        </a:xfrm>
-      </p:grpSpPr>
-      <p:sp>
-        <p:nvSpPr>
-          <p:cNvPr id="2" name="Title 1"/>
-          <p:cNvSpPr>
-            <a:spLocks noGrp="1"/>
-          </p:cNvSpPr>
-          <p:nvPr>
-            <p:ph type="title"/>
-          </p:nvPr>
-        </p:nvSpPr>
-        <p:spPr>
-          <a:xfrm>
-            <a:off x="456154" y="71399"/>
-            <a:ext cx="8153400" cy="553998"/>
-          </a:xfrm>
-        </p:spPr>
-        <p:txBody>
-          <a:bodyPr wrap="square">
-            <a:spAutoFit/>
-          </a:bodyPr>
-          <a:lstStyle/>
-          <a:p>
-            <a:r>
-              <a:rPr lang="en-US" dirty="0"/>
-              <a:t>Association Rule Mining </a:t>
-            </a:r>
-            <a:r>
-              <a:rPr lang="en-US" sz="2800" dirty="0"/>
               <a:t>(6 of 6)</a:t>
             </a:r>
             <a:endParaRPr lang="en-US" dirty="0"/>
@@ -20031,7 +19274,7 @@
 </p:sld>
 </file>
 
-<file path=ppt/slides/slide47.xml><?xml version="1.0" encoding="utf-8"?>
+<file path=ppt/slides/slide44.xml><?xml version="1.0" encoding="utf-8"?>
 <p:sld xmlns:a="http://schemas.openxmlformats.org/drawingml/2006/main" xmlns:r="http://schemas.openxmlformats.org/officeDocument/2006/relationships" xmlns:p="http://schemas.openxmlformats.org/presentationml/2006/main">
   <p:cSld>
     <p:spTree>
@@ -20184,7 +19427,7 @@
 </p:sld>
 </file>
 
-<file path=ppt/slides/slide48.xml><?xml version="1.0" encoding="utf-8"?>
+<file path=ppt/slides/slide45.xml><?xml version="1.0" encoding="utf-8"?>
 <p:sld xmlns:a="http://schemas.openxmlformats.org/drawingml/2006/main" xmlns:r="http://schemas.openxmlformats.org/officeDocument/2006/relationships" xmlns:p="http://schemas.openxmlformats.org/presentationml/2006/main">
   <p:cSld>
     <p:spTree>
@@ -20509,7 +19752,7 @@
 </p:sld>
 </file>
 
-<file path=ppt/slides/slide49.xml><?xml version="1.0" encoding="utf-8"?>
+<file path=ppt/slides/slide46.xml><?xml version="1.0" encoding="utf-8"?>
 <p:sld xmlns:a="http://schemas.openxmlformats.org/drawingml/2006/main" xmlns:r="http://schemas.openxmlformats.org/officeDocument/2006/relationships" xmlns:p="http://schemas.openxmlformats.org/presentationml/2006/main">
   <p:cSld>
     <p:spTree>
@@ -21436,7 +20679,7 @@
 </p:sld>
 </file>
 
-<file path=ppt/slides/slide5.xml><?xml version="1.0" encoding="utf-8"?>
+<file path=ppt/slides/slide47.xml><?xml version="1.0" encoding="utf-8"?>
 <p:sld xmlns:a="http://schemas.openxmlformats.org/drawingml/2006/main" xmlns:r="http://schemas.openxmlformats.org/officeDocument/2006/relationships" xmlns:p="http://schemas.openxmlformats.org/presentationml/2006/main">
   <p:cSld>
     <p:spTree>
@@ -21465,170 +20708,6 @@
         </p:nvSpPr>
         <p:spPr>
           <a:xfrm>
-            <a:off x="457200" y="86880"/>
-            <a:ext cx="8153400" cy="553998"/>
-          </a:xfrm>
-        </p:spPr>
-        <p:txBody>
-          <a:bodyPr wrap="square">
-            <a:spAutoFit/>
-          </a:bodyPr>
-          <a:lstStyle/>
-          <a:p>
-            <a:r>
-              <a:rPr lang="en-IN" sz="3600" dirty="0">
-                <a:latin typeface="+mn-lt"/>
-              </a:rPr>
-              <a:t>Opening Vignette </a:t>
-            </a:r>
-            <a:r>
-              <a:rPr lang="en-IN" sz="2800" dirty="0">
-                <a:latin typeface="+mn-lt"/>
-              </a:rPr>
-              <a:t>(2 of 3)</a:t>
-            </a:r>
-            <a:endParaRPr lang="en-US" sz="2800" dirty="0">
-              <a:latin typeface="+mj-lt"/>
-            </a:endParaRPr>
-          </a:p>
-        </p:txBody>
-      </p:sp>
-      <p:sp>
-        <p:nvSpPr>
-          <p:cNvPr id="3" name="Content Placeholder 2"/>
-          <p:cNvSpPr>
-            <a:spLocks noGrp="1"/>
-          </p:cNvSpPr>
-          <p:nvPr>
-            <p:ph idx="1"/>
-          </p:nvPr>
-        </p:nvSpPr>
-        <p:spPr>
-          <a:xfrm>
-            <a:off x="457200" y="714375"/>
-            <a:ext cx="8153400" cy="861774"/>
-          </a:xfrm>
-        </p:spPr>
-        <p:txBody>
-          <a:bodyPr wrap="square">
-            <a:spAutoFit/>
-          </a:bodyPr>
-          <a:lstStyle/>
-          <a:p>
-            <a:pPr marL="0" indent="0">
-              <a:buNone/>
-            </a:pPr>
-            <a:r>
-              <a:rPr lang="en-IN" sz="2800" b="1" dirty="0">
-                <a:solidFill>
-                  <a:srgbClr val="007FA3"/>
-                </a:solidFill>
-              </a:rPr>
-              <a:t>Miami-Dade Police Department Is Using Predictive Analytics to Foresee and Fight Crime</a:t>
-            </a:r>
-            <a:endParaRPr lang="en-US" sz="2200" b="1" dirty="0">
-              <a:solidFill>
-                <a:srgbClr val="007FA3"/>
-              </a:solidFill>
-            </a:endParaRPr>
-          </a:p>
-        </p:txBody>
-      </p:sp>
-      <p:sp>
-        <p:nvSpPr>
-          <p:cNvPr id="4" name="Content Placeholder 3"/>
-          <p:cNvSpPr>
-            <a:spLocks noGrp="1"/>
-          </p:cNvSpPr>
-          <p:nvPr>
-            <p:ph idx="13"/>
-          </p:nvPr>
-        </p:nvSpPr>
-        <p:spPr>
-          <a:xfrm>
-            <a:off x="457200" y="1866900"/>
-            <a:ext cx="8153400" cy="3708708"/>
-          </a:xfrm>
-        </p:spPr>
-        <p:txBody>
-          <a:bodyPr wrap="square">
-            <a:spAutoFit/>
-          </a:bodyPr>
-          <a:lstStyle/>
-          <a:p>
-            <a:pPr marL="0" indent="0">
-              <a:buSzPct val="100000"/>
-              <a:buNone/>
-            </a:pPr>
-            <a:r>
-              <a:rPr lang="en-US" sz="2400" b="1" dirty="0"/>
-              <a:t>Discussion Questions </a:t>
-            </a:r>
-          </a:p>
-          <a:p>
-            <a:pPr marL="457200" indent="-457200">
-              <a:buFont typeface="+mj-lt"/>
-              <a:buAutoNum type="arabicPeriod"/>
-            </a:pPr>
-            <a:r>
-              <a:rPr lang="en-US" sz="2400" dirty="0"/>
-              <a:t>Why do law enforcement agencies and departments like Miami-Dade Police Department embrace advanced analytics and data mining?</a:t>
-            </a:r>
-          </a:p>
-          <a:p>
-            <a:pPr marL="457200" indent="-457200">
-              <a:buFont typeface="+mj-lt"/>
-              <a:buAutoNum type="arabicPeriod"/>
-            </a:pPr>
-            <a:r>
-              <a:rPr lang="en-US" sz="2400" dirty="0"/>
-              <a:t>What are the top challenges for law enforcement agencies and departments like Miami-Dade Police Department? Can you think of other challenges (not mentioned in this case) that can benefit from data mining?</a:t>
-            </a:r>
-          </a:p>
-        </p:txBody>
-      </p:sp>
-    </p:spTree>
-    <p:extLst>
-      <p:ext uri="{BB962C8B-B14F-4D97-AF65-F5344CB8AC3E}">
-        <p14:creationId xmlns:p14="http://schemas.microsoft.com/office/powerpoint/2010/main" val="3307536309"/>
-      </p:ext>
-    </p:extLst>
-  </p:cSld>
-  <p:clrMapOvr>
-    <a:masterClrMapping/>
-  </p:clrMapOvr>
-</p:sld>
-</file>
-
-<file path=ppt/slides/slide50.xml><?xml version="1.0" encoding="utf-8"?>
-<p:sld xmlns:a="http://schemas.openxmlformats.org/drawingml/2006/main" xmlns:r="http://schemas.openxmlformats.org/officeDocument/2006/relationships" xmlns:p="http://schemas.openxmlformats.org/presentationml/2006/main">
-  <p:cSld>
-    <p:spTree>
-      <p:nvGrpSpPr>
-        <p:cNvPr id="1" name=""/>
-        <p:cNvGrpSpPr/>
-        <p:nvPr/>
-      </p:nvGrpSpPr>
-      <p:grpSpPr>
-        <a:xfrm>
-          <a:off x="0" y="0"/>
-          <a:ext cx="0" cy="0"/>
-          <a:chOff x="0" y="0"/>
-          <a:chExt cx="0" cy="0"/>
-        </a:xfrm>
-      </p:grpSpPr>
-      <p:sp>
-        <p:nvSpPr>
-          <p:cNvPr id="2" name="Title 1"/>
-          <p:cNvSpPr>
-            <a:spLocks noGrp="1"/>
-          </p:cNvSpPr>
-          <p:nvPr>
-            <p:ph type="title"/>
-          </p:nvPr>
-        </p:nvSpPr>
-        <p:spPr>
-          <a:xfrm>
             <a:off x="457200" y="75190"/>
             <a:ext cx="8153400" cy="553998"/>
           </a:xfrm>
@@ -21753,7 +20832,7 @@
 </p:sld>
 </file>
 
-<file path=ppt/slides/slide51.xml><?xml version="1.0" encoding="utf-8"?>
+<file path=ppt/slides/slide48.xml><?xml version="1.0" encoding="utf-8"?>
 <p:sld xmlns:a="http://schemas.openxmlformats.org/drawingml/2006/main" xmlns:r="http://schemas.openxmlformats.org/officeDocument/2006/relationships" xmlns:p="http://schemas.openxmlformats.org/presentationml/2006/main">
   <p:cSld>
     <p:spTree>
@@ -22070,7 +21149,7 @@
 </p:sld>
 </file>
 
-<file path=ppt/slides/slide6.xml><?xml version="1.0" encoding="utf-8"?>
+<file path=ppt/slides/slide5.xml><?xml version="1.0" encoding="utf-8"?>
 <p:sld xmlns:a="http://schemas.openxmlformats.org/drawingml/2006/main" xmlns:r="http://schemas.openxmlformats.org/officeDocument/2006/relationships" xmlns:p="http://schemas.openxmlformats.org/presentationml/2006/main">
   <p:cSld>
     <p:spTree>
@@ -22099,305 +21178,6 @@
         </p:nvSpPr>
         <p:spPr>
           <a:xfrm>
-            <a:off x="457200" y="86880"/>
-            <a:ext cx="8153400" cy="553998"/>
-          </a:xfrm>
-        </p:spPr>
-        <p:txBody>
-          <a:bodyPr wrap="square">
-            <a:spAutoFit/>
-          </a:bodyPr>
-          <a:lstStyle/>
-          <a:p>
-            <a:r>
-              <a:rPr lang="en-IN" sz="3600" dirty="0">
-                <a:latin typeface="+mn-lt"/>
-              </a:rPr>
-              <a:t>Opening Vignette </a:t>
-            </a:r>
-            <a:r>
-              <a:rPr lang="en-IN" sz="2800" dirty="0">
-                <a:latin typeface="+mn-lt"/>
-              </a:rPr>
-              <a:t>(3 of 3)</a:t>
-            </a:r>
-            <a:endParaRPr lang="en-US" sz="3600" dirty="0">
-              <a:latin typeface="+mj-lt"/>
-            </a:endParaRPr>
-          </a:p>
-        </p:txBody>
-      </p:sp>
-      <p:sp>
-        <p:nvSpPr>
-          <p:cNvPr id="3" name="Content Placeholder 2"/>
-          <p:cNvSpPr>
-            <a:spLocks noGrp="1"/>
-          </p:cNvSpPr>
-          <p:nvPr>
-            <p:ph idx="1"/>
-          </p:nvPr>
-        </p:nvSpPr>
-        <p:spPr>
-          <a:xfrm>
-            <a:off x="457200" y="714375"/>
-            <a:ext cx="8153400" cy="861774"/>
-          </a:xfrm>
-        </p:spPr>
-        <p:txBody>
-          <a:bodyPr wrap="square">
-            <a:spAutoFit/>
-          </a:bodyPr>
-          <a:lstStyle/>
-          <a:p>
-            <a:pPr marL="0" indent="0">
-              <a:buNone/>
-            </a:pPr>
-            <a:r>
-              <a:rPr lang="en-IN" sz="2800" b="1" dirty="0">
-                <a:solidFill>
-                  <a:srgbClr val="007FA3"/>
-                </a:solidFill>
-              </a:rPr>
-              <a:t>Miami-Dade Police Department Is Using Predictive Analytics to Foresee and Fight Crime</a:t>
-            </a:r>
-            <a:endParaRPr lang="en-US" sz="2200" b="1" dirty="0">
-              <a:solidFill>
-                <a:srgbClr val="007FA3"/>
-              </a:solidFill>
-            </a:endParaRPr>
-          </a:p>
-        </p:txBody>
-      </p:sp>
-      <p:sp>
-        <p:nvSpPr>
-          <p:cNvPr id="4" name="Content Placeholder 3"/>
-          <p:cNvSpPr>
-            <a:spLocks noGrp="1"/>
-          </p:cNvSpPr>
-          <p:nvPr>
-            <p:ph idx="13"/>
-          </p:nvPr>
-        </p:nvSpPr>
-        <p:spPr>
-          <a:xfrm>
-            <a:off x="457200" y="1866900"/>
-            <a:ext cx="8153400" cy="4270400"/>
-          </a:xfrm>
-        </p:spPr>
-        <p:txBody>
-          <a:bodyPr wrap="square">
-            <a:spAutoFit/>
-          </a:bodyPr>
-          <a:lstStyle/>
-          <a:p>
-            <a:pPr marL="0" indent="0">
-              <a:buSzPct val="100000"/>
-              <a:buNone/>
-            </a:pPr>
-            <a:r>
-              <a:rPr lang="en-US" sz="2400" b="1" dirty="0"/>
-              <a:t>Discussion Questions (continued)</a:t>
-            </a:r>
-          </a:p>
-          <a:p>
-            <a:pPr marL="457200" indent="-457200">
-              <a:buFont typeface="+mj-lt"/>
-              <a:buAutoNum type="arabicPeriod" startAt="3"/>
-            </a:pPr>
-            <a:r>
-              <a:rPr lang="en-US" sz="2400" dirty="0"/>
-              <a:t>What are the sources of data that law enforcement agencies and departments like Miami-Dade Police Department use for their predictive modeling and data mining projects?</a:t>
-            </a:r>
-          </a:p>
-          <a:p>
-            <a:pPr marL="457200" indent="-457200">
-              <a:buFont typeface="+mj-lt"/>
-              <a:buAutoNum type="arabicPeriod" startAt="3"/>
-            </a:pPr>
-            <a:r>
-              <a:rPr lang="en-US" sz="2400" dirty="0"/>
-              <a:t>What type of analytics do law enforcement agencies and departments like Miami-Dade Police Department use to fight crime?</a:t>
-            </a:r>
-          </a:p>
-          <a:p>
-            <a:pPr marL="457200" indent="-457200">
-              <a:buFont typeface="+mj-lt"/>
-              <a:buAutoNum type="arabicPeriod" startAt="3"/>
-            </a:pPr>
-            <a:r>
-              <a:rPr lang="en-US" sz="2400" dirty="0"/>
-              <a:t>What does “the big picture starts small” mean in this case? Explain.</a:t>
-            </a:r>
-          </a:p>
-        </p:txBody>
-      </p:sp>
-    </p:spTree>
-    <p:extLst>
-      <p:ext uri="{BB962C8B-B14F-4D97-AF65-F5344CB8AC3E}">
-        <p14:creationId xmlns:p14="http://schemas.microsoft.com/office/powerpoint/2010/main" val="18957221"/>
-      </p:ext>
-    </p:extLst>
-  </p:cSld>
-  <p:clrMapOvr>
-    <a:masterClrMapping/>
-  </p:clrMapOvr>
-</p:sld>
-</file>
-
-<file path=ppt/slides/slide7.xml><?xml version="1.0" encoding="utf-8"?>
-<p:sld xmlns:a="http://schemas.openxmlformats.org/drawingml/2006/main" xmlns:r="http://schemas.openxmlformats.org/officeDocument/2006/relationships" xmlns:p="http://schemas.openxmlformats.org/presentationml/2006/main">
-  <p:cSld>
-    <p:spTree>
-      <p:nvGrpSpPr>
-        <p:cNvPr id="1" name=""/>
-        <p:cNvGrpSpPr/>
-        <p:nvPr/>
-      </p:nvGrpSpPr>
-      <p:grpSpPr>
-        <a:xfrm>
-          <a:off x="0" y="0"/>
-          <a:ext cx="0" cy="0"/>
-          <a:chOff x="0" y="0"/>
-          <a:chExt cx="0" cy="0"/>
-        </a:xfrm>
-      </p:grpSpPr>
-      <p:sp>
-        <p:nvSpPr>
-          <p:cNvPr id="2" name="Title 1"/>
-          <p:cNvSpPr>
-            <a:spLocks noGrp="1"/>
-          </p:cNvSpPr>
-          <p:nvPr>
-            <p:ph type="title"/>
-          </p:nvPr>
-        </p:nvSpPr>
-        <p:spPr>
-          <a:xfrm>
-            <a:off x="456154" y="73267"/>
-            <a:ext cx="8153400" cy="1107996"/>
-          </a:xfrm>
-        </p:spPr>
-        <p:txBody>
-          <a:bodyPr wrap="square">
-            <a:spAutoFit/>
-          </a:bodyPr>
-          <a:lstStyle/>
-          <a:p>
-            <a:r>
-              <a:rPr lang="en-IN" dirty="0"/>
-              <a:t>Data Mining Concepts and Definitions Why Data Mining?</a:t>
-            </a:r>
-            <a:endParaRPr lang="en-US" dirty="0"/>
-          </a:p>
-        </p:txBody>
-      </p:sp>
-      <p:sp>
-        <p:nvSpPr>
-          <p:cNvPr id="3" name="Content Placeholder 2"/>
-          <p:cNvSpPr>
-            <a:spLocks noGrp="1"/>
-          </p:cNvSpPr>
-          <p:nvPr>
-            <p:ph idx="1"/>
-          </p:nvPr>
-        </p:nvSpPr>
-        <p:spPr>
-          <a:xfrm>
-            <a:off x="456154" y="1374204"/>
-            <a:ext cx="8153400" cy="4655121"/>
-          </a:xfrm>
-        </p:spPr>
-        <p:txBody>
-          <a:bodyPr wrap="square">
-            <a:spAutoFit/>
-          </a:bodyPr>
-          <a:lstStyle/>
-          <a:p>
-            <a:pPr marL="266700" indent="-266700"/>
-            <a:r>
-              <a:rPr lang="en-US" sz="2400" dirty="0"/>
-              <a:t>More intense competition at the global scale. </a:t>
-            </a:r>
-          </a:p>
-          <a:p>
-            <a:pPr marL="266700" indent="-266700"/>
-            <a:r>
-              <a:rPr lang="en-US" sz="2400" dirty="0"/>
-              <a:t>Recognition of the value in data sources.</a:t>
-            </a:r>
-          </a:p>
-          <a:p>
-            <a:pPr marL="266700" indent="-266700"/>
-            <a:r>
-              <a:rPr lang="en-US" sz="2400" dirty="0"/>
-              <a:t>Availability of quality data on customers, vendors, transactions, Web, etc. </a:t>
-            </a:r>
-          </a:p>
-          <a:p>
-            <a:pPr marL="266700" indent="-266700"/>
-            <a:r>
-              <a:rPr lang="en-US" sz="2400" dirty="0"/>
-              <a:t>Consolidation and integration of data repositories into data warehouses.</a:t>
-            </a:r>
-          </a:p>
-          <a:p>
-            <a:pPr marL="266700" indent="-266700"/>
-            <a:r>
-              <a:rPr lang="en-US" sz="2400" dirty="0"/>
-              <a:t>The exponential increase in data processing and storage capabilities; and decrease in cost. </a:t>
-            </a:r>
-          </a:p>
-          <a:p>
-            <a:pPr marL="266700" indent="-266700"/>
-            <a:r>
-              <a:rPr lang="en-US" sz="2400" dirty="0"/>
-              <a:t>Movement toward conversion of information resources into nonphysical form.</a:t>
-            </a:r>
-          </a:p>
-        </p:txBody>
-      </p:sp>
-    </p:spTree>
-    <p:extLst>
-      <p:ext uri="{BB962C8B-B14F-4D97-AF65-F5344CB8AC3E}">
-        <p14:creationId xmlns:p14="http://schemas.microsoft.com/office/powerpoint/2010/main" val="2714647306"/>
-      </p:ext>
-    </p:extLst>
-  </p:cSld>
-  <p:clrMapOvr>
-    <a:masterClrMapping/>
-  </p:clrMapOvr>
-</p:sld>
-</file>
-
-<file path=ppt/slides/slide8.xml><?xml version="1.0" encoding="utf-8"?>
-<p:sld xmlns:a="http://schemas.openxmlformats.org/drawingml/2006/main" xmlns:r="http://schemas.openxmlformats.org/officeDocument/2006/relationships" xmlns:p="http://schemas.openxmlformats.org/presentationml/2006/main">
-  <p:cSld>
-    <p:spTree>
-      <p:nvGrpSpPr>
-        <p:cNvPr id="1" name=""/>
-        <p:cNvGrpSpPr/>
-        <p:nvPr/>
-      </p:nvGrpSpPr>
-      <p:grpSpPr>
-        <a:xfrm>
-          <a:off x="0" y="0"/>
-          <a:ext cx="0" cy="0"/>
-          <a:chOff x="0" y="0"/>
-          <a:chExt cx="0" cy="0"/>
-        </a:xfrm>
-      </p:grpSpPr>
-      <p:sp>
-        <p:nvSpPr>
-          <p:cNvPr id="2" name="Title 1"/>
-          <p:cNvSpPr>
-            <a:spLocks noGrp="1"/>
-          </p:cNvSpPr>
-          <p:nvPr>
-            <p:ph type="title"/>
-          </p:nvPr>
-        </p:nvSpPr>
-        <p:spPr>
-          <a:xfrm>
             <a:off x="456154" y="76363"/>
             <a:ext cx="8153400" cy="553998"/>
           </a:xfrm>
@@ -22488,7 +21268,7 @@
 </p:sld>
 </file>
 
-<file path=ppt/slides/slide9.xml><?xml version="1.0" encoding="utf-8"?>
+<file path=ppt/slides/slide6.xml><?xml version="1.0" encoding="utf-8"?>
 <p:sld xmlns:a="http://schemas.openxmlformats.org/drawingml/2006/main" xmlns:r="http://schemas.openxmlformats.org/officeDocument/2006/relationships" xmlns:p="http://schemas.openxmlformats.org/presentationml/2006/main">
   <p:cSld>
     <p:spTree>
@@ -22614,6 +21394,427 @@
     <p:extLst>
       <p:ext uri="{BB962C8B-B14F-4D97-AF65-F5344CB8AC3E}">
         <p14:creationId xmlns:p14="http://schemas.microsoft.com/office/powerpoint/2010/main" val="2500064253"/>
+      </p:ext>
+    </p:extLst>
+  </p:cSld>
+  <p:clrMapOvr>
+    <a:masterClrMapping/>
+  </p:clrMapOvr>
+</p:sld>
+</file>
+
+<file path=ppt/slides/slide7.xml><?xml version="1.0" encoding="utf-8"?>
+<p:sld xmlns:a="http://schemas.openxmlformats.org/drawingml/2006/main" xmlns:r="http://schemas.openxmlformats.org/officeDocument/2006/relationships" xmlns:p="http://schemas.openxmlformats.org/presentationml/2006/main">
+  <p:cSld>
+    <p:spTree>
+      <p:nvGrpSpPr>
+        <p:cNvPr id="1" name=""/>
+        <p:cNvGrpSpPr/>
+        <p:nvPr/>
+      </p:nvGrpSpPr>
+      <p:grpSpPr>
+        <a:xfrm>
+          <a:off x="0" y="0"/>
+          <a:ext cx="0" cy="0"/>
+          <a:chOff x="0" y="0"/>
+          <a:chExt cx="0" cy="0"/>
+        </a:xfrm>
+      </p:grpSpPr>
+      <p:sp>
+        <p:nvSpPr>
+          <p:cNvPr id="2" name="Title 1"/>
+          <p:cNvSpPr>
+            <a:spLocks noGrp="1"/>
+          </p:cNvSpPr>
+          <p:nvPr>
+            <p:ph type="title"/>
+          </p:nvPr>
+        </p:nvSpPr>
+        <p:spPr>
+          <a:xfrm>
+            <a:off x="456154" y="73267"/>
+            <a:ext cx="8153400" cy="1107996"/>
+          </a:xfrm>
+        </p:spPr>
+        <p:txBody>
+          <a:bodyPr wrap="square">
+            <a:spAutoFit/>
+          </a:bodyPr>
+          <a:lstStyle/>
+          <a:p>
+            <a:r>
+              <a:rPr lang="en-IN" dirty="0"/>
+              <a:t>Data Mining Characteristics &amp; Objectives</a:t>
+            </a:r>
+            <a:endParaRPr lang="en-US" dirty="0"/>
+          </a:p>
+        </p:txBody>
+      </p:sp>
+      <p:sp>
+        <p:nvSpPr>
+          <p:cNvPr id="3" name="Content Placeholder 2"/>
+          <p:cNvSpPr>
+            <a:spLocks noGrp="1"/>
+          </p:cNvSpPr>
+          <p:nvPr>
+            <p:ph idx="1"/>
+          </p:nvPr>
+        </p:nvSpPr>
+        <p:spPr>
+          <a:xfrm>
+            <a:off x="456154" y="1368400"/>
+            <a:ext cx="8153400" cy="4655121"/>
+          </a:xfrm>
+        </p:spPr>
+        <p:txBody>
+          <a:bodyPr wrap="square">
+            <a:spAutoFit/>
+          </a:bodyPr>
+          <a:lstStyle/>
+          <a:p>
+            <a:pPr marL="266700" indent="-266700"/>
+            <a:r>
+              <a:rPr lang="en-US" sz="2400" dirty="0"/>
+              <a:t>Source of data for </a:t>
+            </a:r>
+            <a:r>
+              <a:rPr lang="en-US" sz="2400" spc="-300" dirty="0"/>
+              <a:t>D </a:t>
+            </a:r>
+            <a:r>
+              <a:rPr lang="en-US" sz="2400" dirty="0"/>
+              <a:t>M is often a consolidated data warehouse (not always!).</a:t>
+            </a:r>
+          </a:p>
+          <a:p>
+            <a:pPr marL="266700" indent="-266700"/>
+            <a:r>
+              <a:rPr lang="en-US" sz="2400" spc="-300" dirty="0"/>
+              <a:t>D </a:t>
+            </a:r>
+            <a:r>
+              <a:rPr lang="en-US" sz="2400" dirty="0"/>
+              <a:t>M environment is usually a client-server or a Web-based information systems architecture.</a:t>
+            </a:r>
+          </a:p>
+          <a:p>
+            <a:pPr marL="266700" indent="-266700"/>
+            <a:r>
+              <a:rPr lang="en-US" sz="2400" dirty="0"/>
+              <a:t>Data is the most critical ingredient for </a:t>
+            </a:r>
+            <a:r>
+              <a:rPr lang="en-US" sz="2400" spc="-300" dirty="0"/>
+              <a:t>D </a:t>
+            </a:r>
+            <a:r>
+              <a:rPr lang="en-US" sz="2400" dirty="0"/>
+              <a:t>M which may include soft/unstructured data.</a:t>
+            </a:r>
+          </a:p>
+          <a:p>
+            <a:pPr marL="266700" indent="-266700"/>
+            <a:r>
+              <a:rPr lang="en-US" sz="2400" dirty="0"/>
+              <a:t>The miner is often an end user</a:t>
+            </a:r>
+          </a:p>
+          <a:p>
+            <a:pPr marL="266700" indent="-266700"/>
+            <a:r>
+              <a:rPr lang="en-US" sz="2400" dirty="0"/>
+              <a:t>Striking it rich requires creative thinking</a:t>
+            </a:r>
+          </a:p>
+          <a:p>
+            <a:pPr marL="266700" indent="-266700"/>
+            <a:r>
+              <a:rPr lang="en-US" sz="2400" dirty="0"/>
+              <a:t>Data mining tools’ capabilities and ease of use are essential (Web, parallel processing, etc.)</a:t>
+            </a:r>
+          </a:p>
+        </p:txBody>
+      </p:sp>
+    </p:spTree>
+    <p:extLst>
+      <p:ext uri="{BB962C8B-B14F-4D97-AF65-F5344CB8AC3E}">
+        <p14:creationId xmlns:p14="http://schemas.microsoft.com/office/powerpoint/2010/main" val="1258968209"/>
+      </p:ext>
+    </p:extLst>
+  </p:cSld>
+  <p:clrMapOvr>
+    <a:masterClrMapping/>
+  </p:clrMapOvr>
+</p:sld>
+</file>
+
+<file path=ppt/slides/slide8.xml><?xml version="1.0" encoding="utf-8"?>
+<p:sld xmlns:a="http://schemas.openxmlformats.org/drawingml/2006/main" xmlns:r="http://schemas.openxmlformats.org/officeDocument/2006/relationships" xmlns:p="http://schemas.openxmlformats.org/presentationml/2006/main">
+  <p:cSld>
+    <p:spTree>
+      <p:nvGrpSpPr>
+        <p:cNvPr id="1" name=""/>
+        <p:cNvGrpSpPr/>
+        <p:nvPr/>
+      </p:nvGrpSpPr>
+      <p:grpSpPr>
+        <a:xfrm>
+          <a:off x="0" y="0"/>
+          <a:ext cx="0" cy="0"/>
+          <a:chOff x="0" y="0"/>
+          <a:chExt cx="0" cy="0"/>
+        </a:xfrm>
+      </p:grpSpPr>
+      <p:sp>
+        <p:nvSpPr>
+          <p:cNvPr id="2" name="Title 1"/>
+          <p:cNvSpPr>
+            <a:spLocks noGrp="1"/>
+          </p:cNvSpPr>
+          <p:nvPr>
+            <p:ph type="title"/>
+          </p:nvPr>
+        </p:nvSpPr>
+        <p:spPr>
+          <a:xfrm>
+            <a:off x="456154" y="76363"/>
+            <a:ext cx="8153400" cy="553998"/>
+          </a:xfrm>
+        </p:spPr>
+        <p:txBody>
+          <a:bodyPr wrap="square">
+            <a:spAutoFit/>
+          </a:bodyPr>
+          <a:lstStyle/>
+          <a:p>
+            <a:r>
+              <a:rPr lang="en-US" dirty="0"/>
+              <a:t>How Data Mining Works</a:t>
+            </a:r>
+          </a:p>
+        </p:txBody>
+      </p:sp>
+      <p:sp>
+        <p:nvSpPr>
+          <p:cNvPr id="3" name="Content Placeholder 2"/>
+          <p:cNvSpPr>
+            <a:spLocks noGrp="1"/>
+          </p:cNvSpPr>
+          <p:nvPr>
+            <p:ph idx="1"/>
+          </p:nvPr>
+        </p:nvSpPr>
+        <p:spPr>
+          <a:xfrm>
+            <a:off x="456154" y="990600"/>
+            <a:ext cx="8153400" cy="3531736"/>
+          </a:xfrm>
+        </p:spPr>
+        <p:txBody>
+          <a:bodyPr wrap="square">
+            <a:spAutoFit/>
+          </a:bodyPr>
+          <a:lstStyle/>
+          <a:p>
+            <a:r>
+              <a:rPr lang="en-US" sz="2400" spc="-300" dirty="0"/>
+              <a:t>D </a:t>
+            </a:r>
+            <a:r>
+              <a:rPr lang="en-US" sz="2400" dirty="0"/>
+              <a:t>M extract </a:t>
+            </a:r>
+            <a:r>
+              <a:rPr lang="en-US" sz="2400" u="sng" dirty="0"/>
+              <a:t>patterns</a:t>
+            </a:r>
+            <a:r>
+              <a:rPr lang="en-US" sz="2400" dirty="0"/>
+              <a:t> from data</a:t>
+            </a:r>
+          </a:p>
+          <a:p>
+            <a:pPr lvl="1"/>
+            <a:r>
+              <a:rPr lang="en-US" sz="2400" dirty="0"/>
+              <a:t>Pattern? A mathematical (numeric and/or symbolic) relationship among data items</a:t>
+            </a:r>
+          </a:p>
+          <a:p>
+            <a:r>
+              <a:rPr lang="en-US" sz="2400" dirty="0"/>
+              <a:t>Types of patterns</a:t>
+            </a:r>
+          </a:p>
+          <a:p>
+            <a:pPr lvl="1"/>
+            <a:r>
+              <a:rPr lang="en-US" sz="2400" dirty="0"/>
+              <a:t>Association</a:t>
+            </a:r>
+          </a:p>
+          <a:p>
+            <a:pPr lvl="1"/>
+            <a:r>
+              <a:rPr lang="en-US" sz="2400" dirty="0"/>
+              <a:t>Prediction</a:t>
+            </a:r>
+          </a:p>
+          <a:p>
+            <a:pPr lvl="1"/>
+            <a:r>
+              <a:rPr lang="en-US" sz="2400" dirty="0"/>
+              <a:t>Cluster (segmentation)</a:t>
+            </a:r>
+          </a:p>
+          <a:p>
+            <a:pPr lvl="1"/>
+            <a:r>
+              <a:rPr lang="en-US" sz="2400" dirty="0"/>
+              <a:t>Sequential (or time series) relationships</a:t>
+            </a:r>
+          </a:p>
+        </p:txBody>
+      </p:sp>
+    </p:spTree>
+    <p:extLst>
+      <p:ext uri="{BB962C8B-B14F-4D97-AF65-F5344CB8AC3E}">
+        <p14:creationId xmlns:p14="http://schemas.microsoft.com/office/powerpoint/2010/main" val="2942163444"/>
+      </p:ext>
+    </p:extLst>
+  </p:cSld>
+  <p:clrMapOvr>
+    <a:masterClrMapping/>
+  </p:clrMapOvr>
+</p:sld>
+</file>
+
+<file path=ppt/slides/slide9.xml><?xml version="1.0" encoding="utf-8"?>
+<p:sld xmlns:a="http://schemas.openxmlformats.org/drawingml/2006/main" xmlns:r="http://schemas.openxmlformats.org/officeDocument/2006/relationships" xmlns:p="http://schemas.openxmlformats.org/presentationml/2006/main">
+  <p:cSld>
+    <p:spTree>
+      <p:nvGrpSpPr>
+        <p:cNvPr id="1" name=""/>
+        <p:cNvGrpSpPr/>
+        <p:nvPr/>
+      </p:nvGrpSpPr>
+      <p:grpSpPr>
+        <a:xfrm>
+          <a:off x="0" y="0"/>
+          <a:ext cx="0" cy="0"/>
+          <a:chOff x="0" y="0"/>
+          <a:chExt cx="0" cy="0"/>
+        </a:xfrm>
+      </p:grpSpPr>
+      <p:sp>
+        <p:nvSpPr>
+          <p:cNvPr id="2" name="Title 1"/>
+          <p:cNvSpPr>
+            <a:spLocks noGrp="1"/>
+          </p:cNvSpPr>
+          <p:nvPr>
+            <p:ph type="title"/>
+          </p:nvPr>
+        </p:nvSpPr>
+        <p:spPr>
+          <a:xfrm>
+            <a:off x="465207" y="76363"/>
+            <a:ext cx="8145393" cy="553998"/>
+          </a:xfrm>
+        </p:spPr>
+        <p:txBody>
+          <a:bodyPr wrap="square">
+            <a:spAutoFit/>
+          </a:bodyPr>
+          <a:lstStyle/>
+          <a:p>
+            <a:r>
+              <a:rPr lang="en-IN" dirty="0"/>
+              <a:t>A Taxonomy for Data Mining </a:t>
+            </a:r>
+            <a:endParaRPr lang="en-US" dirty="0"/>
+          </a:p>
+        </p:txBody>
+      </p:sp>
+      <p:sp>
+        <p:nvSpPr>
+          <p:cNvPr id="3" name="Content Placeholder 2"/>
+          <p:cNvSpPr>
+            <a:spLocks noGrp="1"/>
+          </p:cNvSpPr>
+          <p:nvPr>
+            <p:ph idx="1"/>
+          </p:nvPr>
+        </p:nvSpPr>
+        <p:spPr>
+          <a:xfrm>
+            <a:off x="456154" y="990128"/>
+            <a:ext cx="2744246" cy="1846659"/>
+          </a:xfrm>
+        </p:spPr>
+        <p:txBody>
+          <a:bodyPr wrap="square">
+            <a:spAutoFit/>
+          </a:bodyPr>
+          <a:lstStyle/>
+          <a:p>
+            <a:pPr marL="0" indent="0">
+              <a:buNone/>
+            </a:pPr>
+            <a:r>
+              <a:rPr lang="en-IN" sz="2400" b="1" dirty="0"/>
+              <a:t>Figure 4.2</a:t>
+            </a:r>
+            <a:r>
+              <a:rPr lang="en-IN" sz="2400" dirty="0"/>
+              <a:t> A Simple Taxonomy for Data Mining Tasks, Methods, and Algorithms.</a:t>
+            </a:r>
+          </a:p>
+        </p:txBody>
+      </p:sp>
+      <p:pic>
+        <p:nvPicPr>
+          <p:cNvPr id="2050" name="Picture 2" descr="The data depicted in the table is as follows: &#10;• Data Mining Tasks and Methods&#10;• Prediction&#10;• Classification&#10;• Data Mining Algorithms: Decision Trees, Neural Networks, Support Vector Machines, kNN, Naïve Bayes, GA.&#10;• Learning Type: Supervised&#10;• Regression&#10;• Data Mining Algorithms: Linear/Nonlinear Regression, ANN, Regression Trees, SVM, kNN, GA&#10;• Learning Type: Supervised&#10;• Time Series&#10;• Data Mining Algorithms: Autoregressive Methods, Averaging Methods, Exponential Smoothing, ARIMA&#10;• Learning Type: Supervised&#10;• Association&#10;• Market-Basket&#10;• Data Mining Algorithms: Apriori, OneR, ZeroR, Eclat, GA&#10;• Learning Type: Unsupervised&#10;• Link Analysis&#10;• Data Mining Algorithms: Expectation Maximization, Apriori Algorithm, Graph-Based Matching&#10;• Learning Type: Unsupervised&#10;• Sequence Analysis&#10;• Data Mining Algorithms: Apriori Algorithm, FP-Growth, Graph-Based Matching&#10;• Learning Type: Unsupervised&#10;• Segmentation&#10;• Clustering&#10;• Data Mining Algorithms: K-means, Expectation Maximization (EM)&#10;• Learning Type: Unsupervised&#10;• Outlier Analysis&#10;• Data Mining Algorithms: K-means, Expectation Maximization (EM)&#10;• Learning Type: Unsupervised&#10;"/>
+          <p:cNvPicPr>
+            <a:picLocks noChangeAspect="1" noChangeArrowheads="1"/>
+          </p:cNvPicPr>
+          <p:nvPr/>
+        </p:nvPicPr>
+        <p:blipFill rotWithShape="1">
+          <a:blip r:embed="rId3">
+            <a:extLst>
+              <a:ext uri="{28A0092B-C50C-407E-A947-70E740481C1C}">
+                <a14:useLocalDpi xmlns:a14="http://schemas.microsoft.com/office/drawing/2010/main" val="0"/>
+              </a:ext>
+            </a:extLst>
+          </a:blip>
+          <a:srcRect b="2606"/>
+          <a:stretch/>
+        </p:blipFill>
+        <p:spPr bwMode="auto">
+          <a:xfrm>
+            <a:off x="3487636" y="762000"/>
+            <a:ext cx="5081445" cy="5500477"/>
+          </a:xfrm>
+          <a:prstGeom prst="rect">
+            <a:avLst/>
+          </a:prstGeom>
+          <a:noFill/>
+          <a:extLst>
+            <a:ext uri="{909E8E84-426E-40DD-AFC4-6F175D3DCCD1}">
+              <a14:hiddenFill xmlns:a14="http://schemas.microsoft.com/office/drawing/2010/main">
+                <a:solidFill>
+                  <a:srgbClr val="FFFFFF"/>
+                </a:solidFill>
+              </a14:hiddenFill>
+            </a:ext>
+          </a:extLst>
+        </p:spPr>
+      </p:pic>
+    </p:spTree>
+    <p:extLst>
+      <p:ext uri="{BB962C8B-B14F-4D97-AF65-F5344CB8AC3E}">
+        <p14:creationId xmlns:p14="http://schemas.microsoft.com/office/powerpoint/2010/main" val="1325967732"/>
       </p:ext>
     </p:extLst>
   </p:cSld>

--- a/Slides/Sharda_11e_full_accessible_ppt_04.pptx
+++ b/Slides/Sharda_11e_full_accessible_ppt_04.pptx
@@ -313,7 +313,7 @@
           <a:p>
             <a:fld id="{8D8D874E-E9D5-433B-A149-BDF6BFDD40A8}" type="datetimeFigureOut">
               <a:rPr lang="en-US" smtClean="0"/>
-              <a:t>10/3/21</a:t>
+              <a:t>10/25/21</a:t>
             </a:fld>
             <a:endParaRPr lang="en-US" dirty="0"/>
           </a:p>
@@ -478,7 +478,7 @@
           <a:p>
             <a:fld id="{EA051F04-9E25-42C3-8BC5-EC2E8469D95E}" type="datetimeFigureOut">
               <a:rPr lang="en-US" smtClean="0"/>
-              <a:t>10/3/21</a:t>
+              <a:t>10/25/21</a:t>
             </a:fld>
             <a:endParaRPr lang="en-US" dirty="0"/>
           </a:p>
@@ -5231,7 +5231,7 @@
           <a:p>
             <a:fld id="{A9DF6EFB-3F44-496C-A842-1E0B3D3B975A}" type="datetimeFigureOut">
               <a:rPr lang="en-US" smtClean="0"/>
-              <a:t>10/3/21</a:t>
+              <a:t>10/25/21</a:t>
             </a:fld>
             <a:endParaRPr lang="en-US" dirty="0"/>
           </a:p>
@@ -5612,7 +5612,7 @@
           <a:p>
             <a:fld id="{A9DF6EFB-3F44-496C-A842-1E0B3D3B975A}" type="datetimeFigureOut">
               <a:rPr lang="en-US" smtClean="0"/>
-              <a:t>10/3/21</a:t>
+              <a:t>10/25/21</a:t>
             </a:fld>
             <a:endParaRPr lang="en-US" dirty="0"/>
           </a:p>
@@ -5935,7 +5935,7 @@
           <a:p>
             <a:fld id="{A9DF6EFB-3F44-496C-A842-1E0B3D3B975A}" type="datetimeFigureOut">
               <a:rPr lang="en-US" smtClean="0"/>
-              <a:t>10/3/21</a:t>
+              <a:t>10/25/21</a:t>
             </a:fld>
             <a:endParaRPr lang="en-US" dirty="0"/>
           </a:p>
@@ -6339,7 +6339,7 @@
           <a:p>
             <a:fld id="{A9DF6EFB-3F44-496C-A842-1E0B3D3B975A}" type="datetimeFigureOut">
               <a:rPr lang="en-US" smtClean="0"/>
-              <a:t>10/3/21</a:t>
+              <a:t>10/25/21</a:t>
             </a:fld>
             <a:endParaRPr lang="en-US" dirty="0"/>
           </a:p>
@@ -6682,7 +6682,7 @@
           <a:p>
             <a:fld id="{A9DF6EFB-3F44-496C-A842-1E0B3D3B975A}" type="datetimeFigureOut">
               <a:rPr lang="en-US" smtClean="0"/>
-              <a:t>10/3/21</a:t>
+              <a:t>10/25/21</a:t>
             </a:fld>
             <a:endParaRPr lang="en-US" dirty="0"/>
           </a:p>
@@ -6804,7 +6804,7 @@
           <a:p>
             <a:fld id="{A9DF6EFB-3F44-496C-A842-1E0B3D3B975A}" type="datetimeFigureOut">
               <a:rPr lang="en-US" smtClean="0"/>
-              <a:t>10/3/21</a:t>
+              <a:t>10/25/21</a:t>
             </a:fld>
             <a:endParaRPr lang="en-US" dirty="0"/>
           </a:p>
@@ -6913,7 +6913,7 @@
             <a:fld id="{A9DF6EFB-3F44-496C-A842-1E0B3D3B975A}" type="datetimeFigureOut">
               <a:rPr lang="en-US" smtClean="0"/>
               <a:pPr/>
-              <a:t>10/3/21</a:t>
+              <a:t>10/25/21</a:t>
             </a:fld>
             <a:endParaRPr lang="en-US" dirty="0"/>
           </a:p>
@@ -7909,7 +7909,7 @@
             <a:fld id="{A9DF6EFB-3F44-496C-A842-1E0B3D3B975A}" type="datetimeFigureOut">
               <a:rPr lang="en-US" smtClean="0"/>
               <a:pPr/>
-              <a:t>10/3/21</a:t>
+              <a:t>10/25/21</a:t>
             </a:fld>
             <a:endParaRPr lang="en-US" dirty="0"/>
           </a:p>
@@ -8298,7 +8298,7 @@
             <a:fld id="{A9DF6EFB-3F44-496C-A842-1E0B3D3B975A}" type="datetimeFigureOut">
               <a:rPr lang="en-US" smtClean="0"/>
               <a:pPr/>
-              <a:t>10/3/21</a:t>
+              <a:t>10/25/21</a:t>
             </a:fld>
             <a:endParaRPr lang="en-US" dirty="0"/>
           </a:p>
@@ -8568,7 +8568,7 @@
             <a:fld id="{A9DF6EFB-3F44-496C-A842-1E0B3D3B975A}" type="datetimeFigureOut">
               <a:rPr lang="en-US" smtClean="0"/>
               <a:pPr/>
-              <a:t>10/3/21</a:t>
+              <a:t>10/25/21</a:t>
             </a:fld>
             <a:endParaRPr lang="en-US" dirty="0"/>
           </a:p>
@@ -8831,7 +8831,7 @@
           <a:p>
             <a:fld id="{A9DF6EFB-3F44-496C-A842-1E0B3D3B975A}" type="datetimeFigureOut">
               <a:rPr lang="en-US" smtClean="0"/>
-              <a:t>10/3/21</a:t>
+              <a:t>10/25/21</a:t>
             </a:fld>
             <a:endParaRPr lang="en-US" dirty="0"/>
           </a:p>
@@ -9067,7 +9067,7 @@
             <a:fld id="{A9DF6EFB-3F44-496C-A842-1E0B3D3B975A}" type="datetimeFigureOut">
               <a:rPr lang="en-US" smtClean="0"/>
               <a:pPr/>
-              <a:t>10/3/21</a:t>
+              <a:t>10/25/21</a:t>
             </a:fld>
             <a:endParaRPr lang="en-US" dirty="0"/>
           </a:p>
@@ -9444,7 +9444,7 @@
           <a:p>
             <a:fld id="{A9DF6EFB-3F44-496C-A842-1E0B3D3B975A}" type="datetimeFigureOut">
               <a:rPr lang="en-US" smtClean="0"/>
-              <a:t>10/3/21</a:t>
+              <a:t>10/25/21</a:t>
             </a:fld>
             <a:endParaRPr lang="en-US" dirty="0"/>
           </a:p>
@@ -10070,7 +10070,7 @@
           <a:p>
             <a:fld id="{A9DF6EFB-3F44-496C-A842-1E0B3D3B975A}" type="datetimeFigureOut">
               <a:rPr lang="en-US" smtClean="0"/>
-              <a:t>10/3/21</a:t>
+              <a:t>10/25/21</a:t>
             </a:fld>
             <a:endParaRPr lang="en-US" dirty="0"/>
           </a:p>
@@ -11200,7 +11200,7 @@
           <a:p>
             <a:fld id="{A9DF6EFB-3F44-496C-A842-1E0B3D3B975A}" type="datetimeFigureOut">
               <a:rPr lang="en-US" smtClean="0"/>
-              <a:t>10/3/21</a:t>
+              <a:t>10/25/21</a:t>
             </a:fld>
             <a:endParaRPr lang="en-US" dirty="0"/>
           </a:p>
@@ -11461,7 +11461,7 @@
             <a:fld id="{A9DF6EFB-3F44-496C-A842-1E0B3D3B975A}" type="datetimeFigureOut">
               <a:rPr lang="en-US" smtClean="0"/>
               <a:pPr/>
-              <a:t>10/3/21</a:t>
+              <a:t>10/25/21</a:t>
             </a:fld>
             <a:endParaRPr lang="en-US" dirty="0"/>
           </a:p>
@@ -13542,7 +13542,7 @@
           <a:graphicData uri="http://schemas.openxmlformats.org/presentationml/2006/ole">
             <mc:AlternateContent xmlns:mc="http://schemas.openxmlformats.org/markup-compatibility/2006">
               <mc:Choice xmlns:v="urn:schemas-microsoft-com:vml" Requires="v">
-                <p:oleObj spid="_x0000_s7395" name="Equation" r:id="rId4" imgW="1054080" imgH="711000" progId="Equation.DSMT4">
+                <p:oleObj spid="_x0000_s7396" name="Equation" r:id="rId4" imgW="1054080" imgH="711000" progId="Equation.DSMT4">
                   <p:embed/>
                 </p:oleObj>
               </mc:Choice>
@@ -15017,7 +15017,7 @@
           <a:graphicData uri="http://schemas.openxmlformats.org/presentationml/2006/ole">
             <mc:AlternateContent xmlns:mc="http://schemas.openxmlformats.org/markup-compatibility/2006">
               <mc:Choice xmlns:v="urn:schemas-microsoft-com:vml" Requires="v">
-                <p:oleObj spid="_x0000_s8481" name="Equation" r:id="rId5" imgW="1688367" imgH="355446" progId="Equation.DSMT4">
+                <p:oleObj spid="_x0000_s8486" name="Equation" r:id="rId5" imgW="1688367" imgH="355446" progId="Equation.DSMT4">
                   <p:embed/>
                 </p:oleObj>
               </mc:Choice>
@@ -15106,7 +15106,7 @@
           <a:graphicData uri="http://schemas.openxmlformats.org/presentationml/2006/ole">
             <mc:AlternateContent xmlns:mc="http://schemas.openxmlformats.org/markup-compatibility/2006">
               <mc:Choice xmlns:v="urn:schemas-microsoft-com:vml" Requires="v">
-                <p:oleObj spid="_x0000_s8482" name="Equation" r:id="rId7" imgW="1892160" imgH="393480" progId="Equation.DSMT4">
+                <p:oleObj spid="_x0000_s8487" name="Equation" r:id="rId7" imgW="1892160" imgH="393480" progId="Equation.DSMT4">
                   <p:embed/>
                 </p:oleObj>
               </mc:Choice>
@@ -15189,7 +15189,7 @@
           <a:graphicData uri="http://schemas.openxmlformats.org/presentationml/2006/ole">
             <mc:AlternateContent xmlns:mc="http://schemas.openxmlformats.org/markup-compatibility/2006">
               <mc:Choice xmlns:v="urn:schemas-microsoft-com:vml" Requires="v">
-                <p:oleObj spid="_x0000_s8483" name="Equation" r:id="rId9" imgW="1625600" imgH="355600" progId="Equation.DSMT4">
+                <p:oleObj spid="_x0000_s8488" name="Equation" r:id="rId9" imgW="1625600" imgH="355600" progId="Equation.DSMT4">
                   <p:embed/>
                 </p:oleObj>
               </mc:Choice>
@@ -15278,7 +15278,7 @@
           <a:graphicData uri="http://schemas.openxmlformats.org/presentationml/2006/ole">
             <mc:AlternateContent xmlns:mc="http://schemas.openxmlformats.org/markup-compatibility/2006">
               <mc:Choice xmlns:v="urn:schemas-microsoft-com:vml" Requires="v">
-                <p:oleObj spid="_x0000_s8484" name="Equation" r:id="rId11" imgW="1320480" imgH="393480" progId="Equation.3">
+                <p:oleObj spid="_x0000_s8489" name="Equation" r:id="rId11" imgW="1320480" imgH="393480" progId="Equation.3">
                   <p:embed/>
                 </p:oleObj>
               </mc:Choice>
@@ -15361,7 +15361,7 @@
           <a:graphicData uri="http://schemas.openxmlformats.org/presentationml/2006/ole">
             <mc:AlternateContent xmlns:mc="http://schemas.openxmlformats.org/markup-compatibility/2006">
               <mc:Choice xmlns:v="urn:schemas-microsoft-com:vml" Requires="v">
-                <p:oleObj spid="_x0000_s8485" name="Equation" r:id="rId13" imgW="977900" imgH="355600" progId="Equation.3">
+                <p:oleObj spid="_x0000_s8490" name="Equation" r:id="rId13" imgW="977900" imgH="355600" progId="Equation.3">
                   <p:embed/>
                 </p:oleObj>
               </mc:Choice>
@@ -19341,7 +19341,7 @@
         <p:spPr>
           <a:xfrm>
             <a:off x="456154" y="1355236"/>
-            <a:ext cx="8154446" cy="886397"/>
+            <a:ext cx="8154446" cy="845616"/>
           </a:xfrm>
         </p:spPr>
         <p:txBody>
@@ -19365,12 +19365,12 @@
               <a:t>A Graphical Illustration of the Steps in the        </a:t>
             </a:r>
             <a:r>
-              <a:rPr lang="en-IN" sz="2400" i="1" dirty="0"/>
-              <a:t>k</a:t>
+              <a:rPr lang="en-IN" sz="2400" i="1" dirty="0" err="1"/>
+              <a:t>Apriori</a:t>
             </a:r>
             <a:r>
               <a:rPr lang="en-IN" sz="2400" dirty="0"/>
-              <a:t>-Means Algorithm.</a:t>
+              <a:t> Algorithm.</a:t>
             </a:r>
           </a:p>
         </p:txBody>
